--- a/blood vessel detection.pptx
+++ b/blood vessel detection.pptx
@@ -5,29 +5,30 @@
     <p:sldMasterId id="2147484152" r:id="rId1"/>
   </p:sldMasterIdLst>
   <p:notesMasterIdLst>
-    <p:notesMasterId r:id="rId19"/>
+    <p:notesMasterId r:id="rId20"/>
   </p:notesMasterIdLst>
   <p:handoutMasterIdLst>
-    <p:handoutMasterId r:id="rId20"/>
+    <p:handoutMasterId r:id="rId21"/>
   </p:handoutMasterIdLst>
   <p:sldIdLst>
     <p:sldId id="280" r:id="rId2"/>
     <p:sldId id="257" r:id="rId3"/>
-    <p:sldId id="282" r:id="rId4"/>
-    <p:sldId id="286" r:id="rId5"/>
-    <p:sldId id="303" r:id="rId6"/>
-    <p:sldId id="288" r:id="rId7"/>
-    <p:sldId id="289" r:id="rId8"/>
-    <p:sldId id="290" r:id="rId9"/>
-    <p:sldId id="291" r:id="rId10"/>
-    <p:sldId id="292" r:id="rId11"/>
-    <p:sldId id="307" r:id="rId12"/>
-    <p:sldId id="302" r:id="rId13"/>
-    <p:sldId id="284" r:id="rId14"/>
-    <p:sldId id="296" r:id="rId15"/>
-    <p:sldId id="266" r:id="rId16"/>
-    <p:sldId id="308" r:id="rId17"/>
-    <p:sldId id="309" r:id="rId18"/>
+    <p:sldId id="310" r:id="rId4"/>
+    <p:sldId id="282" r:id="rId5"/>
+    <p:sldId id="286" r:id="rId6"/>
+    <p:sldId id="311" r:id="rId7"/>
+    <p:sldId id="288" r:id="rId8"/>
+    <p:sldId id="289" r:id="rId9"/>
+    <p:sldId id="290" r:id="rId10"/>
+    <p:sldId id="291" r:id="rId11"/>
+    <p:sldId id="292" r:id="rId12"/>
+    <p:sldId id="307" r:id="rId13"/>
+    <p:sldId id="302" r:id="rId14"/>
+    <p:sldId id="284" r:id="rId15"/>
+    <p:sldId id="296" r:id="rId16"/>
+    <p:sldId id="266" r:id="rId17"/>
+    <p:sldId id="308" r:id="rId18"/>
+    <p:sldId id="309" r:id="rId19"/>
   </p:sldIdLst>
   <p:sldSz cx="9144000" cy="6858000" type="screen4x3"/>
   <p:notesSz cx="6805613" cy="9939338"/>
@@ -133,9 +134,10 @@
           <p14:sldIdLst>
             <p14:sldId id="280"/>
             <p14:sldId id="257"/>
+            <p14:sldId id="310"/>
             <p14:sldId id="282"/>
             <p14:sldId id="286"/>
-            <p14:sldId id="303"/>
+            <p14:sldId id="311"/>
             <p14:sldId id="288"/>
             <p14:sldId id="289"/>
             <p14:sldId id="290"/>
@@ -970,7 +972,7 @@
           <a:p>
             <a:fld id="{A1FE4518-A78A-41CE-93F2-9D3CB0EC3E0A}" type="slidenum">
               <a:rPr kumimoji="1" lang="ja-JP" altLang="en-US" smtClean="0"/>
-              <a:t>2</a:t>
+              <a:t>3</a:t>
             </a:fld>
             <a:endParaRPr kumimoji="1" lang="ja-JP" altLang="en-US"/>
           </a:p>
@@ -1054,7 +1056,7 @@
           <a:p>
             <a:fld id="{A1FE4518-A78A-41CE-93F2-9D3CB0EC3E0A}" type="slidenum">
               <a:rPr kumimoji="1" lang="ja-JP" altLang="en-US" smtClean="0"/>
-              <a:t>3</a:t>
+              <a:t>4</a:t>
             </a:fld>
             <a:endParaRPr kumimoji="1" lang="ja-JP" altLang="en-US"/>
           </a:p>
@@ -1138,7 +1140,7 @@
           <a:p>
             <a:fld id="{E3670DB6-9D42-4551-A2D8-6F21EC51555B}" type="slidenum">
               <a:rPr kumimoji="1" lang="ja-JP" altLang="en-US" smtClean="0"/>
-              <a:t>9</a:t>
+              <a:t>10</a:t>
             </a:fld>
             <a:endParaRPr kumimoji="1" lang="ja-JP" altLang="en-US"/>
           </a:p>
@@ -1230,7 +1232,7 @@
           <a:p>
             <a:fld id="{E3670DB6-9D42-4551-A2D8-6F21EC51555B}" type="slidenum">
               <a:rPr kumimoji="1" lang="ja-JP" altLang="en-US" smtClean="0"/>
-              <a:t>14</a:t>
+              <a:t>15</a:t>
             </a:fld>
             <a:endParaRPr kumimoji="1" lang="ja-JP" altLang="en-US"/>
           </a:p>
@@ -4537,16 +4539,43 @@
           <a:p>
             <a:r>
               <a:rPr lang="ja-JP" altLang="en-US" sz="3200" b="1" dirty="0"/>
-              <a:t>モノクロ生態計測画像からの血管抽出アルゴリズムの検討</a:t>
+              <a:t>モノクロ生態計測画像から</a:t>
+            </a:r>
+            <a:r>
+              <a:rPr lang="ja-JP" altLang="en-US" sz="3200" b="1" dirty="0" smtClean="0"/>
+              <a:t>の</a:t>
+            </a:r>
+            <a:r>
+              <a:rPr lang="en-US" altLang="ja-JP" sz="3200" b="1" dirty="0" smtClean="0"/>
+              <a:t/>
+            </a:r>
+            <a:br>
+              <a:rPr lang="en-US" altLang="ja-JP" sz="3200" b="1" dirty="0" smtClean="0"/>
+            </a:br>
+            <a:r>
+              <a:rPr lang="ja-JP" altLang="en-US" sz="3200" b="1" dirty="0" smtClean="0"/>
+              <a:t>血管</a:t>
+            </a:r>
+            <a:r>
+              <a:rPr lang="ja-JP" altLang="en-US" sz="3200" b="1" dirty="0"/>
+              <a:t>抽出アルゴリズムの検討</a:t>
+            </a:r>
+            <a:r>
+              <a:rPr lang="en-US" altLang="ja-JP" sz="3200" b="1" dirty="0"/>
+              <a:t/>
             </a:r>
             <a:br>
               <a:rPr lang="en-US" altLang="ja-JP" sz="3200" b="1" dirty="0"/>
             </a:br>
+            <a:r>
+              <a:rPr lang="en-US" altLang="ja-JP" sz="3200" b="1" dirty="0"/>
+              <a:t/>
+            </a:r>
             <a:br>
               <a:rPr lang="en-US" altLang="ja-JP" sz="3200" b="1" dirty="0"/>
             </a:br>
             <a:r>
-              <a:rPr lang="en-US" altLang="ja-JP" sz="3200" b="1" dirty="0"/>
+              <a:rPr lang="en-US" altLang="ja-JP" sz="3200" dirty="0"/>
               <a:t>Blood vessel detection in grayscale forearm images</a:t>
             </a:r>
             <a:endParaRPr kumimoji="1" lang="ja-JP" altLang="en-US" sz="3200" dirty="0">
@@ -4914,10 +4943,619 @@
   <p:clrMapOvr>
     <a:masterClrMapping/>
   </p:clrMapOvr>
+  <p:timing>
+    <p:tnLst>
+      <p:par>
+        <p:cTn id="1" dur="indefinite" restart="never" nodeType="tmRoot"/>
+      </p:par>
+    </p:tnLst>
+  </p:timing>
 </p:sld>
 </file>
 
 <file path=ppt/slides/slide10.xml><?xml version="1.0" encoding="utf-8"?>
+<p:sld xmlns:a="http://schemas.openxmlformats.org/drawingml/2006/main" xmlns:r="http://schemas.openxmlformats.org/officeDocument/2006/relationships" xmlns:p="http://schemas.openxmlformats.org/presentationml/2006/main">
+  <p:cSld>
+    <p:spTree>
+      <p:nvGrpSpPr>
+        <p:cNvPr id="1" name=""/>
+        <p:cNvGrpSpPr/>
+        <p:nvPr/>
+      </p:nvGrpSpPr>
+      <p:grpSpPr>
+        <a:xfrm>
+          <a:off x="0" y="0"/>
+          <a:ext cx="0" cy="0"/>
+          <a:chOff x="0" y="0"/>
+          <a:chExt cx="0" cy="0"/>
+        </a:xfrm>
+      </p:grpSpPr>
+      <p:sp>
+        <p:nvSpPr>
+          <p:cNvPr id="4" name="タイトル 1"/>
+          <p:cNvSpPr>
+            <a:spLocks noGrp="1"/>
+          </p:cNvSpPr>
+          <p:nvPr>
+            <p:ph type="title"/>
+          </p:nvPr>
+        </p:nvSpPr>
+        <p:spPr>
+          <a:xfrm>
+            <a:off x="179512" y="188628"/>
+            <a:ext cx="5544616" cy="432060"/>
+          </a:xfrm>
+        </p:spPr>
+        <p:txBody>
+          <a:bodyPr>
+            <a:noAutofit/>
+          </a:bodyPr>
+          <a:lstStyle/>
+          <a:p>
+            <a:pPr algn="l"/>
+            <a:r>
+              <a:rPr lang="ja-JP" altLang="en-US" sz="3200" u="sng" dirty="0">
+                <a:uFill>
+                  <a:solidFill>
+                    <a:srgbClr val="00B050"/>
+                  </a:solidFill>
+                </a:uFill>
+                <a:latin typeface="+mj-ea"/>
+              </a:rPr>
+              <a:t>谷</a:t>
+            </a:r>
+            <a:r>
+              <a:rPr lang="ja-JP" altLang="en-US" sz="3200" u="sng" dirty="0" smtClean="0">
+                <a:uFill>
+                  <a:solidFill>
+                    <a:srgbClr val="00B050"/>
+                  </a:solidFill>
+                </a:uFill>
+                <a:latin typeface="+mj-ea"/>
+              </a:rPr>
+              <a:t>強度</a:t>
+            </a:r>
+            <a:r>
+              <a:rPr lang="en-US" altLang="ja-JP" sz="3200" u="sng" dirty="0" smtClean="0">
+                <a:uFill>
+                  <a:solidFill>
+                    <a:srgbClr val="00B050"/>
+                  </a:solidFill>
+                </a:uFill>
+                <a:latin typeface="+mj-ea"/>
+              </a:rPr>
+              <a:t>(ridge strength)</a:t>
+            </a:r>
+            <a:endParaRPr kumimoji="1" lang="ja-JP" altLang="en-US" sz="3200" u="sng" dirty="0">
+              <a:uFill>
+                <a:solidFill>
+                  <a:srgbClr val="00B050"/>
+                </a:solidFill>
+              </a:uFill>
+              <a:latin typeface="+mj-ea"/>
+            </a:endParaRPr>
+          </a:p>
+        </p:txBody>
+      </p:sp>
+      <p:sp>
+        <p:nvSpPr>
+          <p:cNvPr id="7" name="テキスト ボックス 6"/>
+          <p:cNvSpPr txBox="1"/>
+          <p:nvPr/>
+        </p:nvSpPr>
+        <p:spPr>
+          <a:xfrm>
+            <a:off x="179512" y="953235"/>
+            <a:ext cx="8963621" cy="523220"/>
+          </a:xfrm>
+          <a:prstGeom prst="rect">
+            <a:avLst/>
+          </a:prstGeom>
+          <a:noFill/>
+        </p:spPr>
+        <p:txBody>
+          <a:bodyPr wrap="square" rtlCol="0">
+            <a:spAutoFit/>
+          </a:bodyPr>
+          <a:lstStyle/>
+          <a:p>
+            <a:r>
+              <a:rPr lang="ja-JP" altLang="en-US" sz="2800" dirty="0"/>
+              <a:t>谷によって適切なスケールが</a:t>
+            </a:r>
+            <a:r>
+              <a:rPr lang="ja-JP" altLang="en-US" sz="2800" dirty="0" smtClean="0"/>
+              <a:t>異なるため，</a:t>
+            </a:r>
+            <a:r>
+              <a:rPr lang="ja-JP" altLang="en-US" sz="2800" dirty="0"/>
+              <a:t>谷強度を導入</a:t>
+            </a:r>
+            <a:endParaRPr lang="en-US" altLang="ja-JP" sz="2800" dirty="0"/>
+          </a:p>
+        </p:txBody>
+      </p:sp>
+      <p:sp>
+        <p:nvSpPr>
+          <p:cNvPr id="2" name="スライド番号プレースホルダー 1"/>
+          <p:cNvSpPr>
+            <a:spLocks noGrp="1"/>
+          </p:cNvSpPr>
+          <p:nvPr>
+            <p:ph type="sldNum" sz="quarter" idx="12"/>
+          </p:nvPr>
+        </p:nvSpPr>
+        <p:spPr>
+          <a:xfrm>
+            <a:off x="7010400" y="0"/>
+            <a:ext cx="2133600" cy="365125"/>
+          </a:xfrm>
+        </p:spPr>
+        <p:txBody>
+          <a:bodyPr/>
+          <a:lstStyle/>
+          <a:p>
+            <a:fld id="{519954A3-9DFD-4C44-94BA-B95130A3BA1C}" type="slidenum">
+              <a:rPr lang="en-US" smtClean="0"/>
+              <a:t>9</a:t>
+            </a:fld>
+            <a:endParaRPr lang="en-US" dirty="0"/>
+          </a:p>
+        </p:txBody>
+      </p:sp>
+      <mc:AlternateContent xmlns:mc="http://schemas.openxmlformats.org/markup-compatibility/2006" xmlns:a14="http://schemas.microsoft.com/office/drawing/2010/main">
+        <mc:Choice Requires="a14">
+          <p:sp>
+            <p:nvSpPr>
+              <p:cNvPr id="3" name="Rectangle 2"/>
+              <p:cNvSpPr/>
+              <p:nvPr/>
+            </p:nvSpPr>
+            <p:spPr>
+              <a:xfrm>
+                <a:off x="1714358" y="2708462"/>
+                <a:ext cx="5893927" cy="588431"/>
+              </a:xfrm>
+              <a:prstGeom prst="rect">
+                <a:avLst/>
+              </a:prstGeom>
+            </p:spPr>
+            <p:txBody>
+              <a:bodyPr wrap="square">
+                <a:spAutoFit/>
+              </a:bodyPr>
+              <a:lstStyle/>
+              <a:p>
+                <a:pPr/>
+                <a14:m>
+                  <m:oMathPara xmlns:m="http://schemas.openxmlformats.org/officeDocument/2006/math">
+                    <m:oMathParaPr>
+                      <m:jc m:val="centerGroup"/>
+                    </m:oMathParaPr>
+                    <m:oMath xmlns:m="http://schemas.openxmlformats.org/officeDocument/2006/math">
+                      <m:sSub>
+                        <m:sSubPr>
+                          <m:ctrlPr>
+                            <a:rPr lang="en-US" sz="2800" i="1">
+                              <a:latin typeface="Cambria Math" panose="02040503050406030204" pitchFamily="18" charset="0"/>
+                            </a:rPr>
+                          </m:ctrlPr>
+                        </m:sSubPr>
+                        <m:e>
+                          <m:r>
+                            <a:rPr lang="en-US" sz="2800">
+                              <a:latin typeface="Cambria Math" panose="02040503050406030204" pitchFamily="18" charset="0"/>
+                            </a:rPr>
+                            <m:t>ℳ</m:t>
+                          </m:r>
+                        </m:e>
+                        <m:sub>
+                          <m:r>
+                            <a:rPr lang="en-US" sz="2800" i="1">
+                              <a:latin typeface="Cambria Math" panose="02040503050406030204" pitchFamily="18" charset="0"/>
+                            </a:rPr>
+                            <m:t>𝛾</m:t>
+                          </m:r>
+                          <m:r>
+                            <a:rPr lang="en-US" sz="2800" i="0">
+                              <a:latin typeface="Cambria Math" panose="02040503050406030204" pitchFamily="18" charset="0"/>
+                            </a:rPr>
+                            <m:t>−</m:t>
+                          </m:r>
+                          <m:r>
+                            <a:rPr lang="en-US" sz="2800" i="1">
+                              <a:latin typeface="Cambria Math" panose="02040503050406030204" pitchFamily="18" charset="0"/>
+                            </a:rPr>
+                            <m:t>𝑛𝑜𝑟𝑚</m:t>
+                          </m:r>
+                        </m:sub>
+                      </m:sSub>
+                      <m:r>
+                        <a:rPr lang="en-US" sz="2800" i="1">
+                          <a:latin typeface="Cambria Math" panose="02040503050406030204" pitchFamily="18" charset="0"/>
+                        </a:rPr>
+                        <m:t>𝐿</m:t>
+                      </m:r>
+                      <m:r>
+                        <a:rPr lang="en-US" sz="2800" i="0">
+                          <a:latin typeface="Cambria Math" panose="02040503050406030204" pitchFamily="18" charset="0"/>
+                        </a:rPr>
+                        <m:t>(</m:t>
+                      </m:r>
+                      <m:r>
+                        <a:rPr lang="en-US" sz="2800" i="1">
+                          <a:latin typeface="Cambria Math" panose="02040503050406030204" pitchFamily="18" charset="0"/>
+                        </a:rPr>
+                        <m:t>𝑥</m:t>
+                      </m:r>
+                      <m:r>
+                        <a:rPr lang="en-US" sz="2800" i="0">
+                          <a:latin typeface="Cambria Math" panose="02040503050406030204" pitchFamily="18" charset="0"/>
+                        </a:rPr>
+                        <m:t>,</m:t>
+                      </m:r>
+                      <m:r>
+                        <a:rPr lang="en-US" sz="2800" i="1">
+                          <a:latin typeface="Cambria Math" panose="02040503050406030204" pitchFamily="18" charset="0"/>
+                        </a:rPr>
+                        <m:t>𝑦</m:t>
+                      </m:r>
+                      <m:r>
+                        <a:rPr lang="en-US" sz="2800" i="0">
+                          <a:latin typeface="Cambria Math" panose="02040503050406030204" pitchFamily="18" charset="0"/>
+                        </a:rPr>
+                        <m:t>,</m:t>
+                      </m:r>
+                      <m:r>
+                        <a:rPr lang="en-US" sz="2800" i="1">
+                          <a:latin typeface="Cambria Math" panose="02040503050406030204" pitchFamily="18" charset="0"/>
+                        </a:rPr>
+                        <m:t>𝑡</m:t>
+                      </m:r>
+                      <m:r>
+                        <a:rPr lang="en-US" sz="2800" i="0">
+                          <a:latin typeface="Cambria Math" panose="02040503050406030204" pitchFamily="18" charset="0"/>
+                        </a:rPr>
+                        <m:t>)=</m:t>
+                      </m:r>
+                      <m:sSup>
+                        <m:sSupPr>
+                          <m:ctrlPr>
+                            <a:rPr lang="en-US" sz="2800" i="1">
+                              <a:latin typeface="Cambria Math" panose="02040503050406030204" pitchFamily="18" charset="0"/>
+                            </a:rPr>
+                          </m:ctrlPr>
+                        </m:sSupPr>
+                        <m:e>
+                          <m:r>
+                            <a:rPr lang="en-US" sz="2800" i="1">
+                              <a:latin typeface="Cambria Math" panose="02040503050406030204" pitchFamily="18" charset="0"/>
+                            </a:rPr>
+                            <m:t>𝑡</m:t>
+                          </m:r>
+                        </m:e>
+                        <m:sup>
+                          <m:r>
+                            <a:rPr lang="en-US" sz="2800" i="1">
+                              <a:latin typeface="Cambria Math" panose="02040503050406030204" pitchFamily="18" charset="0"/>
+                            </a:rPr>
+                            <m:t>𝛾</m:t>
+                          </m:r>
+                        </m:sup>
+                      </m:sSup>
+                      <m:d>
+                        <m:dPr>
+                          <m:begChr m:val="|"/>
+                          <m:endChr m:val="|"/>
+                          <m:ctrlPr>
+                            <a:rPr lang="en-US" sz="2800" i="1">
+                              <a:latin typeface="Cambria Math" panose="02040503050406030204" pitchFamily="18" charset="0"/>
+                            </a:rPr>
+                          </m:ctrlPr>
+                        </m:dPr>
+                        <m:e>
+                          <m:d>
+                            <m:dPr>
+                              <m:begChr m:val=""/>
+                              <m:ctrlPr>
+                                <a:rPr lang="en-US" sz="2800" i="1">
+                                  <a:latin typeface="Cambria Math" panose="02040503050406030204" pitchFamily="18" charset="0"/>
+                                </a:rPr>
+                              </m:ctrlPr>
+                            </m:dPr>
+                            <m:e>
+                              <m:sSub>
+                                <m:sSubPr>
+                                  <m:ctrlPr>
+                                    <a:rPr lang="en-US" sz="2800" i="1">
+                                      <a:latin typeface="Cambria Math" panose="02040503050406030204" pitchFamily="18" charset="0"/>
+                                    </a:rPr>
+                                  </m:ctrlPr>
+                                </m:sSubPr>
+                                <m:e>
+                                  <m:r>
+                                    <a:rPr lang="en-US" sz="2800" i="1">
+                                      <a:latin typeface="Cambria Math" panose="02040503050406030204" pitchFamily="18" charset="0"/>
+                                    </a:rPr>
+                                    <m:t>𝐿</m:t>
+                                  </m:r>
+                                </m:e>
+                                <m:sub>
+                                  <m:r>
+                                    <a:rPr lang="en-US" sz="2800" i="1">
+                                      <a:latin typeface="Cambria Math" panose="02040503050406030204" pitchFamily="18" charset="0"/>
+                                    </a:rPr>
+                                    <m:t>𝑞𝑞</m:t>
+                                  </m:r>
+                                </m:sub>
+                              </m:sSub>
+                              <m:r>
+                                <a:rPr lang="en-US" sz="2800" i="0">
+                                  <a:latin typeface="Cambria Math" panose="02040503050406030204" pitchFamily="18" charset="0"/>
+                                </a:rPr>
+                                <m:t>(</m:t>
+                              </m:r>
+                              <m:r>
+                                <a:rPr lang="en-US" sz="2800" i="1">
+                                  <a:latin typeface="Cambria Math" panose="02040503050406030204" pitchFamily="18" charset="0"/>
+                                </a:rPr>
+                                <m:t>𝑥</m:t>
+                              </m:r>
+                              <m:r>
+                                <a:rPr lang="en-US" sz="2800" i="0">
+                                  <a:latin typeface="Cambria Math" panose="02040503050406030204" pitchFamily="18" charset="0"/>
+                                </a:rPr>
+                                <m:t>,</m:t>
+                              </m:r>
+                              <m:r>
+                                <a:rPr lang="en-US" sz="2800" i="1">
+                                  <a:latin typeface="Cambria Math" panose="02040503050406030204" pitchFamily="18" charset="0"/>
+                                </a:rPr>
+                                <m:t>𝑦</m:t>
+                              </m:r>
+                              <m:r>
+                                <a:rPr lang="en-US" sz="2800" i="0">
+                                  <a:latin typeface="Cambria Math" panose="02040503050406030204" pitchFamily="18" charset="0"/>
+                                </a:rPr>
+                                <m:t>,</m:t>
+                              </m:r>
+                              <m:r>
+                                <a:rPr lang="en-US" sz="2800" i="1">
+                                  <a:latin typeface="Cambria Math" panose="02040503050406030204" pitchFamily="18" charset="0"/>
+                                </a:rPr>
+                                <m:t>𝑡</m:t>
+                              </m:r>
+                            </m:e>
+                          </m:d>
+                        </m:e>
+                      </m:d>
+                    </m:oMath>
+                  </m:oMathPara>
+                </a14:m>
+                <a:endParaRPr lang="en-US" sz="2800" dirty="0"/>
+              </a:p>
+            </p:txBody>
+          </p:sp>
+        </mc:Choice>
+        <mc:Fallback xmlns="">
+          <p:sp>
+            <p:nvSpPr>
+              <p:cNvPr id="3" name="Rectangle 2"/>
+              <p:cNvSpPr>
+                <a:spLocks noRot="1" noChangeAspect="1" noMove="1" noResize="1" noEditPoints="1" noAdjustHandles="1" noChangeArrowheads="1" noChangeShapeType="1" noTextEdit="1"/>
+              </p:cNvSpPr>
+              <p:nvPr/>
+            </p:nvSpPr>
+            <p:spPr>
+              <a:xfrm>
+                <a:off x="1714358" y="2708462"/>
+                <a:ext cx="5893927" cy="588431"/>
+              </a:xfrm>
+              <a:prstGeom prst="rect">
+                <a:avLst/>
+              </a:prstGeom>
+              <a:blipFill>
+                <a:blip r:embed="rId2"/>
+                <a:stretch>
+                  <a:fillRect/>
+                </a:stretch>
+              </a:blipFill>
+            </p:spPr>
+            <p:txBody>
+              <a:bodyPr/>
+              <a:lstStyle/>
+              <a:p>
+                <a:r>
+                  <a:rPr lang="en-US">
+                    <a:noFill/>
+                  </a:rPr>
+                  <a:t> </a:t>
+                </a:r>
+              </a:p>
+            </p:txBody>
+          </p:sp>
+        </mc:Fallback>
+      </mc:AlternateContent>
+      <mc:AlternateContent xmlns:mc="http://schemas.openxmlformats.org/markup-compatibility/2006">
+        <mc:Choice xmlns:a14="http://schemas.microsoft.com/office/drawing/2010/main" Requires="a14">
+          <p:sp>
+            <p:nvSpPr>
+              <p:cNvPr id="5" name="TextBox 4"/>
+              <p:cNvSpPr txBox="1"/>
+              <p:nvPr/>
+            </p:nvSpPr>
+            <p:spPr>
+              <a:xfrm>
+                <a:off x="179512" y="4261282"/>
+                <a:ext cx="6942798" cy="954107"/>
+              </a:xfrm>
+              <a:prstGeom prst="rect">
+                <a:avLst/>
+              </a:prstGeom>
+              <a:noFill/>
+            </p:spPr>
+            <p:txBody>
+              <a:bodyPr wrap="none" rtlCol="0">
+                <a:spAutoFit/>
+              </a:bodyPr>
+              <a:lstStyle/>
+              <a:p>
+                <a:pPr marL="342900" indent="-342900">
+                  <a:buFont typeface="Arial" panose="020B0604020202020204" pitchFamily="34" charset="0"/>
+                  <a:buChar char="•"/>
+                </a:pPr>
+                <a:r>
+                  <a:rPr lang="ja-JP" altLang="en-US" sz="2800" dirty="0" smtClean="0"/>
+                  <a:t>主曲率</a:t>
+                </a:r>
+                <a:r>
+                  <a:rPr lang="en-US" altLang="ja-JP" sz="2800" dirty="0" err="1" smtClean="0"/>
+                  <a:t>Lqq</a:t>
+                </a:r>
+                <a:r>
+                  <a:rPr lang="ja-JP" altLang="en-US" sz="2800" dirty="0" smtClean="0"/>
+                  <a:t>の</a:t>
+                </a:r>
+                <a:r>
+                  <a:rPr lang="ja-JP" altLang="en-US" sz="2800" dirty="0"/>
+                  <a:t>絶対値に比例</a:t>
+                </a:r>
+                <a:r>
+                  <a:rPr lang="ja-JP" altLang="en-US" sz="2800" dirty="0" smtClean="0"/>
+                  <a:t>する</a:t>
+                </a:r>
+                <a:endParaRPr lang="en-US" altLang="ja-JP" sz="2800" dirty="0"/>
+              </a:p>
+              <a:p>
+                <a:pPr marL="342900" indent="-342900">
+                  <a:buFont typeface="Arial" panose="020B0604020202020204" pitchFamily="34" charset="0"/>
+                  <a:buChar char="•"/>
+                </a:pPr>
+                <a:r>
+                  <a:rPr lang="ja-JP" altLang="en-US" sz="2800" dirty="0"/>
+                  <a:t>位置</a:t>
+                </a:r>
+                <a14:m>
+                  <m:oMath xmlns:m="http://schemas.openxmlformats.org/officeDocument/2006/math">
+                    <m:d>
+                      <m:dPr>
+                        <m:begChr m:val=""/>
+                        <m:ctrlPr>
+                          <a:rPr lang="en-US" sz="2800" i="1">
+                            <a:latin typeface="Cambria Math" panose="02040503050406030204" pitchFamily="18" charset="0"/>
+                          </a:rPr>
+                        </m:ctrlPr>
+                      </m:dPr>
+                      <m:e>
+                        <m:r>
+                          <a:rPr lang="en-US" sz="2800" i="1" smtClean="0">
+                            <a:latin typeface="Cambria Math" panose="02040503050406030204" pitchFamily="18" charset="0"/>
+                          </a:rPr>
+                          <m:t> </m:t>
+                        </m:r>
+                        <m:r>
+                          <a:rPr lang="en-US" sz="2800">
+                            <a:latin typeface="Cambria Math" panose="02040503050406030204" pitchFamily="18" charset="0"/>
+                          </a:rPr>
+                          <m:t>(</m:t>
+                        </m:r>
+                        <m:r>
+                          <a:rPr lang="en-US" sz="2800" i="1">
+                            <a:latin typeface="Cambria Math" panose="02040503050406030204" pitchFamily="18" charset="0"/>
+                          </a:rPr>
+                          <m:t>𝑥</m:t>
+                        </m:r>
+                        <m:r>
+                          <a:rPr lang="en-US" sz="2800">
+                            <a:latin typeface="Cambria Math" panose="02040503050406030204" pitchFamily="18" charset="0"/>
+                          </a:rPr>
+                          <m:t>,</m:t>
+                        </m:r>
+                        <m:r>
+                          <a:rPr lang="en-US" sz="2800" i="1">
+                            <a:latin typeface="Cambria Math" panose="02040503050406030204" pitchFamily="18" charset="0"/>
+                          </a:rPr>
+                          <m:t>𝑦</m:t>
+                        </m:r>
+                      </m:e>
+                    </m:d>
+                    <m:r>
+                      <a:rPr lang="ja-JP" altLang="en-US" sz="2800" i="1">
+                        <a:latin typeface="Cambria Math" panose="02040503050406030204" pitchFamily="18" charset="0"/>
+                      </a:rPr>
+                      <m:t>の</m:t>
+                    </m:r>
+                  </m:oMath>
+                </a14:m>
+                <a:r>
+                  <a:rPr lang="ja-JP" altLang="en-US" sz="2800" dirty="0"/>
+                  <a:t>適切なスケールで極大になる</a:t>
+                </a:r>
+                <a:endParaRPr lang="en-US" altLang="ja-JP" sz="2800" dirty="0"/>
+              </a:p>
+            </p:txBody>
+          </p:sp>
+        </mc:Choice>
+        <mc:Fallback>
+          <p:sp>
+            <p:nvSpPr>
+              <p:cNvPr id="5" name="TextBox 4"/>
+              <p:cNvSpPr txBox="1">
+                <a:spLocks noRot="1" noChangeAspect="1" noMove="1" noResize="1" noEditPoints="1" noAdjustHandles="1" noChangeArrowheads="1" noChangeShapeType="1" noTextEdit="1"/>
+              </p:cNvSpPr>
+              <p:nvPr/>
+            </p:nvSpPr>
+            <p:spPr>
+              <a:xfrm>
+                <a:off x="179512" y="4261282"/>
+                <a:ext cx="6942798" cy="954107"/>
+              </a:xfrm>
+              <a:prstGeom prst="rect">
+                <a:avLst/>
+              </a:prstGeom>
+              <a:blipFill rotWithShape="0">
+                <a:blip r:embed="rId3"/>
+                <a:stretch>
+                  <a:fillRect l="-1580" t="-8280" r="-439" b="-14650"/>
+                </a:stretch>
+              </a:blipFill>
+            </p:spPr>
+            <p:txBody>
+              <a:bodyPr/>
+              <a:lstStyle/>
+              <a:p>
+                <a:r>
+                  <a:rPr lang="ja-JP" altLang="en-US">
+                    <a:noFill/>
+                  </a:rPr>
+                  <a:t> </a:t>
+                </a:r>
+              </a:p>
+            </p:txBody>
+          </p:sp>
+        </mc:Fallback>
+      </mc:AlternateContent>
+    </p:spTree>
+    <p:extLst>
+      <p:ext uri="{BB962C8B-B14F-4D97-AF65-F5344CB8AC3E}">
+        <p14:creationId xmlns:p14="http://schemas.microsoft.com/office/powerpoint/2010/main" val="3647025506"/>
+      </p:ext>
+    </p:extLst>
+  </p:cSld>
+  <p:clrMapOvr>
+    <a:masterClrMapping/>
+  </p:clrMapOvr>
+  <p:timing>
+    <p:tnLst>
+      <p:par>
+        <p:cTn id="1" dur="indefinite" restart="never" nodeType="tmRoot"/>
+      </p:par>
+    </p:tnLst>
+  </p:timing>
+</p:sld>
+</file>
+
+<file path=ppt/slides/slide11.xml><?xml version="1.0" encoding="utf-8"?>
 <p:sld xmlns:a="http://schemas.openxmlformats.org/drawingml/2006/main" xmlns:r="http://schemas.openxmlformats.org/officeDocument/2006/relationships" xmlns:p="http://schemas.openxmlformats.org/presentationml/2006/main">
   <p:cSld>
     <p:bg>
@@ -5018,7 +5656,7 @@
             <a:fld id="{D57F1E4F-1CFF-5643-939E-217C01CDF565}" type="slidenum">
               <a:rPr lang="en-US" smtClean="0"/>
               <a:pPr/>
-              <a:t>9</a:t>
+              <a:t>10</a:t>
             </a:fld>
             <a:endParaRPr lang="en-US" dirty="0"/>
           </a:p>
@@ -5801,10 +6439,17 @@
   <p:clrMapOvr>
     <a:masterClrMapping/>
   </p:clrMapOvr>
+  <p:timing>
+    <p:tnLst>
+      <p:par>
+        <p:cTn id="1" dur="indefinite" restart="never" nodeType="tmRoot"/>
+      </p:par>
+    </p:tnLst>
+  </p:timing>
 </p:sld>
 </file>
 
-<file path=ppt/slides/slide11.xml><?xml version="1.0" encoding="utf-8"?>
+<file path=ppt/slides/slide12.xml><?xml version="1.0" encoding="utf-8"?>
 <p:sld xmlns:a="http://schemas.openxmlformats.org/drawingml/2006/main" xmlns:r="http://schemas.openxmlformats.org/officeDocument/2006/relationships" xmlns:p="http://schemas.openxmlformats.org/presentationml/2006/main">
   <p:cSld>
     <p:spTree>
@@ -5839,7 +6484,7 @@
             <a:fld id="{D57F1E4F-1CFF-5643-939E-217C01CDF565}" type="slidenum">
               <a:rPr lang="en-US" smtClean="0"/>
               <a:pPr/>
-              <a:t>10</a:t>
+              <a:t>11</a:t>
             </a:fld>
             <a:endParaRPr lang="en-US" dirty="0"/>
           </a:p>
@@ -5885,7 +6530,7 @@
         </p:blipFill>
         <p:spPr>
           <a:xfrm>
-            <a:off x="4988141" y="851224"/>
+            <a:off x="842274" y="851224"/>
             <a:ext cx="3448523" cy="2224854"/>
           </a:xfrm>
           <a:prstGeom prst="rect">
@@ -5909,7 +6554,7 @@
         </p:blipFill>
         <p:spPr>
           <a:xfrm>
-            <a:off x="842270" y="3687139"/>
+            <a:off x="842270" y="814495"/>
             <a:ext cx="3448527" cy="2224856"/>
           </a:xfrm>
           <a:prstGeom prst="rect">
@@ -5933,7 +6578,7 @@
         </p:blipFill>
         <p:spPr>
           <a:xfrm>
-            <a:off x="4988141" y="3687139"/>
+            <a:off x="842271" y="814495"/>
             <a:ext cx="3448526" cy="2224856"/>
           </a:xfrm>
           <a:prstGeom prst="rect">
@@ -6347,10 +6992,181 @@
   <p:clrMapOvr>
     <a:masterClrMapping/>
   </p:clrMapOvr>
+  <p:timing>
+    <p:tnLst>
+      <p:par>
+        <p:cTn id="1" dur="indefinite" restart="never" nodeType="tmRoot">
+          <p:childTnLst>
+            <p:seq concurrent="1" nextAc="seek">
+              <p:cTn id="2" dur="indefinite" nodeType="mainSeq">
+                <p:childTnLst>
+                  <p:par>
+                    <p:cTn id="3" fill="hold">
+                      <p:stCondLst>
+                        <p:cond delay="indefinite"/>
+                      </p:stCondLst>
+                      <p:childTnLst>
+                        <p:par>
+                          <p:cTn id="4" fill="hold">
+                            <p:stCondLst>
+                              <p:cond delay="0"/>
+                            </p:stCondLst>
+                            <p:childTnLst>
+                              <p:par>
+                                <p:cTn id="5" presetID="10" presetClass="entr" presetSubtype="0" fill="hold" nodeType="clickEffect">
+                                  <p:stCondLst>
+                                    <p:cond delay="0"/>
+                                  </p:stCondLst>
+                                  <p:childTnLst>
+                                    <p:set>
+                                      <p:cBhvr>
+                                        <p:cTn id="6" dur="1" fill="hold">
+                                          <p:stCondLst>
+                                            <p:cond delay="0"/>
+                                          </p:stCondLst>
+                                        </p:cTn>
+                                        <p:tgtEl>
+                                          <p:spTgt spid="6"/>
+                                        </p:tgtEl>
+                                        <p:attrNameLst>
+                                          <p:attrName>style.visibility</p:attrName>
+                                        </p:attrNameLst>
+                                      </p:cBhvr>
+                                      <p:to>
+                                        <p:strVal val="visible"/>
+                                      </p:to>
+                                    </p:set>
+                                    <p:animEffect transition="in" filter="fade">
+                                      <p:cBhvr>
+                                        <p:cTn id="7" dur="100"/>
+                                        <p:tgtEl>
+                                          <p:spTgt spid="6"/>
+                                        </p:tgtEl>
+                                      </p:cBhvr>
+                                    </p:animEffect>
+                                  </p:childTnLst>
+                                </p:cTn>
+                              </p:par>
+                            </p:childTnLst>
+                          </p:cTn>
+                        </p:par>
+                        <p:par>
+                          <p:cTn id="8" fill="hold">
+                            <p:stCondLst>
+                              <p:cond delay="100"/>
+                            </p:stCondLst>
+                            <p:childTnLst>
+                              <p:par>
+                                <p:cTn id="9" presetID="10" presetClass="entr" presetSubtype="0" fill="hold" nodeType="afterEffect">
+                                  <p:stCondLst>
+                                    <p:cond delay="0"/>
+                                  </p:stCondLst>
+                                  <p:childTnLst>
+                                    <p:set>
+                                      <p:cBhvr>
+                                        <p:cTn id="10" dur="1" fill="hold">
+                                          <p:stCondLst>
+                                            <p:cond delay="0"/>
+                                          </p:stCondLst>
+                                        </p:cTn>
+                                        <p:tgtEl>
+                                          <p:spTgt spid="8"/>
+                                        </p:tgtEl>
+                                        <p:attrNameLst>
+                                          <p:attrName>style.visibility</p:attrName>
+                                        </p:attrNameLst>
+                                      </p:cBhvr>
+                                      <p:to>
+                                        <p:strVal val="visible"/>
+                                      </p:to>
+                                    </p:set>
+                                    <p:animEffect transition="in" filter="fade">
+                                      <p:cBhvr>
+                                        <p:cTn id="11" dur="100"/>
+                                        <p:tgtEl>
+                                          <p:spTgt spid="8"/>
+                                        </p:tgtEl>
+                                      </p:cBhvr>
+                                    </p:animEffect>
+                                  </p:childTnLst>
+                                </p:cTn>
+                              </p:par>
+                            </p:childTnLst>
+                          </p:cTn>
+                        </p:par>
+                        <p:par>
+                          <p:cTn id="12" fill="hold">
+                            <p:stCondLst>
+                              <p:cond delay="200"/>
+                            </p:stCondLst>
+                            <p:childTnLst>
+                              <p:par>
+                                <p:cTn id="13" presetID="10" presetClass="entr" presetSubtype="0" fill="hold" nodeType="afterEffect">
+                                  <p:stCondLst>
+                                    <p:cond delay="0"/>
+                                  </p:stCondLst>
+                                  <p:childTnLst>
+                                    <p:set>
+                                      <p:cBhvr>
+                                        <p:cTn id="14" dur="1" fill="hold">
+                                          <p:stCondLst>
+                                            <p:cond delay="0"/>
+                                          </p:stCondLst>
+                                        </p:cTn>
+                                        <p:tgtEl>
+                                          <p:spTgt spid="10"/>
+                                        </p:tgtEl>
+                                        <p:attrNameLst>
+                                          <p:attrName>style.visibility</p:attrName>
+                                        </p:attrNameLst>
+                                      </p:cBhvr>
+                                      <p:to>
+                                        <p:strVal val="visible"/>
+                                      </p:to>
+                                    </p:set>
+                                    <p:animEffect transition="in" filter="fade">
+                                      <p:cBhvr>
+                                        <p:cTn id="15" dur="100"/>
+                                        <p:tgtEl>
+                                          <p:spTgt spid="10"/>
+                                        </p:tgtEl>
+                                      </p:cBhvr>
+                                    </p:animEffect>
+                                  </p:childTnLst>
+                                </p:cTn>
+                              </p:par>
+                            </p:childTnLst>
+                          </p:cTn>
+                        </p:par>
+                      </p:childTnLst>
+                    </p:cTn>
+                  </p:par>
+                </p:childTnLst>
+              </p:cTn>
+              <p:prevCondLst>
+                <p:cond evt="onPrev" delay="0">
+                  <p:tgtEl>
+                    <p:sldTgt/>
+                  </p:tgtEl>
+                </p:cond>
+              </p:prevCondLst>
+              <p:nextCondLst>
+                <p:cond evt="onNext" delay="0">
+                  <p:tgtEl>
+                    <p:sldTgt/>
+                  </p:tgtEl>
+                </p:cond>
+              </p:nextCondLst>
+            </p:seq>
+          </p:childTnLst>
+        </p:cTn>
+      </p:par>
+    </p:tnLst>
+  </p:timing>
 </p:sld>
 </file>
 
-<file path=ppt/slides/slide12.xml><?xml version="1.0" encoding="utf-8"?>
+<file path=ppt/slides/slide13.xml><?xml version="1.0" encoding="utf-8"?>
 <p:sld xmlns:a="http://schemas.openxmlformats.org/drawingml/2006/main" xmlns:r="http://schemas.openxmlformats.org/officeDocument/2006/relationships" xmlns:p="http://schemas.openxmlformats.org/presentationml/2006/main">
   <p:cSld>
     <p:spTree>
@@ -6389,7 +7205,7 @@
           <a:p>
             <a:fld id="{519954A3-9DFD-4C44-94BA-B95130A3BA1C}" type="slidenum">
               <a:rPr lang="en-US" smtClean="0"/>
-              <a:t>11</a:t>
+              <a:t>12</a:t>
             </a:fld>
             <a:endParaRPr lang="en-US" dirty="0"/>
           </a:p>
@@ -7262,8 +8078,8 @@
           </a:p>
         </p:txBody>
       </p:sp>
-      <mc:AlternateContent xmlns:mc="http://schemas.openxmlformats.org/markup-compatibility/2006">
-        <mc:Choice xmlns:a14="http://schemas.microsoft.com/office/drawing/2010/main" Requires="a14">
+      <mc:AlternateContent xmlns:mc="http://schemas.openxmlformats.org/markup-compatibility/2006" xmlns:a14="http://schemas.microsoft.com/office/drawing/2010/main">
+        <mc:Choice Requires="a14">
           <p:sp>
             <p:nvSpPr>
               <p:cNvPr id="12" name="TextBox 11"/>
@@ -7380,7 +8196,7 @@
             </p:txBody>
           </p:sp>
         </mc:Choice>
-        <mc:Fallback>
+        <mc:Fallback xmlns="">
           <p:sp>
             <p:nvSpPr>
               <p:cNvPr id="12" name="TextBox 11"/>
@@ -7637,10 +8453,17 @@
   <p:clrMapOvr>
     <a:masterClrMapping/>
   </p:clrMapOvr>
+  <p:timing>
+    <p:tnLst>
+      <p:par>
+        <p:cTn id="1" dur="indefinite" restart="never" nodeType="tmRoot"/>
+      </p:par>
+    </p:tnLst>
+  </p:timing>
 </p:sld>
 </file>
 
-<file path=ppt/slides/slide13.xml><?xml version="1.0" encoding="utf-8"?>
+<file path=ppt/slides/slide14.xml><?xml version="1.0" encoding="utf-8"?>
 <p:sld xmlns:a="http://schemas.openxmlformats.org/drawingml/2006/main" xmlns:r="http://schemas.openxmlformats.org/officeDocument/2006/relationships" xmlns:p="http://schemas.openxmlformats.org/presentationml/2006/main">
   <p:cSld>
     <p:spTree>
@@ -7732,7 +8555,7 @@
           <a:p>
             <a:fld id="{519954A3-9DFD-4C44-94BA-B95130A3BA1C}" type="slidenum">
               <a:rPr lang="en-US" smtClean="0"/>
-              <a:t>12</a:t>
+              <a:t>13</a:t>
             </a:fld>
             <a:endParaRPr lang="en-US" dirty="0"/>
           </a:p>
@@ -7911,10 +8734,17 @@
   <p:clrMapOvr>
     <a:masterClrMapping/>
   </p:clrMapOvr>
+  <p:timing>
+    <p:tnLst>
+      <p:par>
+        <p:cTn id="1" dur="indefinite" restart="never" nodeType="tmRoot"/>
+      </p:par>
+    </p:tnLst>
+  </p:timing>
 </p:sld>
 </file>
 
-<file path=ppt/slides/slide14.xml><?xml version="1.0" encoding="utf-8"?>
+<file path=ppt/slides/slide15.xml><?xml version="1.0" encoding="utf-8"?>
 <p:sld xmlns:a="http://schemas.openxmlformats.org/drawingml/2006/main" xmlns:r="http://schemas.openxmlformats.org/officeDocument/2006/relationships" xmlns:p="http://schemas.openxmlformats.org/presentationml/2006/main">
   <p:cSld>
     <p:spTree>
@@ -8006,7 +8836,7 @@
           <a:p>
             <a:fld id="{519954A3-9DFD-4C44-94BA-B95130A3BA1C}" type="slidenum">
               <a:rPr lang="en-US" smtClean="0"/>
-              <a:t>13</a:t>
+              <a:t>14</a:t>
             </a:fld>
             <a:endParaRPr lang="en-US" dirty="0"/>
           </a:p>
@@ -8092,10 +8922,17 @@
   <p:clrMapOvr>
     <a:masterClrMapping/>
   </p:clrMapOvr>
+  <p:timing>
+    <p:tnLst>
+      <p:par>
+        <p:cTn id="1" dur="indefinite" restart="never" nodeType="tmRoot"/>
+      </p:par>
+    </p:tnLst>
+  </p:timing>
 </p:sld>
 </file>
 
-<file path=ppt/slides/slide15.xml><?xml version="1.0" encoding="utf-8"?>
+<file path=ppt/slides/slide16.xml><?xml version="1.0" encoding="utf-8"?>
 <p:sld xmlns:a="http://schemas.openxmlformats.org/drawingml/2006/main" xmlns:r="http://schemas.openxmlformats.org/officeDocument/2006/relationships" xmlns:p="http://schemas.openxmlformats.org/presentationml/2006/main">
   <p:cSld>
     <p:spTree>
@@ -8152,6 +8989,17 @@
           <a:p>
             <a:pPr algn="l"/>
             <a:r>
+              <a:rPr lang="ja-JP" altLang="en-US" sz="3200" u="sng" dirty="0" smtClean="0">
+                <a:uFill>
+                  <a:solidFill>
+                    <a:srgbClr val="00B050"/>
+                  </a:solidFill>
+                </a:uFill>
+                <a:latin typeface="+mj-ea"/>
+              </a:rPr>
+              <a:t>まとめと</a:t>
+            </a:r>
+            <a:r>
               <a:rPr lang="ja-JP" altLang="en-US" sz="3200" u="sng" dirty="0">
                 <a:uFill>
                   <a:solidFill>
@@ -8160,8 +9008,38 @@
                 </a:uFill>
                 <a:latin typeface="+mj-ea"/>
               </a:rPr>
-              <a:t>前期と後期の活動</a:t>
-            </a:r>
+              <a:t>今後</a:t>
+            </a:r>
+            <a:r>
+              <a:rPr lang="ja-JP" altLang="en-US" sz="3200" u="sng" dirty="0" smtClean="0">
+                <a:uFill>
+                  <a:solidFill>
+                    <a:srgbClr val="00B050"/>
+                  </a:solidFill>
+                </a:uFill>
+                <a:latin typeface="+mj-ea"/>
+              </a:rPr>
+              <a:t>の</a:t>
+            </a:r>
+            <a:r>
+              <a:rPr lang="ja-JP" altLang="en-US" sz="3200" u="sng" dirty="0">
+                <a:uFill>
+                  <a:solidFill>
+                    <a:srgbClr val="00B050"/>
+                  </a:solidFill>
+                </a:uFill>
+                <a:latin typeface="+mj-ea"/>
+              </a:rPr>
+              <a:t>予定</a:t>
+            </a:r>
+            <a:endParaRPr lang="ja-JP" altLang="en-US" sz="3200" u="sng" dirty="0">
+              <a:uFill>
+                <a:solidFill>
+                  <a:srgbClr val="00B050"/>
+                </a:solidFill>
+              </a:uFill>
+              <a:latin typeface="+mj-ea"/>
+            </a:endParaRPr>
           </a:p>
         </p:txBody>
       </p:sp>
@@ -8187,7 +9065,7 @@
           <a:p>
             <a:fld id="{519954A3-9DFD-4C44-94BA-B95130A3BA1C}" type="slidenum">
               <a:rPr lang="en-US" smtClean="0"/>
-              <a:t>14</a:t>
+              <a:t>15</a:t>
             </a:fld>
             <a:endParaRPr lang="en-US" dirty="0"/>
           </a:p>
@@ -8219,10 +9097,16 @@
               <a:buChar char="§"/>
             </a:pPr>
             <a:r>
+              <a:rPr lang="ja-JP" altLang="en-US" sz="3600" dirty="0" smtClean="0">
+                <a:latin typeface="+mn-ea"/>
+              </a:rPr>
+              <a:t>まと</a:t>
+            </a:r>
+            <a:r>
               <a:rPr lang="ja-JP" altLang="en-US" sz="3600" dirty="0">
                 <a:latin typeface="+mn-ea"/>
               </a:rPr>
-              <a:t>前期の活動</a:t>
+              <a:t>め</a:t>
             </a:r>
             <a:endParaRPr lang="en-US" altLang="ja-JP" sz="3600" dirty="0">
               <a:latin typeface="+mn-ea"/>
@@ -8297,7 +9181,15 @@
             </a:pPr>
             <a:r>
               <a:rPr lang="ja-JP" altLang="en-US" sz="3600" dirty="0"/>
-              <a:t>後期の活動予定</a:t>
+              <a:t>今後</a:t>
+            </a:r>
+            <a:r>
+              <a:rPr lang="ja-JP" altLang="en-US" sz="3600" dirty="0" smtClean="0"/>
+              <a:t>の</a:t>
+            </a:r>
+            <a:r>
+              <a:rPr lang="ja-JP" altLang="en-US" sz="3600" dirty="0" smtClean="0"/>
+              <a:t>予定</a:t>
             </a:r>
             <a:endParaRPr lang="en-US" altLang="ja-JP" sz="3600" dirty="0"/>
           </a:p>
@@ -8435,7 +9327,7 @@
 </p:sld>
 </file>
 
-<file path=ppt/slides/slide16.xml><?xml version="1.0" encoding="utf-8"?>
+<file path=ppt/slides/slide17.xml><?xml version="1.0" encoding="utf-8"?>
 <p:sld xmlns:a="http://schemas.openxmlformats.org/drawingml/2006/main" xmlns:r="http://schemas.openxmlformats.org/officeDocument/2006/relationships" xmlns:p="http://schemas.openxmlformats.org/presentationml/2006/main">
   <p:cSld>
     <p:spTree>
@@ -8511,7 +9403,7 @@
           <a:p>
             <a:fld id="{519954A3-9DFD-4C44-94BA-B95130A3BA1C}" type="slidenum">
               <a:rPr lang="en-US" smtClean="0"/>
-              <a:t>15</a:t>
+              <a:t>16</a:t>
             </a:fld>
             <a:endParaRPr lang="en-US" dirty="0"/>
           </a:p>
@@ -8527,10 +9419,17 @@
   <p:clrMapOvr>
     <a:masterClrMapping/>
   </p:clrMapOvr>
+  <p:timing>
+    <p:tnLst>
+      <p:par>
+        <p:cTn id="1" dur="indefinite" restart="never" nodeType="tmRoot"/>
+      </p:par>
+    </p:tnLst>
+  </p:timing>
 </p:sld>
 </file>
 
-<file path=ppt/slides/slide17.xml><?xml version="1.0" encoding="utf-8"?>
+<file path=ppt/slides/slide18.xml><?xml version="1.0" encoding="utf-8"?>
 <p:sld xmlns:a="http://schemas.openxmlformats.org/drawingml/2006/main" xmlns:r="http://schemas.openxmlformats.org/officeDocument/2006/relationships" xmlns:p="http://schemas.openxmlformats.org/presentationml/2006/main">
   <p:cSld>
     <p:spTree>
@@ -8583,7 +9482,7 @@
           <a:p>
             <a:fld id="{519954A3-9DFD-4C44-94BA-B95130A3BA1C}" type="slidenum">
               <a:rPr lang="en-US" smtClean="0"/>
-              <a:t>16</a:t>
+              <a:t>17</a:t>
             </a:fld>
             <a:endParaRPr lang="en-US" dirty="0"/>
           </a:p>
@@ -8622,6 +9521,13 @@
   <p:clrMapOvr>
     <a:masterClrMapping/>
   </p:clrMapOvr>
+  <p:timing>
+    <p:tnLst>
+      <p:par>
+        <p:cTn id="1" dur="indefinite" restart="never" nodeType="tmRoot"/>
+      </p:par>
+    </p:tnLst>
+  </p:timing>
 </p:sld>
 </file>
 
@@ -8699,10 +9605,16 @@
               <a:buChar char="•"/>
             </a:pPr>
             <a:r>
+              <a:rPr lang="ja-JP" altLang="en-US" sz="3200" dirty="0" smtClean="0">
+                <a:latin typeface="+mn-ea"/>
+              </a:rPr>
+              <a:t>背景と目的</a:t>
+            </a:r>
+            <a:r>
               <a:rPr lang="ja-JP" altLang="en-US" sz="3200" dirty="0">
                 <a:latin typeface="+mn-ea"/>
               </a:rPr>
-              <a:t>背景</a:t>
+              <a:t>　</a:t>
             </a:r>
             <a:endParaRPr lang="en-US" altLang="ja-JP" sz="3200" dirty="0">
               <a:latin typeface="+mn-ea"/>
@@ -8714,10 +9626,10 @@
               <a:buChar char="•"/>
             </a:pPr>
             <a:r>
-              <a:rPr lang="ja-JP" altLang="en-US" sz="3200" dirty="0">
+              <a:rPr lang="ja-JP" altLang="en-US" dirty="0">
                 <a:latin typeface="+mn-ea"/>
               </a:rPr>
-              <a:t>カラー画像から血管抽出の検討　</a:t>
+              <a:t>谷の検出</a:t>
             </a:r>
             <a:endParaRPr lang="en-US" altLang="ja-JP" sz="3200" dirty="0">
               <a:latin typeface="+mn-ea"/>
@@ -8732,7 +9644,18 @@
               <a:rPr lang="ja-JP" altLang="en-US" dirty="0">
                 <a:latin typeface="+mn-ea"/>
               </a:rPr>
-              <a:t>谷の検出</a:t>
+              <a:t>スケール空間</a:t>
+            </a:r>
+            <a:endParaRPr lang="en-US" altLang="ja-JP" dirty="0">
+              <a:latin typeface="+mn-ea"/>
+            </a:endParaRPr>
+          </a:p>
+          <a:p>
+            <a:r>
+              <a:rPr lang="ja-JP" altLang="en-US" dirty="0">
+                <a:cs typeface="Times New Roman" panose="02020603050405020304" pitchFamily="18" charset="0"/>
+              </a:rPr>
+              <a:t>谷強度</a:t>
             </a:r>
             <a:endParaRPr lang="en-US" altLang="ja-JP" sz="3200" dirty="0">
               <a:latin typeface="+mn-ea"/>
@@ -8747,18 +9670,7 @@
               <a:rPr lang="ja-JP" altLang="en-US" dirty="0">
                 <a:latin typeface="+mn-ea"/>
               </a:rPr>
-              <a:t>スケール空間</a:t>
-            </a:r>
-            <a:endParaRPr lang="en-US" altLang="ja-JP" dirty="0">
-              <a:latin typeface="+mn-ea"/>
-            </a:endParaRPr>
-          </a:p>
-          <a:p>
-            <a:r>
-              <a:rPr lang="ja-JP" altLang="en-US" dirty="0">
-                <a:cs typeface="Times New Roman" panose="02020603050405020304" pitchFamily="18" charset="0"/>
-              </a:rPr>
-              <a:t>谷強度</a:t>
+              <a:t>谷の孤立化</a:t>
             </a:r>
             <a:endParaRPr lang="en-US" altLang="ja-JP" sz="3200" dirty="0">
               <a:latin typeface="+mn-ea"/>
@@ -8770,26 +9682,14 @@
               <a:buChar char="•"/>
             </a:pPr>
             <a:r>
-              <a:rPr lang="ja-JP" altLang="en-US" dirty="0">
+              <a:rPr lang="ja-JP" altLang="en-US" sz="3200" dirty="0" smtClean="0">
                 <a:latin typeface="+mn-ea"/>
               </a:rPr>
-              <a:t>谷の孤立化</a:t>
-            </a:r>
-            <a:endParaRPr lang="en-US" altLang="ja-JP" sz="3200" dirty="0">
+              <a:t>まとめと今後の予定</a:t>
+            </a:r>
+            <a:endParaRPr lang="ja-JP" altLang="en-US" sz="3200" dirty="0">
               <a:latin typeface="+mn-ea"/>
             </a:endParaRPr>
-          </a:p>
-          <a:p>
-            <a:pPr>
-              <a:buFont typeface="Arial" panose="020B0604020202020204" pitchFamily="34" charset="0"/>
-              <a:buChar char="•"/>
-            </a:pPr>
-            <a:r>
-              <a:rPr lang="ja-JP" altLang="en-US" sz="3200" dirty="0">
-                <a:latin typeface="+mn-ea"/>
-              </a:rPr>
-              <a:t>前期と後期の活動</a:t>
-            </a:r>
           </a:p>
         </p:txBody>
       </p:sp>
@@ -8837,10 +9737,77 @@
   <p:clrMapOvr>
     <a:masterClrMapping/>
   </p:clrMapOvr>
+  <p:timing>
+    <p:tnLst>
+      <p:par>
+        <p:cTn id="1" dur="indefinite" restart="never" nodeType="tmRoot"/>
+      </p:par>
+    </p:tnLst>
+  </p:timing>
 </p:sld>
 </file>
 
 <file path=ppt/slides/slide3.xml><?xml version="1.0" encoding="utf-8"?>
+<p:sld xmlns:a="http://schemas.openxmlformats.org/drawingml/2006/main" xmlns:r="http://schemas.openxmlformats.org/officeDocument/2006/relationships" xmlns:p="http://schemas.openxmlformats.org/presentationml/2006/main">
+  <p:cSld>
+    <p:spTree>
+      <p:nvGrpSpPr>
+        <p:cNvPr id="1" name=""/>
+        <p:cNvGrpSpPr/>
+        <p:nvPr/>
+      </p:nvGrpSpPr>
+      <p:grpSpPr>
+        <a:xfrm>
+          <a:off x="0" y="0"/>
+          <a:ext cx="0" cy="0"/>
+          <a:chOff x="0" y="0"/>
+          <a:chExt cx="0" cy="0"/>
+        </a:xfrm>
+      </p:grpSpPr>
+      <p:sp>
+        <p:nvSpPr>
+          <p:cNvPr id="4" name="スライド番号プレースホルダー 3"/>
+          <p:cNvSpPr>
+            <a:spLocks noGrp="1"/>
+          </p:cNvSpPr>
+          <p:nvPr>
+            <p:ph type="sldNum" sz="quarter" idx="12"/>
+          </p:nvPr>
+        </p:nvSpPr>
+        <p:spPr/>
+        <p:txBody>
+          <a:bodyPr/>
+          <a:lstStyle/>
+          <a:p>
+            <a:fld id="{519954A3-9DFD-4C44-94BA-B95130A3BA1C}" type="slidenum">
+              <a:rPr lang="en-US" smtClean="0"/>
+              <a:t>2</a:t>
+            </a:fld>
+            <a:endParaRPr lang="en-US" dirty="0"/>
+          </a:p>
+        </p:txBody>
+      </p:sp>
+    </p:spTree>
+    <p:extLst>
+      <p:ext uri="{BB962C8B-B14F-4D97-AF65-F5344CB8AC3E}">
+        <p14:creationId xmlns:p14="http://schemas.microsoft.com/office/powerpoint/2010/main" val="3445750661"/>
+      </p:ext>
+    </p:extLst>
+  </p:cSld>
+  <p:clrMapOvr>
+    <a:masterClrMapping/>
+  </p:clrMapOvr>
+  <p:timing>
+    <p:tnLst>
+      <p:par>
+        <p:cTn id="1" dur="indefinite" restart="never" nodeType="tmRoot"/>
+      </p:par>
+    </p:tnLst>
+  </p:timing>
+</p:sld>
+</file>
+
+<file path=ppt/slides/slide4.xml><?xml version="1.0" encoding="utf-8"?>
 <p:sld xmlns:a="http://schemas.openxmlformats.org/drawingml/2006/main" xmlns:r="http://schemas.openxmlformats.org/officeDocument/2006/relationships" xmlns:p="http://schemas.openxmlformats.org/presentationml/2006/main">
   <p:cSld>
     <p:spTree>
@@ -9148,11 +10115,11 @@
               <a:buChar char="§"/>
             </a:pPr>
             <a:r>
-              <a:rPr lang="ja-JP" altLang="en-US" dirty="0">
+              <a:rPr lang="ja-JP" altLang="en-US" dirty="0" smtClean="0">
                 <a:latin typeface="Times New Roman" panose="02020603050405020304" pitchFamily="18" charset="0"/>
                 <a:cs typeface="Times New Roman" panose="02020603050405020304" pitchFamily="18" charset="0"/>
               </a:rPr>
-              <a:t>自動的に測定部位に移動するシステムの構築</a:t>
+              <a:t>ロボットアームを用いて問題の解決を図る</a:t>
             </a:r>
             <a:endParaRPr lang="en-US" altLang="ja-JP" dirty="0"/>
           </a:p>
@@ -9166,8 +10133,8 @@
         </p:nvSpPr>
         <p:spPr>
           <a:xfrm>
-            <a:off x="998639" y="5196743"/>
-            <a:ext cx="7517832" cy="1008112"/>
+            <a:off x="2074460" y="5196743"/>
+            <a:ext cx="5036024" cy="1008112"/>
           </a:xfrm>
           <a:prstGeom prst="rect">
             <a:avLst/>
@@ -9199,7 +10166,11 @@
             <a:pPr algn="ctr"/>
             <a:r>
               <a:rPr lang="ja-JP" altLang="en-US" sz="2800" dirty="0"/>
-              <a:t>カラー画像から血管を抽出するプログラムが必要</a:t>
+              <a:t>カラー画像から血管を抽出</a:t>
+            </a:r>
+            <a:r>
+              <a:rPr lang="ja-JP" altLang="en-US" sz="2800" dirty="0" smtClean="0"/>
+              <a:t>する</a:t>
             </a:r>
             <a:endParaRPr lang="en-US" altLang="ja-JP" sz="2800" dirty="0"/>
           </a:p>
@@ -9227,7 +10198,7 @@
           <a:p>
             <a:fld id="{519954A3-9DFD-4C44-94BA-B95130A3BA1C}" type="slidenum">
               <a:rPr lang="en-US" smtClean="0"/>
-              <a:t>2</a:t>
+              <a:t>3</a:t>
             </a:fld>
             <a:endParaRPr lang="en-US" dirty="0"/>
           </a:p>
@@ -9335,7 +10306,7 @@
 </p:sld>
 </file>
 
-<file path=ppt/slides/slide4.xml><?xml version="1.0" encoding="utf-8"?>
+<file path=ppt/slides/slide5.xml><?xml version="1.0" encoding="utf-8"?>
 <p:sld xmlns:a="http://schemas.openxmlformats.org/drawingml/2006/main" xmlns:r="http://schemas.openxmlformats.org/officeDocument/2006/relationships" xmlns:p="http://schemas.openxmlformats.org/presentationml/2006/main">
   <p:cSld>
     <p:spTree>
@@ -9362,8 +10333,8 @@
         </p:nvSpPr>
         <p:spPr>
           <a:xfrm>
-            <a:off x="503548" y="872428"/>
-            <a:ext cx="8136904" cy="5868940"/>
+            <a:off x="1715924" y="995891"/>
+            <a:ext cx="5910900" cy="437757"/>
           </a:xfrm>
           <a:prstGeom prst="rect">
             <a:avLst/>
@@ -9371,7 +10342,7 @@
         </p:spPr>
         <p:txBody>
           <a:bodyPr vert="horz" lIns="91440" tIns="45720" rIns="91440" bIns="45720" rtlCol="0">
-            <a:normAutofit/>
+            <a:normAutofit lnSpcReduction="10000"/>
           </a:bodyPr>
           <a:lstStyle>
             <a:lvl1pPr marL="228600" indent="-228600" algn="l" defTabSz="914400" rtl="0" eaLnBrk="1" latinLnBrk="0" hangingPunct="1">
@@ -9688,7 +10659,7 @@
           <a:p>
             <a:fld id="{519954A3-9DFD-4C44-94BA-B95130A3BA1C}" type="slidenum">
               <a:rPr lang="en-US" smtClean="0"/>
-              <a:t>3</a:t>
+              <a:t>4</a:t>
             </a:fld>
             <a:endParaRPr lang="en-US" dirty="0"/>
           </a:p>
@@ -9702,8 +10673,8 @@
         </p:nvSpPr>
         <p:spPr>
           <a:xfrm>
-            <a:off x="1209282" y="5042881"/>
-            <a:ext cx="5630777" cy="794083"/>
+            <a:off x="1013364" y="4796490"/>
+            <a:ext cx="2489261" cy="794083"/>
           </a:xfrm>
           <a:prstGeom prst="rect">
             <a:avLst/>
@@ -9762,139 +10733,63 @@
         </p:blipFill>
         <p:spPr>
           <a:xfrm>
-            <a:off x="1560962" y="1688910"/>
-            <a:ext cx="4412336" cy="2846668"/>
+            <a:off x="216944" y="1702558"/>
+            <a:ext cx="4082100" cy="2633612"/>
           </a:xfrm>
           <a:prstGeom prst="rect">
             <a:avLst/>
           </a:prstGeom>
         </p:spPr>
       </p:pic>
-    </p:spTree>
-    <p:extLst>
-      <p:ext uri="{BB962C8B-B14F-4D97-AF65-F5344CB8AC3E}">
-        <p14:creationId xmlns:p14="http://schemas.microsoft.com/office/powerpoint/2010/main" val="4169764497"/>
-      </p:ext>
-    </p:extLst>
-  </p:cSld>
-  <p:clrMapOvr>
-    <a:masterClrMapping/>
-  </p:clrMapOvr>
-</p:sld>
-</file>
-
-<file path=ppt/slides/slide5.xml><?xml version="1.0" encoding="utf-8"?>
-<p:sld xmlns:a="http://schemas.openxmlformats.org/drawingml/2006/main" xmlns:r="http://schemas.openxmlformats.org/officeDocument/2006/relationships" xmlns:p="http://schemas.openxmlformats.org/presentationml/2006/main">
-  <p:cSld>
-    <p:spTree>
-      <p:nvGrpSpPr>
-        <p:cNvPr id="1" name=""/>
-        <p:cNvGrpSpPr/>
-        <p:nvPr/>
-      </p:nvGrpSpPr>
-      <p:grpSpPr>
-        <a:xfrm>
-          <a:off x="0" y="0"/>
-          <a:ext cx="0" cy="0"/>
-          <a:chOff x="0" y="0"/>
-          <a:chExt cx="0" cy="0"/>
-        </a:xfrm>
-      </p:grpSpPr>
-      <p:sp>
-        <p:nvSpPr>
-          <p:cNvPr id="4" name="スライド番号プレースホルダー 3"/>
-          <p:cNvSpPr>
-            <a:spLocks noGrp="1"/>
-          </p:cNvSpPr>
-          <p:nvPr>
-            <p:ph type="sldNum" sz="quarter" idx="12"/>
-          </p:nvPr>
-        </p:nvSpPr>
+      <p:pic>
+        <p:nvPicPr>
+          <p:cNvPr id="8" name="図 7"/>
+          <p:cNvPicPr>
+            <a:picLocks noChangeAspect="1"/>
+          </p:cNvPicPr>
+          <p:nvPr/>
+        </p:nvPicPr>
+        <p:blipFill>
+          <a:blip r:embed="rId4">
+            <a:extLst>
+              <a:ext uri="{28A0092B-C50C-407E-A947-70E740481C1C}">
+                <a14:useLocalDpi xmlns:a14="http://schemas.microsoft.com/office/drawing/2010/main" val="0"/>
+              </a:ext>
+            </a:extLst>
+          </a:blip>
+          <a:stretch>
+            <a:fillRect/>
+          </a:stretch>
+        </p:blipFill>
         <p:spPr>
           <a:xfrm>
-            <a:off x="7010400" y="0"/>
-            <a:ext cx="2133600" cy="365125"/>
-          </a:xfrm>
-        </p:spPr>
-        <p:txBody>
-          <a:bodyPr/>
-          <a:lstStyle/>
-          <a:p>
-            <a:fld id="{519954A3-9DFD-4C44-94BA-B95130A3BA1C}" type="slidenum">
-              <a:rPr lang="en-US" smtClean="0"/>
-              <a:t>4</a:t>
-            </a:fld>
-            <a:endParaRPr lang="en-US" dirty="0"/>
-          </a:p>
-        </p:txBody>
-      </p:sp>
-      <p:sp>
-        <p:nvSpPr>
-          <p:cNvPr id="7" name="タイトル 1"/>
-          <p:cNvSpPr txBox="1">
-            <a:spLocks/>
-          </p:cNvSpPr>
-          <p:nvPr/>
-        </p:nvSpPr>
-        <p:spPr>
-          <a:xfrm>
-            <a:off x="107503" y="188640"/>
-            <a:ext cx="6611180" cy="432060"/>
+            <a:off x="4841400" y="1702558"/>
+            <a:ext cx="4082098" cy="2633612"/>
           </a:xfrm>
           <a:prstGeom prst="rect">
             <a:avLst/>
           </a:prstGeom>
         </p:spPr>
-        <p:txBody>
-          <a:bodyPr vert="horz" lIns="91440" tIns="45720" rIns="91440" bIns="45720" rtlCol="0" anchor="ctr">
-            <a:noAutofit/>
-          </a:bodyPr>
-          <a:lstStyle>
-            <a:lvl1pPr algn="ctr" defTabSz="914400" rtl="0" eaLnBrk="1" latinLnBrk="0" hangingPunct="1">
-              <a:spcBef>
-                <a:spcPct val="0"/>
-              </a:spcBef>
-              <a:buNone/>
-              <a:defRPr kumimoji="1" sz="4400" kern="1200">
-                <a:solidFill>
-                  <a:schemeClr val="tx1"/>
-                </a:solidFill>
-                <a:latin typeface="+mj-lt"/>
-                <a:ea typeface="+mj-ea"/>
-                <a:cs typeface="+mj-cs"/>
-              </a:defRPr>
-            </a:lvl1pPr>
-          </a:lstStyle>
-          <a:p>
-            <a:pPr algn="l"/>
-            <a:r>
-              <a:rPr lang="ja-JP" altLang="en-US" sz="3200" u="sng" dirty="0">
-                <a:uFill>
-                  <a:solidFill>
-                    <a:srgbClr val="00B050"/>
-                  </a:solidFill>
-                </a:uFill>
-                <a:latin typeface="+mj-ea"/>
-              </a:rPr>
-              <a:t>カラー画像から血管抽出の検討２</a:t>
-            </a:r>
-          </a:p>
-        </p:txBody>
-      </p:sp>
-      <p:sp>
-        <p:nvSpPr>
-          <p:cNvPr id="21" name="テキスト ボックス 20"/>
-          <p:cNvSpPr txBox="1"/>
+      </p:pic>
+      <p:sp>
+        <p:nvSpPr>
+          <p:cNvPr id="13" name="正方形/長方形 12"/>
+          <p:cNvSpPr/>
           <p:nvPr/>
         </p:nvSpPr>
         <p:spPr>
           <a:xfrm>
-            <a:off x="655728" y="5311659"/>
-            <a:ext cx="7328212" cy="523220"/>
+            <a:off x="5034601" y="4582444"/>
+            <a:ext cx="3695696" cy="1222174"/>
           </a:xfrm>
           <a:prstGeom prst="rect">
             <a:avLst/>
           </a:prstGeom>
+          <a:ln>
+            <a:solidFill>
+              <a:srgbClr val="FF0000"/>
+            </a:solidFill>
+          </a:ln>
         </p:spPr>
         <p:style>
           <a:lnRef idx="2">
@@ -9911,12 +10806,20 @@
           </a:fontRef>
         </p:style>
         <p:txBody>
-          <a:bodyPr wrap="square" rtlCol="0">
-            <a:spAutoFit/>
-          </a:bodyPr>
+          <a:bodyPr rtlCol="0" anchor="ctr"/>
           <a:lstStyle/>
           <a:p>
             <a:pPr algn="ctr"/>
+            <a:r>
+              <a:rPr lang="ja-JP" altLang="en-US" sz="2800" dirty="0" smtClean="0">
+                <a:uFill>
+                  <a:solidFill>
+                    <a:srgbClr val="FF0000"/>
+                  </a:solidFill>
+                </a:uFill>
+              </a:rPr>
+              <a:t>赤外線のモノクロ画像から血管を抽出</a:t>
+            </a:r>
             <a:r>
               <a:rPr lang="ja-JP" altLang="en-US" sz="2800" dirty="0">
                 <a:uFill>
@@ -9925,97 +10828,26 @@
                   </a:solidFill>
                 </a:uFill>
               </a:rPr>
-              <a:t>血管を抽出し、機械学習用のデータとして活用</a:t>
-            </a:r>
-            <a:endParaRPr lang="en-US" altLang="ja-JP" sz="2800" dirty="0">
-              <a:uFill>
-                <a:solidFill>
-                  <a:srgbClr val="FF0000"/>
-                </a:solidFill>
-              </a:uFill>
-            </a:endParaRPr>
-          </a:p>
-        </p:txBody>
-      </p:sp>
-      <p:sp>
-        <p:nvSpPr>
-          <p:cNvPr id="5" name="正方形/長方形 4"/>
-          <p:cNvSpPr/>
-          <p:nvPr/>
-        </p:nvSpPr>
-        <p:spPr>
-          <a:xfrm>
-            <a:off x="154396" y="789977"/>
-            <a:ext cx="8408801" cy="523220"/>
-          </a:xfrm>
-          <a:prstGeom prst="rect">
-            <a:avLst/>
-          </a:prstGeom>
-        </p:spPr>
-        <p:txBody>
-          <a:bodyPr wrap="square">
-            <a:spAutoFit/>
-          </a:bodyPr>
-          <a:lstStyle/>
-          <a:p>
-            <a:r>
-              <a:rPr lang="ja-JP" altLang="en-US" sz="2800" dirty="0">
+              <a:t>し、機械</a:t>
+            </a:r>
+            <a:r>
+              <a:rPr lang="ja-JP" altLang="en-US" sz="2800" dirty="0" smtClean="0">
                 <a:uFill>
                   <a:solidFill>
                     <a:srgbClr val="FF0000"/>
                   </a:solidFill>
                 </a:uFill>
               </a:rPr>
-              <a:t>赤外光を利用</a:t>
-            </a:r>
-            <a:r>
-              <a:rPr lang="ja-JP" altLang="en-US" sz="2800" dirty="0"/>
-              <a:t>→血管が濃い線に</a:t>
-            </a:r>
-            <a:endParaRPr lang="en-US" altLang="ja-JP" sz="2800" dirty="0">
-              <a:uFill>
-                <a:solidFill>
-                  <a:srgbClr val="FF0000"/>
-                </a:solidFill>
-              </a:uFill>
-            </a:endParaRPr>
-          </a:p>
-        </p:txBody>
-      </p:sp>
-      <p:pic>
-        <p:nvPicPr>
-          <p:cNvPr id="6" name="図 5"/>
-          <p:cNvPicPr>
-            <a:picLocks noChangeAspect="1"/>
-          </p:cNvPicPr>
-          <p:nvPr/>
-        </p:nvPicPr>
-        <p:blipFill>
-          <a:blip r:embed="rId2">
-            <a:extLst>
-              <a:ext uri="{28A0092B-C50C-407E-A947-70E740481C1C}">
-                <a14:useLocalDpi xmlns:a14="http://schemas.microsoft.com/office/drawing/2010/main" val="0"/>
-              </a:ext>
-            </a:extLst>
-          </a:blip>
-          <a:stretch>
-            <a:fillRect/>
-          </a:stretch>
-        </p:blipFill>
-        <p:spPr>
-          <a:xfrm>
-            <a:off x="1465429" y="1738049"/>
-            <a:ext cx="4539587" cy="2928766"/>
-          </a:xfrm>
-          <a:prstGeom prst="rect">
-            <a:avLst/>
-          </a:prstGeom>
-        </p:spPr>
-      </p:pic>
+              <a:t>学習のデータに</a:t>
+            </a:r>
+            <a:endParaRPr kumimoji="1" lang="ja-JP" altLang="en-US" sz="2800" dirty="0"/>
+          </a:p>
+        </p:txBody>
+      </p:sp>
     </p:spTree>
     <p:extLst>
       <p:ext uri="{BB962C8B-B14F-4D97-AF65-F5344CB8AC3E}">
-        <p14:creationId xmlns:p14="http://schemas.microsoft.com/office/powerpoint/2010/main" val="3998172001"/>
+        <p14:creationId xmlns:p14="http://schemas.microsoft.com/office/powerpoint/2010/main" val="4169764497"/>
       </p:ext>
     </p:extLst>
   </p:cSld>
@@ -10025,88 +10857,9 @@
   <p:timing>
     <p:tnLst>
       <p:par>
-        <p:cTn id="1" dur="indefinite" restart="never" nodeType="tmRoot">
-          <p:childTnLst>
-            <p:seq concurrent="1" nextAc="seek">
-              <p:cTn id="2" dur="indefinite" nodeType="mainSeq">
-                <p:childTnLst>
-                  <p:par>
-                    <p:cTn id="3" fill="hold">
-                      <p:stCondLst>
-                        <p:cond delay="indefinite"/>
-                      </p:stCondLst>
-                      <p:childTnLst>
-                        <p:par>
-                          <p:cTn id="4" fill="hold">
-                            <p:stCondLst>
-                              <p:cond delay="0"/>
-                            </p:stCondLst>
-                            <p:childTnLst>
-                              <p:par>
-                                <p:cTn id="5" presetID="10" presetClass="entr" presetSubtype="0" fill="hold" grpId="0" nodeType="clickEffect">
-                                  <p:stCondLst>
-                                    <p:cond delay="0"/>
-                                  </p:stCondLst>
-                                  <p:childTnLst>
-                                    <p:set>
-                                      <p:cBhvr>
-                                        <p:cTn id="6" dur="1" fill="hold">
-                                          <p:stCondLst>
-                                            <p:cond delay="0"/>
-                                          </p:stCondLst>
-                                        </p:cTn>
-                                        <p:tgtEl>
-                                          <p:spTgt spid="21"/>
-                                        </p:tgtEl>
-                                        <p:attrNameLst>
-                                          <p:attrName>style.visibility</p:attrName>
-                                        </p:attrNameLst>
-                                      </p:cBhvr>
-                                      <p:to>
-                                        <p:strVal val="visible"/>
-                                      </p:to>
-                                    </p:set>
-                                    <p:animEffect transition="in" filter="fade">
-                                      <p:cBhvr>
-                                        <p:cTn id="7" dur="500"/>
-                                        <p:tgtEl>
-                                          <p:spTgt spid="21"/>
-                                        </p:tgtEl>
-                                      </p:cBhvr>
-                                    </p:animEffect>
-                                  </p:childTnLst>
-                                </p:cTn>
-                              </p:par>
-                            </p:childTnLst>
-                          </p:cTn>
-                        </p:par>
-                      </p:childTnLst>
-                    </p:cTn>
-                  </p:par>
-                </p:childTnLst>
-              </p:cTn>
-              <p:prevCondLst>
-                <p:cond evt="onPrev" delay="0">
-                  <p:tgtEl>
-                    <p:sldTgt/>
-                  </p:tgtEl>
-                </p:cond>
-              </p:prevCondLst>
-              <p:nextCondLst>
-                <p:cond evt="onNext" delay="0">
-                  <p:tgtEl>
-                    <p:sldTgt/>
-                  </p:tgtEl>
-                </p:cond>
-              </p:nextCondLst>
-            </p:seq>
-          </p:childTnLst>
-        </p:cTn>
+        <p:cTn id="1" dur="indefinite" restart="never" nodeType="tmRoot"/>
       </p:par>
     </p:tnLst>
-    <p:bldLst>
-      <p:bldP spid="21" grpId="0" animBg="1"/>
-    </p:bldLst>
   </p:timing>
 </p:sld>
 </file>
@@ -10130,6 +10883,330 @@
       </p:grpSpPr>
       <p:sp>
         <p:nvSpPr>
+          <p:cNvPr id="4" name="スライド番号プレースホルダー 3"/>
+          <p:cNvSpPr>
+            <a:spLocks noGrp="1"/>
+          </p:cNvSpPr>
+          <p:nvPr>
+            <p:ph type="sldNum" sz="quarter" idx="12"/>
+          </p:nvPr>
+        </p:nvSpPr>
+        <p:spPr/>
+        <p:txBody>
+          <a:bodyPr/>
+          <a:lstStyle/>
+          <a:p>
+            <a:fld id="{519954A3-9DFD-4C44-94BA-B95130A3BA1C}" type="slidenum">
+              <a:rPr lang="en-US" smtClean="0"/>
+              <a:t>5</a:t>
+            </a:fld>
+            <a:endParaRPr lang="en-US" dirty="0"/>
+          </a:p>
+        </p:txBody>
+      </p:sp>
+      <p:sp>
+        <p:nvSpPr>
+          <p:cNvPr id="5" name="テキスト ボックス 4"/>
+          <p:cNvSpPr txBox="1"/>
+          <p:nvPr/>
+        </p:nvSpPr>
+        <p:spPr>
+          <a:xfrm>
+            <a:off x="191069" y="204716"/>
+            <a:ext cx="5285421" cy="584775"/>
+          </a:xfrm>
+          <a:prstGeom prst="rect">
+            <a:avLst/>
+          </a:prstGeom>
+          <a:noFill/>
+        </p:spPr>
+        <p:txBody>
+          <a:bodyPr wrap="none" rtlCol="0">
+            <a:spAutoFit/>
+          </a:bodyPr>
+          <a:lstStyle/>
+          <a:p>
+            <a:r>
+              <a:rPr lang="ja-JP" altLang="en-US" sz="3200" u="sng" dirty="0" smtClean="0">
+                <a:uFill>
+                  <a:solidFill>
+                    <a:srgbClr val="00B050"/>
+                  </a:solidFill>
+                </a:uFill>
+                <a:latin typeface="+mj-ea"/>
+              </a:rPr>
+              <a:t>アルゴリズムのフローチャート</a:t>
+            </a:r>
+            <a:endParaRPr kumimoji="1" lang="ja-JP" altLang="en-US" sz="3200" dirty="0"/>
+          </a:p>
+        </p:txBody>
+      </p:sp>
+      <p:sp>
+        <p:nvSpPr>
+          <p:cNvPr id="6" name="テキスト ボックス 5"/>
+          <p:cNvSpPr txBox="1"/>
+          <p:nvPr/>
+        </p:nvSpPr>
+        <p:spPr>
+          <a:xfrm>
+            <a:off x="3472110" y="1029131"/>
+            <a:ext cx="2698175" cy="523220"/>
+          </a:xfrm>
+          <a:prstGeom prst="rect">
+            <a:avLst/>
+          </a:prstGeom>
+          <a:noFill/>
+          <a:ln>
+            <a:solidFill>
+              <a:srgbClr val="FF0000"/>
+            </a:solidFill>
+          </a:ln>
+        </p:spPr>
+        <p:txBody>
+          <a:bodyPr wrap="none" rtlCol="0">
+            <a:spAutoFit/>
+          </a:bodyPr>
+          <a:lstStyle/>
+          <a:p>
+            <a:r>
+              <a:rPr kumimoji="1" lang="ja-JP" altLang="en-US" sz="2800" dirty="0" smtClean="0"/>
+              <a:t>谷の頂点の検出</a:t>
+            </a:r>
+            <a:endParaRPr kumimoji="1" lang="ja-JP" altLang="en-US" sz="2800" dirty="0"/>
+          </a:p>
+        </p:txBody>
+      </p:sp>
+      <p:sp>
+        <p:nvSpPr>
+          <p:cNvPr id="7" name="テキスト ボックス 6"/>
+          <p:cNvSpPr txBox="1"/>
+          <p:nvPr/>
+        </p:nvSpPr>
+        <p:spPr>
+          <a:xfrm>
+            <a:off x="3641420" y="2892852"/>
+            <a:ext cx="2339102" cy="523220"/>
+          </a:xfrm>
+          <a:prstGeom prst="rect">
+            <a:avLst/>
+          </a:prstGeom>
+          <a:noFill/>
+          <a:ln>
+            <a:solidFill>
+              <a:srgbClr val="FF0000"/>
+            </a:solidFill>
+          </a:ln>
+        </p:spPr>
+        <p:txBody>
+          <a:bodyPr wrap="none" rtlCol="0">
+            <a:spAutoFit/>
+          </a:bodyPr>
+          <a:lstStyle/>
+          <a:p>
+            <a:r>
+              <a:rPr kumimoji="1" lang="ja-JP" altLang="en-US" sz="2800" dirty="0" smtClean="0"/>
+              <a:t>谷強度の計算</a:t>
+            </a:r>
+            <a:endParaRPr kumimoji="1" lang="ja-JP" altLang="en-US" sz="2800" dirty="0"/>
+          </a:p>
+        </p:txBody>
+      </p:sp>
+      <p:sp>
+        <p:nvSpPr>
+          <p:cNvPr id="8" name="テキスト ボックス 7"/>
+          <p:cNvSpPr txBox="1"/>
+          <p:nvPr/>
+        </p:nvSpPr>
+        <p:spPr>
+          <a:xfrm>
+            <a:off x="3820956" y="4912636"/>
+            <a:ext cx="1980029" cy="523220"/>
+          </a:xfrm>
+          <a:prstGeom prst="rect">
+            <a:avLst/>
+          </a:prstGeom>
+          <a:noFill/>
+          <a:ln>
+            <a:solidFill>
+              <a:srgbClr val="FF0000"/>
+            </a:solidFill>
+          </a:ln>
+        </p:spPr>
+        <p:txBody>
+          <a:bodyPr wrap="none" rtlCol="0">
+            <a:spAutoFit/>
+          </a:bodyPr>
+          <a:lstStyle/>
+          <a:p>
+            <a:r>
+              <a:rPr kumimoji="1" lang="ja-JP" altLang="en-US" sz="2800" dirty="0" smtClean="0"/>
+              <a:t>谷の孤立化</a:t>
+            </a:r>
+            <a:endParaRPr kumimoji="1" lang="ja-JP" altLang="en-US" sz="2800" dirty="0"/>
+          </a:p>
+        </p:txBody>
+      </p:sp>
+      <p:sp>
+        <p:nvSpPr>
+          <p:cNvPr id="9" name="下矢印 8"/>
+          <p:cNvSpPr/>
+          <p:nvPr/>
+        </p:nvSpPr>
+        <p:spPr>
+          <a:xfrm>
+            <a:off x="4568655" y="1800359"/>
+            <a:ext cx="484632" cy="1001090"/>
+          </a:xfrm>
+          <a:prstGeom prst="downArrow">
+            <a:avLst/>
+          </a:prstGeom>
+        </p:spPr>
+        <p:style>
+          <a:lnRef idx="2">
+            <a:schemeClr val="accent1">
+              <a:shade val="50000"/>
+            </a:schemeClr>
+          </a:lnRef>
+          <a:fillRef idx="1">
+            <a:schemeClr val="accent1"/>
+          </a:fillRef>
+          <a:effectRef idx="0">
+            <a:schemeClr val="accent1"/>
+          </a:effectRef>
+          <a:fontRef idx="minor">
+            <a:schemeClr val="lt1"/>
+          </a:fontRef>
+        </p:style>
+        <p:txBody>
+          <a:bodyPr rtlCol="0" anchor="ctr"/>
+          <a:lstStyle/>
+          <a:p>
+            <a:pPr algn="ctr"/>
+            <a:endParaRPr kumimoji="1" lang="ja-JP" altLang="en-US"/>
+          </a:p>
+        </p:txBody>
+      </p:sp>
+      <p:sp>
+        <p:nvSpPr>
+          <p:cNvPr id="10" name="下矢印 9"/>
+          <p:cNvSpPr/>
+          <p:nvPr/>
+        </p:nvSpPr>
+        <p:spPr>
+          <a:xfrm>
+            <a:off x="4578882" y="3655712"/>
+            <a:ext cx="484632" cy="978408"/>
+          </a:xfrm>
+          <a:prstGeom prst="downArrow">
+            <a:avLst/>
+          </a:prstGeom>
+        </p:spPr>
+        <p:style>
+          <a:lnRef idx="2">
+            <a:schemeClr val="accent1">
+              <a:shade val="50000"/>
+            </a:schemeClr>
+          </a:lnRef>
+          <a:fillRef idx="1">
+            <a:schemeClr val="accent1"/>
+          </a:fillRef>
+          <a:effectRef idx="0">
+            <a:schemeClr val="accent1"/>
+          </a:effectRef>
+          <a:fontRef idx="minor">
+            <a:schemeClr val="lt1"/>
+          </a:fontRef>
+        </p:style>
+        <p:txBody>
+          <a:bodyPr rtlCol="0" anchor="ctr"/>
+          <a:lstStyle/>
+          <a:p>
+            <a:pPr algn="ctr"/>
+            <a:endParaRPr kumimoji="1" lang="ja-JP" altLang="en-US"/>
+          </a:p>
+        </p:txBody>
+      </p:sp>
+      <p:sp>
+        <p:nvSpPr>
+          <p:cNvPr id="11" name="テキスト ボックス 10"/>
+          <p:cNvSpPr txBox="1"/>
+          <p:nvPr/>
+        </p:nvSpPr>
+        <p:spPr>
+          <a:xfrm>
+            <a:off x="440255" y="5987018"/>
+            <a:ext cx="8761886" cy="369332"/>
+          </a:xfrm>
+          <a:prstGeom prst="rect">
+            <a:avLst/>
+          </a:prstGeom>
+          <a:noFill/>
+        </p:spPr>
+        <p:txBody>
+          <a:bodyPr wrap="none" rtlCol="0">
+            <a:spAutoFit/>
+          </a:bodyPr>
+          <a:lstStyle/>
+          <a:p>
+            <a:r>
+              <a:rPr kumimoji="1" lang="ja-JP" altLang="en-US" dirty="0" smtClean="0"/>
+              <a:t>参考文献：</a:t>
+            </a:r>
+            <a:r>
+              <a:rPr kumimoji="1" lang="en-US" altLang="ja-JP" dirty="0" smtClean="0"/>
+              <a:t>T. </a:t>
+            </a:r>
+            <a:r>
+              <a:rPr kumimoji="1" lang="en-US" altLang="ja-JP" dirty="0" err="1" smtClean="0"/>
+              <a:t>Lindeberg</a:t>
+            </a:r>
+            <a:r>
+              <a:rPr kumimoji="1" lang="en-US" altLang="ja-JP" dirty="0" smtClean="0"/>
+              <a:t>: Edge detection and Ridge detection with automatic scale selection</a:t>
+            </a:r>
+            <a:endParaRPr kumimoji="1" lang="ja-JP" altLang="en-US" dirty="0"/>
+          </a:p>
+        </p:txBody>
+      </p:sp>
+    </p:spTree>
+    <p:extLst>
+      <p:ext uri="{BB962C8B-B14F-4D97-AF65-F5344CB8AC3E}">
+        <p14:creationId xmlns:p14="http://schemas.microsoft.com/office/powerpoint/2010/main" val="3681224504"/>
+      </p:ext>
+    </p:extLst>
+  </p:cSld>
+  <p:clrMapOvr>
+    <a:masterClrMapping/>
+  </p:clrMapOvr>
+  <p:timing>
+    <p:tnLst>
+      <p:par>
+        <p:cTn id="1" dur="indefinite" restart="never" nodeType="tmRoot"/>
+      </p:par>
+    </p:tnLst>
+  </p:timing>
+</p:sld>
+</file>
+
+<file path=ppt/slides/slide7.xml><?xml version="1.0" encoding="utf-8"?>
+<p:sld xmlns:a="http://schemas.openxmlformats.org/drawingml/2006/main" xmlns:r="http://schemas.openxmlformats.org/officeDocument/2006/relationships" xmlns:p="http://schemas.openxmlformats.org/presentationml/2006/main">
+  <p:cSld>
+    <p:spTree>
+      <p:nvGrpSpPr>
+        <p:cNvPr id="1" name=""/>
+        <p:cNvGrpSpPr/>
+        <p:nvPr/>
+      </p:nvGrpSpPr>
+      <p:grpSpPr>
+        <a:xfrm>
+          <a:off x="0" y="0"/>
+          <a:ext cx="0" cy="0"/>
+          <a:chOff x="0" y="0"/>
+          <a:chExt cx="0" cy="0"/>
+        </a:xfrm>
+      </p:grpSpPr>
+      <p:sp>
+        <p:nvSpPr>
           <p:cNvPr id="4" name="タイトル 1"/>
           <p:cNvSpPr>
             <a:spLocks noGrp="1"/>
@@ -10195,7 +11272,7 @@
           <a:p>
             <a:fld id="{519954A3-9DFD-4C44-94BA-B95130A3BA1C}" type="slidenum">
               <a:rPr lang="en-US" smtClean="0"/>
-              <a:t>5</a:t>
+              <a:t>6</a:t>
             </a:fld>
             <a:endParaRPr lang="en-US" dirty="0"/>
           </a:p>
@@ -10464,10 +11541,17 @@
   <p:clrMapOvr>
     <a:masterClrMapping/>
   </p:clrMapOvr>
+  <p:timing>
+    <p:tnLst>
+      <p:par>
+        <p:cTn id="1" dur="indefinite" restart="never" nodeType="tmRoot"/>
+      </p:par>
+    </p:tnLst>
+  </p:timing>
 </p:sld>
 </file>
 
-<file path=ppt/slides/slide7.xml><?xml version="1.0" encoding="utf-8"?>
+<file path=ppt/slides/slide8.xml><?xml version="1.0" encoding="utf-8"?>
 <p:sld xmlns:a="http://schemas.openxmlformats.org/drawingml/2006/main" xmlns:r="http://schemas.openxmlformats.org/officeDocument/2006/relationships" xmlns:p="http://schemas.openxmlformats.org/presentationml/2006/main">
   <p:cSld>
     <p:spTree>
@@ -11009,7 +12093,7 @@
           <a:p>
             <a:fld id="{519954A3-9DFD-4C44-94BA-B95130A3BA1C}" type="slidenum">
               <a:rPr lang="en-US" smtClean="0"/>
-              <a:t>6</a:t>
+              <a:t>7</a:t>
             </a:fld>
             <a:endParaRPr lang="en-US" dirty="0"/>
           </a:p>
@@ -11533,7 +12617,7 @@
 </p:sld>
 </file>
 
-<file path=ppt/slides/slide8.xml><?xml version="1.0" encoding="utf-8"?>
+<file path=ppt/slides/slide9.xml><?xml version="1.0" encoding="utf-8"?>
 <p:sld xmlns:a="http://schemas.openxmlformats.org/drawingml/2006/main" xmlns:r="http://schemas.openxmlformats.org/officeDocument/2006/relationships" xmlns:p="http://schemas.openxmlformats.org/presentationml/2006/main">
   <p:cSld>
     <p:spTree>
@@ -11695,7 +12779,7 @@
           <a:p>
             <a:fld id="{519954A3-9DFD-4C44-94BA-B95130A3BA1C}" type="slidenum">
               <a:rPr lang="en-US" smtClean="0"/>
-              <a:t>7</a:t>
+              <a:t>8</a:t>
             </a:fld>
             <a:endParaRPr lang="en-US" dirty="0"/>
           </a:p>
@@ -11985,618 +13069,13 @@
   <p:clrMapOvr>
     <a:masterClrMapping/>
   </p:clrMapOvr>
-</p:sld>
-</file>
-
-<file path=ppt/slides/slide9.xml><?xml version="1.0" encoding="utf-8"?>
-<p:sld xmlns:a="http://schemas.openxmlformats.org/drawingml/2006/main" xmlns:r="http://schemas.openxmlformats.org/officeDocument/2006/relationships" xmlns:p="http://schemas.openxmlformats.org/presentationml/2006/main">
-  <p:cSld>
-    <p:spTree>
-      <p:nvGrpSpPr>
-        <p:cNvPr id="1" name=""/>
-        <p:cNvGrpSpPr/>
-        <p:nvPr/>
-      </p:nvGrpSpPr>
-      <p:grpSpPr>
-        <a:xfrm>
-          <a:off x="0" y="0"/>
-          <a:ext cx="0" cy="0"/>
-          <a:chOff x="0" y="0"/>
-          <a:chExt cx="0" cy="0"/>
-        </a:xfrm>
-      </p:grpSpPr>
-      <p:sp>
-        <p:nvSpPr>
-          <p:cNvPr id="4" name="タイトル 1"/>
-          <p:cNvSpPr>
-            <a:spLocks noGrp="1"/>
-          </p:cNvSpPr>
-          <p:nvPr>
-            <p:ph type="title"/>
-          </p:nvPr>
-        </p:nvSpPr>
-        <p:spPr>
-          <a:xfrm>
-            <a:off x="179512" y="188628"/>
-            <a:ext cx="5544616" cy="432060"/>
-          </a:xfrm>
-        </p:spPr>
-        <p:txBody>
-          <a:bodyPr>
-            <a:noAutofit/>
-          </a:bodyPr>
-          <a:lstStyle/>
-          <a:p>
-            <a:pPr algn="l"/>
-            <a:r>
-              <a:rPr lang="ja-JP" altLang="en-US" sz="3200" u="sng" dirty="0">
-                <a:uFill>
-                  <a:solidFill>
-                    <a:srgbClr val="00B050"/>
-                  </a:solidFill>
-                </a:uFill>
-                <a:latin typeface="+mj-ea"/>
-              </a:rPr>
-              <a:t>谷強度</a:t>
-            </a:r>
-            <a:endParaRPr kumimoji="1" lang="ja-JP" altLang="en-US" sz="3200" u="sng" dirty="0">
-              <a:uFill>
-                <a:solidFill>
-                  <a:srgbClr val="00B050"/>
-                </a:solidFill>
-              </a:uFill>
-              <a:latin typeface="+mj-ea"/>
-            </a:endParaRPr>
-          </a:p>
-        </p:txBody>
-      </p:sp>
-      <p:sp>
-        <p:nvSpPr>
-          <p:cNvPr id="7" name="テキスト ボックス 6"/>
-          <p:cNvSpPr txBox="1"/>
-          <p:nvPr/>
-        </p:nvSpPr>
-        <p:spPr>
-          <a:xfrm>
-            <a:off x="179512" y="953235"/>
-            <a:ext cx="8963621" cy="954107"/>
-          </a:xfrm>
-          <a:prstGeom prst="rect">
-            <a:avLst/>
-          </a:prstGeom>
-          <a:noFill/>
-        </p:spPr>
-        <p:txBody>
-          <a:bodyPr wrap="square" rtlCol="0">
-            <a:spAutoFit/>
-          </a:bodyPr>
-          <a:lstStyle/>
-          <a:p>
-            <a:pPr marL="457200" indent="-457200">
-              <a:buFont typeface="Arial" panose="020B0604020202020204" pitchFamily="34" charset="0"/>
-              <a:buChar char="•"/>
-            </a:pPr>
-            <a:r>
-              <a:rPr lang="ja-JP" altLang="en-US" sz="2800" dirty="0"/>
-              <a:t>谷によって適切なスケールが異なる</a:t>
-            </a:r>
-            <a:endParaRPr lang="en-US" altLang="ja-JP" sz="2800" dirty="0"/>
-          </a:p>
-          <a:p>
-            <a:pPr marL="457200" indent="-457200">
-              <a:buFont typeface="Arial" panose="020B0604020202020204" pitchFamily="34" charset="0"/>
-              <a:buChar char="•"/>
-            </a:pPr>
-            <a:r>
-              <a:rPr lang="ja-JP" altLang="en-US" sz="2800" dirty="0"/>
-              <a:t>それを判断するため，谷強度を導入</a:t>
-            </a:r>
-            <a:endParaRPr lang="en-US" altLang="ja-JP" sz="2800" dirty="0"/>
-          </a:p>
-        </p:txBody>
-      </p:sp>
-      <p:sp>
-        <p:nvSpPr>
-          <p:cNvPr id="2" name="スライド番号プレースホルダー 1"/>
-          <p:cNvSpPr>
-            <a:spLocks noGrp="1"/>
-          </p:cNvSpPr>
-          <p:nvPr>
-            <p:ph type="sldNum" sz="quarter" idx="12"/>
-          </p:nvPr>
-        </p:nvSpPr>
-        <p:spPr>
-          <a:xfrm>
-            <a:off x="7010400" y="0"/>
-            <a:ext cx="2133600" cy="365125"/>
-          </a:xfrm>
-        </p:spPr>
-        <p:txBody>
-          <a:bodyPr/>
-          <a:lstStyle/>
-          <a:p>
-            <a:fld id="{519954A3-9DFD-4C44-94BA-B95130A3BA1C}" type="slidenum">
-              <a:rPr lang="en-US" smtClean="0"/>
-              <a:t>8</a:t>
-            </a:fld>
-            <a:endParaRPr lang="en-US" dirty="0"/>
-          </a:p>
-        </p:txBody>
-      </p:sp>
-      <mc:AlternateContent xmlns:mc="http://schemas.openxmlformats.org/markup-compatibility/2006" xmlns:a14="http://schemas.microsoft.com/office/drawing/2010/main">
-        <mc:Choice Requires="a14">
-          <p:sp>
-            <p:nvSpPr>
-              <p:cNvPr id="3" name="Rectangle 2"/>
-              <p:cNvSpPr/>
-              <p:nvPr/>
-            </p:nvSpPr>
-            <p:spPr>
-              <a:xfrm>
-                <a:off x="1714358" y="2708462"/>
-                <a:ext cx="5893927" cy="588431"/>
-              </a:xfrm>
-              <a:prstGeom prst="rect">
-                <a:avLst/>
-              </a:prstGeom>
-            </p:spPr>
-            <p:txBody>
-              <a:bodyPr wrap="square">
-                <a:spAutoFit/>
-              </a:bodyPr>
-              <a:lstStyle/>
-              <a:p>
-                <a:pPr/>
-                <a14:m>
-                  <m:oMathPara xmlns:m="http://schemas.openxmlformats.org/officeDocument/2006/math">
-                    <m:oMathParaPr>
-                      <m:jc m:val="centerGroup"/>
-                    </m:oMathParaPr>
-                    <m:oMath xmlns:m="http://schemas.openxmlformats.org/officeDocument/2006/math">
-                      <m:sSub>
-                        <m:sSubPr>
-                          <m:ctrlPr>
-                            <a:rPr lang="en-US" sz="2800" i="1">
-                              <a:latin typeface="Cambria Math" panose="02040503050406030204" pitchFamily="18" charset="0"/>
-                            </a:rPr>
-                          </m:ctrlPr>
-                        </m:sSubPr>
-                        <m:e>
-                          <m:r>
-                            <a:rPr lang="en-US" sz="2800">
-                              <a:latin typeface="Cambria Math" panose="02040503050406030204" pitchFamily="18" charset="0"/>
-                            </a:rPr>
-                            <m:t>ℳ</m:t>
-                          </m:r>
-                        </m:e>
-                        <m:sub>
-                          <m:r>
-                            <a:rPr lang="en-US" sz="2800" i="1">
-                              <a:latin typeface="Cambria Math" panose="02040503050406030204" pitchFamily="18" charset="0"/>
-                            </a:rPr>
-                            <m:t>𝛾</m:t>
-                          </m:r>
-                          <m:r>
-                            <a:rPr lang="en-US" sz="2800" i="0">
-                              <a:latin typeface="Cambria Math" panose="02040503050406030204" pitchFamily="18" charset="0"/>
-                            </a:rPr>
-                            <m:t>−</m:t>
-                          </m:r>
-                          <m:r>
-                            <a:rPr lang="en-US" sz="2800" i="1">
-                              <a:latin typeface="Cambria Math" panose="02040503050406030204" pitchFamily="18" charset="0"/>
-                            </a:rPr>
-                            <m:t>𝑛𝑜𝑟𝑚</m:t>
-                          </m:r>
-                        </m:sub>
-                      </m:sSub>
-                      <m:r>
-                        <a:rPr lang="en-US" sz="2800" i="1">
-                          <a:latin typeface="Cambria Math" panose="02040503050406030204" pitchFamily="18" charset="0"/>
-                        </a:rPr>
-                        <m:t>𝐿</m:t>
-                      </m:r>
-                      <m:r>
-                        <a:rPr lang="en-US" sz="2800" i="0">
-                          <a:latin typeface="Cambria Math" panose="02040503050406030204" pitchFamily="18" charset="0"/>
-                        </a:rPr>
-                        <m:t>(</m:t>
-                      </m:r>
-                      <m:r>
-                        <a:rPr lang="en-US" sz="2800" i="1">
-                          <a:latin typeface="Cambria Math" panose="02040503050406030204" pitchFamily="18" charset="0"/>
-                        </a:rPr>
-                        <m:t>𝑥</m:t>
-                      </m:r>
-                      <m:r>
-                        <a:rPr lang="en-US" sz="2800" i="0">
-                          <a:latin typeface="Cambria Math" panose="02040503050406030204" pitchFamily="18" charset="0"/>
-                        </a:rPr>
-                        <m:t>,</m:t>
-                      </m:r>
-                      <m:r>
-                        <a:rPr lang="en-US" sz="2800" i="1">
-                          <a:latin typeface="Cambria Math" panose="02040503050406030204" pitchFamily="18" charset="0"/>
-                        </a:rPr>
-                        <m:t>𝑦</m:t>
-                      </m:r>
-                      <m:r>
-                        <a:rPr lang="en-US" sz="2800" i="0">
-                          <a:latin typeface="Cambria Math" panose="02040503050406030204" pitchFamily="18" charset="0"/>
-                        </a:rPr>
-                        <m:t>,</m:t>
-                      </m:r>
-                      <m:r>
-                        <a:rPr lang="en-US" sz="2800" i="1">
-                          <a:latin typeface="Cambria Math" panose="02040503050406030204" pitchFamily="18" charset="0"/>
-                        </a:rPr>
-                        <m:t>𝑡</m:t>
-                      </m:r>
-                      <m:r>
-                        <a:rPr lang="en-US" sz="2800" i="0">
-                          <a:latin typeface="Cambria Math" panose="02040503050406030204" pitchFamily="18" charset="0"/>
-                        </a:rPr>
-                        <m:t>)=</m:t>
-                      </m:r>
-                      <m:sSup>
-                        <m:sSupPr>
-                          <m:ctrlPr>
-                            <a:rPr lang="en-US" sz="2800" i="1">
-                              <a:latin typeface="Cambria Math" panose="02040503050406030204" pitchFamily="18" charset="0"/>
-                            </a:rPr>
-                          </m:ctrlPr>
-                        </m:sSupPr>
-                        <m:e>
-                          <m:r>
-                            <a:rPr lang="en-US" sz="2800" i="1">
-                              <a:latin typeface="Cambria Math" panose="02040503050406030204" pitchFamily="18" charset="0"/>
-                            </a:rPr>
-                            <m:t>𝑡</m:t>
-                          </m:r>
-                        </m:e>
-                        <m:sup>
-                          <m:r>
-                            <a:rPr lang="en-US" sz="2800" i="1">
-                              <a:latin typeface="Cambria Math" panose="02040503050406030204" pitchFamily="18" charset="0"/>
-                            </a:rPr>
-                            <m:t>𝛾</m:t>
-                          </m:r>
-                        </m:sup>
-                      </m:sSup>
-                      <m:d>
-                        <m:dPr>
-                          <m:begChr m:val="|"/>
-                          <m:endChr m:val="|"/>
-                          <m:ctrlPr>
-                            <a:rPr lang="en-US" sz="2800" i="1">
-                              <a:latin typeface="Cambria Math" panose="02040503050406030204" pitchFamily="18" charset="0"/>
-                            </a:rPr>
-                          </m:ctrlPr>
-                        </m:dPr>
-                        <m:e>
-                          <m:d>
-                            <m:dPr>
-                              <m:begChr m:val=""/>
-                              <m:ctrlPr>
-                                <a:rPr lang="en-US" sz="2800" i="1">
-                                  <a:latin typeface="Cambria Math" panose="02040503050406030204" pitchFamily="18" charset="0"/>
-                                </a:rPr>
-                              </m:ctrlPr>
-                            </m:dPr>
-                            <m:e>
-                              <m:sSub>
-                                <m:sSubPr>
-                                  <m:ctrlPr>
-                                    <a:rPr lang="en-US" sz="2800" i="1">
-                                      <a:latin typeface="Cambria Math" panose="02040503050406030204" pitchFamily="18" charset="0"/>
-                                    </a:rPr>
-                                  </m:ctrlPr>
-                                </m:sSubPr>
-                                <m:e>
-                                  <m:r>
-                                    <a:rPr lang="en-US" sz="2800" i="1">
-                                      <a:latin typeface="Cambria Math" panose="02040503050406030204" pitchFamily="18" charset="0"/>
-                                    </a:rPr>
-                                    <m:t>𝐿</m:t>
-                                  </m:r>
-                                </m:e>
-                                <m:sub>
-                                  <m:r>
-                                    <a:rPr lang="en-US" sz="2800" i="1">
-                                      <a:latin typeface="Cambria Math" panose="02040503050406030204" pitchFamily="18" charset="0"/>
-                                    </a:rPr>
-                                    <m:t>𝑞𝑞</m:t>
-                                  </m:r>
-                                </m:sub>
-                              </m:sSub>
-                              <m:r>
-                                <a:rPr lang="en-US" sz="2800" i="0">
-                                  <a:latin typeface="Cambria Math" panose="02040503050406030204" pitchFamily="18" charset="0"/>
-                                </a:rPr>
-                                <m:t>(</m:t>
-                              </m:r>
-                              <m:r>
-                                <a:rPr lang="en-US" sz="2800" i="1">
-                                  <a:latin typeface="Cambria Math" panose="02040503050406030204" pitchFamily="18" charset="0"/>
-                                </a:rPr>
-                                <m:t>𝑥</m:t>
-                              </m:r>
-                              <m:r>
-                                <a:rPr lang="en-US" sz="2800" i="0">
-                                  <a:latin typeface="Cambria Math" panose="02040503050406030204" pitchFamily="18" charset="0"/>
-                                </a:rPr>
-                                <m:t>,</m:t>
-                              </m:r>
-                              <m:r>
-                                <a:rPr lang="en-US" sz="2800" i="1">
-                                  <a:latin typeface="Cambria Math" panose="02040503050406030204" pitchFamily="18" charset="0"/>
-                                </a:rPr>
-                                <m:t>𝑦</m:t>
-                              </m:r>
-                              <m:r>
-                                <a:rPr lang="en-US" sz="2800" i="0">
-                                  <a:latin typeface="Cambria Math" panose="02040503050406030204" pitchFamily="18" charset="0"/>
-                                </a:rPr>
-                                <m:t>,</m:t>
-                              </m:r>
-                              <m:r>
-                                <a:rPr lang="en-US" sz="2800" i="1">
-                                  <a:latin typeface="Cambria Math" panose="02040503050406030204" pitchFamily="18" charset="0"/>
-                                </a:rPr>
-                                <m:t>𝑡</m:t>
-                              </m:r>
-                            </m:e>
-                          </m:d>
-                        </m:e>
-                      </m:d>
-                    </m:oMath>
-                  </m:oMathPara>
-                </a14:m>
-                <a:endParaRPr lang="en-US" sz="2800" dirty="0"/>
-              </a:p>
-            </p:txBody>
-          </p:sp>
-        </mc:Choice>
-        <mc:Fallback xmlns="">
-          <p:sp>
-            <p:nvSpPr>
-              <p:cNvPr id="3" name="Rectangle 2"/>
-              <p:cNvSpPr>
-                <a:spLocks noRot="1" noChangeAspect="1" noMove="1" noResize="1" noEditPoints="1" noAdjustHandles="1" noChangeArrowheads="1" noChangeShapeType="1" noTextEdit="1"/>
-              </p:cNvSpPr>
-              <p:nvPr/>
-            </p:nvSpPr>
-            <p:spPr>
-              <a:xfrm>
-                <a:off x="1714358" y="2708462"/>
-                <a:ext cx="5893927" cy="588431"/>
-              </a:xfrm>
-              <a:prstGeom prst="rect">
-                <a:avLst/>
-              </a:prstGeom>
-              <a:blipFill>
-                <a:blip r:embed="rId2"/>
-                <a:stretch>
-                  <a:fillRect/>
-                </a:stretch>
-              </a:blipFill>
-            </p:spPr>
-            <p:txBody>
-              <a:bodyPr/>
-              <a:lstStyle/>
-              <a:p>
-                <a:r>
-                  <a:rPr lang="en-US">
-                    <a:noFill/>
-                  </a:rPr>
-                  <a:t> </a:t>
-                </a:r>
-              </a:p>
-            </p:txBody>
-          </p:sp>
-        </mc:Fallback>
-      </mc:AlternateContent>
-      <mc:AlternateContent xmlns:mc="http://schemas.openxmlformats.org/markup-compatibility/2006" xmlns:a14="http://schemas.microsoft.com/office/drawing/2010/main">
-        <mc:Choice Requires="a14">
-          <p:sp>
-            <p:nvSpPr>
-              <p:cNvPr id="5" name="TextBox 4"/>
-              <p:cNvSpPr txBox="1"/>
-              <p:nvPr/>
-            </p:nvSpPr>
-            <p:spPr>
-              <a:xfrm>
-                <a:off x="179512" y="4261282"/>
-                <a:ext cx="6942798" cy="1563377"/>
-              </a:xfrm>
-              <a:prstGeom prst="rect">
-                <a:avLst/>
-              </a:prstGeom>
-              <a:noFill/>
-            </p:spPr>
-            <p:txBody>
-              <a:bodyPr wrap="none" rtlCol="0">
-                <a:spAutoFit/>
-              </a:bodyPr>
-              <a:lstStyle/>
-              <a:p>
-                <a:pPr marL="342900" indent="-342900">
-                  <a:buFont typeface="Arial" panose="020B0604020202020204" pitchFamily="34" charset="0"/>
-                  <a:buChar char="•"/>
-                </a:pPr>
-                <a:r>
-                  <a:rPr lang="ja-JP" altLang="en-US" sz="2800" dirty="0"/>
-                  <a:t>主曲率の絶対値に比例する</a:t>
-                </a:r>
-                <a:endParaRPr lang="en-US" altLang="ja-JP" sz="2800" dirty="0"/>
-              </a:p>
-              <a:p>
-                <a:pPr marL="342900" indent="-342900">
-                  <a:buFont typeface="Arial" panose="020B0604020202020204" pitchFamily="34" charset="0"/>
-                  <a:buChar char="•"/>
-                </a:pPr>
-                <a:r>
-                  <a:rPr lang="el-GR" altLang="ja-JP" sz="2800" dirty="0"/>
-                  <a:t>γ</a:t>
-                </a:r>
-                <a:r>
-                  <a:rPr lang="ja-JP" altLang="en-US" sz="2800" dirty="0"/>
-                  <a:t>は</a:t>
-                </a:r>
-                <a14:m>
-                  <m:oMath xmlns:m="http://schemas.openxmlformats.org/officeDocument/2006/math">
-                    <m:f>
-                      <m:fPr>
-                        <m:ctrlPr>
-                          <a:rPr lang="en-US" altLang="ja-JP" sz="2800" i="1">
-                            <a:latin typeface="Cambria Math" panose="02040503050406030204" pitchFamily="18" charset="0"/>
-                          </a:rPr>
-                        </m:ctrlPr>
-                      </m:fPr>
-                      <m:num>
-                        <m:r>
-                          <a:rPr lang="en-US" altLang="ja-JP" sz="2800" i="1">
-                            <a:latin typeface="Cambria Math" panose="02040503050406030204" pitchFamily="18" charset="0"/>
-                          </a:rPr>
-                          <m:t>3</m:t>
-                        </m:r>
-                      </m:num>
-                      <m:den>
-                        <m:r>
-                          <a:rPr lang="en-US" altLang="ja-JP" sz="2800" i="1">
-                            <a:latin typeface="Cambria Math" panose="02040503050406030204" pitchFamily="18" charset="0"/>
-                          </a:rPr>
-                          <m:t>4</m:t>
-                        </m:r>
-                      </m:den>
-                    </m:f>
-                  </m:oMath>
-                </a14:m>
-                <a:r>
-                  <a:rPr lang="ja-JP" altLang="en-US" sz="2800" dirty="0"/>
-                  <a:t>にする</a:t>
-                </a:r>
-                <a:endParaRPr lang="en-US" altLang="ja-JP" sz="2800" dirty="0"/>
-              </a:p>
-              <a:p>
-                <a:pPr marL="342900" indent="-342900">
-                  <a:buFont typeface="Arial" panose="020B0604020202020204" pitchFamily="34" charset="0"/>
-                  <a:buChar char="•"/>
-                </a:pPr>
-                <a:r>
-                  <a:rPr lang="ja-JP" altLang="en-US" sz="2800" dirty="0"/>
-                  <a:t>位置</a:t>
-                </a:r>
-                <a14:m>
-                  <m:oMath xmlns:m="http://schemas.openxmlformats.org/officeDocument/2006/math">
-                    <m:d>
-                      <m:dPr>
-                        <m:begChr m:val=""/>
-                        <m:ctrlPr>
-                          <a:rPr lang="en-US" sz="2800" i="1">
-                            <a:latin typeface="Cambria Math" panose="02040503050406030204" pitchFamily="18" charset="0"/>
-                          </a:rPr>
-                        </m:ctrlPr>
-                      </m:dPr>
-                      <m:e>
-                        <m:r>
-                          <a:rPr lang="en-US" sz="2800" i="1" smtClean="0">
-                            <a:latin typeface="Cambria Math" panose="02040503050406030204" pitchFamily="18" charset="0"/>
-                          </a:rPr>
-                          <m:t> </m:t>
-                        </m:r>
-                        <m:r>
-                          <a:rPr lang="en-US" sz="2800">
-                            <a:latin typeface="Cambria Math" panose="02040503050406030204" pitchFamily="18" charset="0"/>
-                          </a:rPr>
-                          <m:t>(</m:t>
-                        </m:r>
-                        <m:r>
-                          <a:rPr lang="en-US" sz="2800" i="1">
-                            <a:latin typeface="Cambria Math" panose="02040503050406030204" pitchFamily="18" charset="0"/>
-                          </a:rPr>
-                          <m:t>𝑥</m:t>
-                        </m:r>
-                        <m:r>
-                          <a:rPr lang="en-US" sz="2800">
-                            <a:latin typeface="Cambria Math" panose="02040503050406030204" pitchFamily="18" charset="0"/>
-                          </a:rPr>
-                          <m:t>,</m:t>
-                        </m:r>
-                        <m:r>
-                          <a:rPr lang="en-US" sz="2800" i="1">
-                            <a:latin typeface="Cambria Math" panose="02040503050406030204" pitchFamily="18" charset="0"/>
-                          </a:rPr>
-                          <m:t>𝑦</m:t>
-                        </m:r>
-                      </m:e>
-                    </m:d>
-                    <m:r>
-                      <a:rPr lang="ja-JP" altLang="en-US" sz="2800" i="1">
-                        <a:latin typeface="Cambria Math" panose="02040503050406030204" pitchFamily="18" charset="0"/>
-                      </a:rPr>
-                      <m:t>の</m:t>
-                    </m:r>
-                  </m:oMath>
-                </a14:m>
-                <a:r>
-                  <a:rPr lang="ja-JP" altLang="en-US" sz="2800" dirty="0"/>
-                  <a:t>適切なスケールで極大になる</a:t>
-                </a:r>
-                <a:endParaRPr lang="en-US" altLang="ja-JP" sz="2800" dirty="0"/>
-              </a:p>
-            </p:txBody>
-          </p:sp>
-        </mc:Choice>
-        <mc:Fallback xmlns="">
-          <p:sp>
-            <p:nvSpPr>
-              <p:cNvPr id="5" name="TextBox 4"/>
-              <p:cNvSpPr txBox="1">
-                <a:spLocks noRot="1" noChangeAspect="1" noMove="1" noResize="1" noEditPoints="1" noAdjustHandles="1" noChangeArrowheads="1" noChangeShapeType="1" noTextEdit="1"/>
-              </p:cNvSpPr>
-              <p:nvPr/>
-            </p:nvSpPr>
-            <p:spPr>
-              <a:xfrm>
-                <a:off x="179512" y="4261282"/>
-                <a:ext cx="6942798" cy="1563377"/>
-              </a:xfrm>
-              <a:prstGeom prst="rect">
-                <a:avLst/>
-              </a:prstGeom>
-              <a:blipFill>
-                <a:blip r:embed="rId3"/>
-                <a:stretch>
-                  <a:fillRect l="-1580" t="-5078" r="-439" b="-8984"/>
-                </a:stretch>
-              </a:blipFill>
-            </p:spPr>
-            <p:txBody>
-              <a:bodyPr/>
-              <a:lstStyle/>
-              <a:p>
-                <a:r>
-                  <a:rPr lang="en-US">
-                    <a:noFill/>
-                  </a:rPr>
-                  <a:t> </a:t>
-                </a:r>
-              </a:p>
-            </p:txBody>
-          </p:sp>
-        </mc:Fallback>
-      </mc:AlternateContent>
-    </p:spTree>
-    <p:extLst>
-      <p:ext uri="{BB962C8B-B14F-4D97-AF65-F5344CB8AC3E}">
-        <p14:creationId xmlns:p14="http://schemas.microsoft.com/office/powerpoint/2010/main" val="3647025506"/>
-      </p:ext>
-    </p:extLst>
-  </p:cSld>
-  <p:clrMapOvr>
-    <a:masterClrMapping/>
-  </p:clrMapOvr>
+  <p:timing>
+    <p:tnLst>
+      <p:par>
+        <p:cTn id="1" dur="indefinite" restart="never" nodeType="tmRoot"/>
+      </p:par>
+    </p:tnLst>
+  </p:timing>
 </p:sld>
 </file>
 

--- a/blood vessel detection.pptx
+++ b/blood vessel detection.pptx
@@ -6,10 +6,10 @@
     <p:sldMasterId id="2147484176" r:id="rId2"/>
   </p:sldMasterIdLst>
   <p:notesMasterIdLst>
-    <p:notesMasterId r:id="rId19"/>
+    <p:notesMasterId r:id="rId18"/>
   </p:notesMasterIdLst>
   <p:handoutMasterIdLst>
-    <p:handoutMasterId r:id="rId20"/>
+    <p:handoutMasterId r:id="rId19"/>
   </p:handoutMasterIdLst>
   <p:sldIdLst>
     <p:sldId id="280" r:id="rId3"/>
@@ -26,8 +26,7 @@
     <p:sldId id="314" r:id="rId14"/>
     <p:sldId id="296" r:id="rId15"/>
     <p:sldId id="266" r:id="rId16"/>
-    <p:sldId id="308" r:id="rId17"/>
-    <p:sldId id="309" r:id="rId18"/>
+    <p:sldId id="309" r:id="rId17"/>
   </p:sldIdLst>
   <p:sldSz cx="9144000" cy="6858000" type="screen4x3"/>
   <p:notesSz cx="6805613" cy="9939338"/>
@@ -145,7 +144,6 @@
             <p14:sldId id="314"/>
             <p14:sldId id="296"/>
             <p14:sldId id="266"/>
-            <p14:sldId id="308"/>
             <p14:sldId id="309"/>
           </p14:sldIdLst>
         </p14:section>
@@ -8329,6 +8327,10 @@
               <a:rPr lang="ja-JP" altLang="en-US" sz="3200" b="1" dirty="0"/>
               <a:t>モノクロ生態計測画像からの</a:t>
             </a:r>
+            <a:r>
+              <a:rPr lang="en-US" altLang="ja-JP" sz="3200" b="1" dirty="0"/>
+              <a:t/>
+            </a:r>
             <a:br>
               <a:rPr lang="en-US" altLang="ja-JP" sz="3200" b="1" dirty="0"/>
             </a:br>
@@ -8336,9 +8338,17 @@
               <a:rPr lang="ja-JP" altLang="en-US" sz="3200" b="1" dirty="0"/>
               <a:t>血管抽出アルゴリズムの検討</a:t>
             </a:r>
+            <a:r>
+              <a:rPr lang="en-US" altLang="ja-JP" sz="3200" b="1" dirty="0"/>
+              <a:t/>
+            </a:r>
             <a:br>
               <a:rPr lang="en-US" altLang="ja-JP" sz="3200" b="1" dirty="0"/>
             </a:br>
+            <a:r>
+              <a:rPr lang="en-US" altLang="ja-JP" sz="3200" b="1" dirty="0"/>
+              <a:t/>
+            </a:r>
             <a:br>
               <a:rPr lang="en-US" altLang="ja-JP" sz="3200" b="1" dirty="0"/>
             </a:br>
@@ -8711,6 +8721,13 @@
   <p:clrMapOvr>
     <a:masterClrMapping/>
   </p:clrMapOvr>
+  <p:timing>
+    <p:tnLst>
+      <p:par>
+        <p:cTn id="1" dur="indefinite" restart="never" nodeType="tmRoot"/>
+      </p:par>
+    </p:tnLst>
+  </p:timing>
 </p:sld>
 </file>
 
@@ -8807,7 +8824,18 @@
                 </a:uFill>
                 <a:latin typeface="+mj-ea"/>
               </a:rPr>
-              <a:t>谷の孤立化</a:t>
+              <a:t>血管抽出アルゴリズム：谷</a:t>
+            </a:r>
+            <a:r>
+              <a:rPr lang="ja-JP" altLang="en-US" sz="3200" u="sng" dirty="0">
+                <a:uFill>
+                  <a:solidFill>
+                    <a:srgbClr val="00B050"/>
+                  </a:solidFill>
+                </a:uFill>
+                <a:latin typeface="+mj-ea"/>
+              </a:rPr>
+              <a:t>の孤立化</a:t>
             </a:r>
           </a:p>
         </p:txBody>
@@ -9889,7 +9917,7 @@
         </p:nvSpPr>
         <p:spPr>
           <a:xfrm>
-            <a:off x="1131118" y="6067968"/>
+            <a:off x="1144766" y="6081616"/>
             <a:ext cx="488534" cy="484632"/>
           </a:xfrm>
           <a:prstGeom prst="rightArrow">
@@ -9931,6 +9959,13 @@
   <p:clrMapOvr>
     <a:masterClrMapping/>
   </p:clrMapOvr>
+  <p:timing>
+    <p:tnLst>
+      <p:par>
+        <p:cTn id="1" dur="indefinite" restart="never" nodeType="tmRoot"/>
+      </p:par>
+    </p:tnLst>
+  </p:timing>
 </p:sld>
 </file>
 
@@ -9999,7 +10034,18 @@
                 </a:uFill>
                 <a:latin typeface="+mj-ea"/>
               </a:rPr>
-              <a:t>谷の孤立化</a:t>
+              <a:t>血管抽出アルゴリズム：谷</a:t>
+            </a:r>
+            <a:r>
+              <a:rPr lang="ja-JP" altLang="en-US" sz="3200" u="sng" dirty="0">
+                <a:uFill>
+                  <a:solidFill>
+                    <a:srgbClr val="00B050"/>
+                  </a:solidFill>
+                </a:uFill>
+                <a:latin typeface="+mj-ea"/>
+              </a:rPr>
+              <a:t>の孤立化</a:t>
             </a:r>
           </a:p>
         </p:txBody>
@@ -10209,8 +10255,8 @@
             <a:chExt cx="4572000" cy="1821549"/>
           </a:xfrm>
         </p:grpSpPr>
-        <mc:AlternateContent xmlns:mc="http://schemas.openxmlformats.org/markup-compatibility/2006">
-          <mc:Choice xmlns:a14="http://schemas.microsoft.com/office/drawing/2010/main" Requires="a14">
+        <mc:AlternateContent xmlns:mc="http://schemas.openxmlformats.org/markup-compatibility/2006" xmlns:a14="http://schemas.microsoft.com/office/drawing/2010/main">
+          <mc:Choice Requires="a14">
             <p:sp>
               <p:nvSpPr>
                 <p:cNvPr id="6" name="Rectangle 5"/>
@@ -10348,7 +10394,7 @@
               </p:txBody>
             </p:sp>
           </mc:Choice>
-          <mc:Fallback>
+          <mc:Fallback xmlns="">
             <p:sp>
               <p:nvSpPr>
                 <p:cNvPr id="6" name="Rectangle 5"/>
@@ -10717,6 +10763,13 @@
   <p:clrMapOvr>
     <a:masterClrMapping/>
   </p:clrMapOvr>
+  <p:timing>
+    <p:tnLst>
+      <p:par>
+        <p:cTn id="1" dur="indefinite" restart="never" nodeType="tmRoot"/>
+      </p:par>
+    </p:tnLst>
+  </p:timing>
 </p:sld>
 </file>
 
@@ -10745,7 +10798,7 @@
         </p:nvSpPr>
         <p:spPr>
           <a:xfrm>
-            <a:off x="262307" y="978022"/>
+            <a:off x="59982" y="978022"/>
             <a:ext cx="276482" cy="265181"/>
           </a:xfrm>
           <a:prstGeom prst="ellipse">
@@ -10829,7 +10882,7 @@
         <p:spPr>
           <a:xfrm>
             <a:off x="708329" y="879781"/>
-            <a:ext cx="2339102" cy="461665"/>
+            <a:ext cx="2340000" cy="461665"/>
           </a:xfrm>
           <a:prstGeom prst="rect">
             <a:avLst/>
@@ -11767,10 +11820,10 @@
         </p:nvGrpSpPr>
         <p:grpSpPr>
           <a:xfrm>
-            <a:off x="443399" y="4748901"/>
-            <a:ext cx="2296253" cy="995324"/>
-            <a:chOff x="443399" y="4748901"/>
-            <a:chExt cx="2296253" cy="995324"/>
+            <a:off x="59982" y="4748901"/>
+            <a:ext cx="3602998" cy="1052984"/>
+            <a:chOff x="59982" y="4748901"/>
+            <a:chExt cx="3602998" cy="1052984"/>
           </a:xfrm>
         </p:grpSpPr>
         <p:sp>
@@ -11781,8 +11834,8 @@
           </p:nvSpPr>
           <p:spPr>
             <a:xfrm>
-              <a:off x="1016103" y="5282560"/>
-              <a:ext cx="1723549" cy="461665"/>
+              <a:off x="400548" y="5340220"/>
+              <a:ext cx="3262432" cy="461665"/>
             </a:xfrm>
             <a:prstGeom prst="rect">
               <a:avLst/>
@@ -11806,8 +11859,21 @@
                     <a:prstClr val="black"/>
                   </a:solidFill>
                 </a:rPr>
-                <a:t>谷の孤立化</a:t>
+                <a:t>谷の</a:t>
               </a:r>
+              <a:r>
+                <a:rPr kumimoji="1" lang="ja-JP" altLang="en-US" sz="2400" dirty="0" smtClean="0">
+                  <a:solidFill>
+                    <a:prstClr val="black"/>
+                  </a:solidFill>
+                </a:rPr>
+                <a:t>孤立化（血管抽出）</a:t>
+              </a:r>
+              <a:endParaRPr kumimoji="1" lang="ja-JP" altLang="en-US" sz="2400" dirty="0">
+                <a:solidFill>
+                  <a:prstClr val="black"/>
+                </a:solidFill>
+              </a:endParaRPr>
             </a:p>
           </p:txBody>
         </p:sp>
@@ -11859,7 +11925,7 @@
           </p:nvSpPr>
           <p:spPr>
             <a:xfrm>
-              <a:off x="443399" y="5387486"/>
+              <a:off x="59982" y="5416054"/>
               <a:ext cx="276482" cy="265181"/>
             </a:xfrm>
             <a:prstGeom prst="ellipse">
@@ -11902,10 +11968,10 @@
         </p:nvGrpSpPr>
         <p:grpSpPr>
           <a:xfrm>
-            <a:off x="449435" y="3730908"/>
-            <a:ext cx="2408039" cy="924964"/>
-            <a:chOff x="449435" y="3730908"/>
-            <a:chExt cx="2408039" cy="924964"/>
+            <a:off x="68144" y="3730908"/>
+            <a:ext cx="2789330" cy="924964"/>
+            <a:chOff x="68144" y="3730908"/>
+            <a:chExt cx="2789330" cy="924964"/>
           </a:xfrm>
         </p:grpSpPr>
         <p:sp>
@@ -11994,7 +12060,7 @@
           </p:nvSpPr>
           <p:spPr>
             <a:xfrm>
-              <a:off x="449435" y="4288408"/>
+              <a:off x="68144" y="4300917"/>
               <a:ext cx="276482" cy="265181"/>
             </a:xfrm>
             <a:prstGeom prst="ellipse">
@@ -12168,10 +12234,10 @@
         </p:nvGrpSpPr>
         <p:grpSpPr>
           <a:xfrm>
-            <a:off x="463509" y="1427318"/>
-            <a:ext cx="2430030" cy="1010645"/>
-            <a:chOff x="463509" y="1427318"/>
-            <a:chExt cx="2430030" cy="1010645"/>
+            <a:off x="59982" y="1427318"/>
+            <a:ext cx="2833557" cy="1010645"/>
+            <a:chOff x="59982" y="1427318"/>
+            <a:chExt cx="2833557" cy="1010645"/>
           </a:xfrm>
         </p:grpSpPr>
         <p:sp>
@@ -12264,7 +12330,7 @@
           </p:nvSpPr>
           <p:spPr>
             <a:xfrm>
-              <a:off x="463509" y="2102908"/>
+              <a:off x="59982" y="2093185"/>
               <a:ext cx="276482" cy="265181"/>
             </a:xfrm>
             <a:prstGeom prst="ellipse">
@@ -15484,7 +15550,7 @@
         </p:blipFill>
         <p:spPr>
           <a:xfrm>
-            <a:off x="634200" y="3648595"/>
+            <a:off x="4639146" y="930207"/>
             <a:ext cx="4000552" cy="2581000"/>
           </a:xfrm>
           <a:prstGeom prst="rect">
@@ -15500,7 +15566,7 @@
         </p:nvSpPr>
         <p:spPr>
           <a:xfrm>
-            <a:off x="2513099" y="1072750"/>
+            <a:off x="357977" y="3770457"/>
             <a:ext cx="3988592" cy="461665"/>
           </a:xfrm>
           <a:prstGeom prst="rect">
@@ -15530,8 +15596,8 @@
         </p:nvSpPr>
         <p:spPr>
           <a:xfrm>
-            <a:off x="4265079" y="1803082"/>
-            <a:ext cx="484632" cy="459802"/>
+            <a:off x="2045251" y="4421620"/>
+            <a:ext cx="484632" cy="327977"/>
           </a:xfrm>
           <a:prstGeom prst="downArrow">
             <a:avLst/>
@@ -15570,8 +15636,8 @@
         </p:nvSpPr>
         <p:spPr>
           <a:xfrm>
-            <a:off x="459652" y="2456301"/>
-            <a:ext cx="8095486" cy="892552"/>
+            <a:off x="276486" y="4939095"/>
+            <a:ext cx="4554821" cy="1261884"/>
           </a:xfrm>
           <a:prstGeom prst="rect">
             <a:avLst/>
@@ -15584,7 +15650,7 @@
           </a:ln>
         </p:spPr>
         <p:txBody>
-          <a:bodyPr wrap="none" rtlCol="0">
+          <a:bodyPr wrap="square" rtlCol="0">
             <a:spAutoFit/>
           </a:bodyPr>
           <a:lstStyle/>
@@ -15636,13 +15702,15 @@
       <p:cxnSp>
         <p:nvCxnSpPr>
           <p:cNvPr id="15" name="直線矢印コネクタ 14"/>
-          <p:cNvCxnSpPr/>
+          <p:cNvCxnSpPr>
+            <a:endCxn id="8" idx="0"/>
+          </p:cNvCxnSpPr>
           <p:nvPr/>
         </p:nvCxnSpPr>
         <p:spPr>
-          <a:xfrm>
-            <a:off x="3205135" y="4678526"/>
-            <a:ext cx="1940071" cy="0"/>
+          <a:xfrm flipH="1">
+            <a:off x="7008464" y="2175023"/>
+            <a:ext cx="1936" cy="1473572"/>
           </a:xfrm>
           <a:prstGeom prst="straightConnector1">
             <a:avLst/>
@@ -15674,7 +15742,7 @@
         </p:nvSpPr>
         <p:spPr>
           <a:xfrm>
-            <a:off x="2742877" y="4474632"/>
+            <a:off x="6747823" y="1756244"/>
             <a:ext cx="424714" cy="407788"/>
           </a:xfrm>
           <a:prstGeom prst="ellipse">
@@ -15712,6 +15780,36 @@
           </a:p>
         </p:txBody>
       </p:sp>
+      <p:pic>
+        <p:nvPicPr>
+          <p:cNvPr id="3" name="図 2"/>
+          <p:cNvPicPr>
+            <a:picLocks noChangeAspect="1"/>
+          </p:cNvPicPr>
+          <p:nvPr/>
+        </p:nvPicPr>
+        <p:blipFill>
+          <a:blip r:embed="rId5">
+            <a:extLst>
+              <a:ext uri="{28A0092B-C50C-407E-A947-70E740481C1C}">
+                <a14:useLocalDpi xmlns:a14="http://schemas.microsoft.com/office/drawing/2010/main" val="0"/>
+              </a:ext>
+            </a:extLst>
+          </a:blip>
+          <a:stretch>
+            <a:fillRect/>
+          </a:stretch>
+        </p:blipFill>
+        <p:spPr>
+          <a:xfrm>
+            <a:off x="276486" y="930207"/>
+            <a:ext cx="4022163" cy="2594944"/>
+          </a:xfrm>
+          <a:prstGeom prst="rect">
+            <a:avLst/>
+          </a:prstGeom>
+        </p:spPr>
+      </p:pic>
     </p:spTree>
     <p:extLst>
       <p:ext uri="{BB962C8B-B14F-4D97-AF65-F5344CB8AC3E}">
@@ -15722,6 +15820,234 @@
   <p:clrMapOvr>
     <a:masterClrMapping/>
   </p:clrMapOvr>
+  <p:timing>
+    <p:tnLst>
+      <p:par>
+        <p:cTn id="1" dur="indefinite" restart="never" nodeType="tmRoot">
+          <p:childTnLst>
+            <p:seq concurrent="1" nextAc="seek">
+              <p:cTn id="2" dur="indefinite" nodeType="mainSeq">
+                <p:childTnLst>
+                  <p:par>
+                    <p:cTn id="3" fill="hold">
+                      <p:stCondLst>
+                        <p:cond delay="indefinite"/>
+                      </p:stCondLst>
+                      <p:childTnLst>
+                        <p:par>
+                          <p:cTn id="4" fill="hold">
+                            <p:stCondLst>
+                              <p:cond delay="0"/>
+                            </p:stCondLst>
+                            <p:childTnLst>
+                              <p:par>
+                                <p:cTn id="5" presetID="10" presetClass="entr" presetSubtype="0" fill="hold" grpId="0" nodeType="clickEffect">
+                                  <p:stCondLst>
+                                    <p:cond delay="0"/>
+                                  </p:stCondLst>
+                                  <p:childTnLst>
+                                    <p:set>
+                                      <p:cBhvr>
+                                        <p:cTn id="6" dur="1" fill="hold">
+                                          <p:stCondLst>
+                                            <p:cond delay="0"/>
+                                          </p:stCondLst>
+                                        </p:cTn>
+                                        <p:tgtEl>
+                                          <p:spTgt spid="40"/>
+                                        </p:tgtEl>
+                                        <p:attrNameLst>
+                                          <p:attrName>style.visibility</p:attrName>
+                                        </p:attrNameLst>
+                                      </p:cBhvr>
+                                      <p:to>
+                                        <p:strVal val="visible"/>
+                                      </p:to>
+                                    </p:set>
+                                    <p:animEffect transition="in" filter="fade">
+                                      <p:cBhvr>
+                                        <p:cTn id="7" dur="500"/>
+                                        <p:tgtEl>
+                                          <p:spTgt spid="40"/>
+                                        </p:tgtEl>
+                                      </p:cBhvr>
+                                    </p:animEffect>
+                                  </p:childTnLst>
+                                </p:cTn>
+                              </p:par>
+                              <p:par>
+                                <p:cTn id="8" presetID="10" presetClass="entr" presetSubtype="0" fill="hold" grpId="0" nodeType="withEffect">
+                                  <p:stCondLst>
+                                    <p:cond delay="0"/>
+                                  </p:stCondLst>
+                                  <p:childTnLst>
+                                    <p:set>
+                                      <p:cBhvr>
+                                        <p:cTn id="9" dur="1" fill="hold">
+                                          <p:stCondLst>
+                                            <p:cond delay="0"/>
+                                          </p:stCondLst>
+                                        </p:cTn>
+                                        <p:tgtEl>
+                                          <p:spTgt spid="41"/>
+                                        </p:tgtEl>
+                                        <p:attrNameLst>
+                                          <p:attrName>style.visibility</p:attrName>
+                                        </p:attrNameLst>
+                                      </p:cBhvr>
+                                      <p:to>
+                                        <p:strVal val="visible"/>
+                                      </p:to>
+                                    </p:set>
+                                    <p:animEffect transition="in" filter="fade">
+                                      <p:cBhvr>
+                                        <p:cTn id="10" dur="500"/>
+                                        <p:tgtEl>
+                                          <p:spTgt spid="41"/>
+                                        </p:tgtEl>
+                                      </p:cBhvr>
+                                    </p:animEffect>
+                                  </p:childTnLst>
+                                </p:cTn>
+                              </p:par>
+                              <p:par>
+                                <p:cTn id="11" presetID="10" presetClass="entr" presetSubtype="0" fill="hold" nodeType="withEffect">
+                                  <p:stCondLst>
+                                    <p:cond delay="0"/>
+                                  </p:stCondLst>
+                                  <p:childTnLst>
+                                    <p:set>
+                                      <p:cBhvr>
+                                        <p:cTn id="12" dur="1" fill="hold">
+                                          <p:stCondLst>
+                                            <p:cond delay="0"/>
+                                          </p:stCondLst>
+                                        </p:cTn>
+                                        <p:tgtEl>
+                                          <p:spTgt spid="8"/>
+                                        </p:tgtEl>
+                                        <p:attrNameLst>
+                                          <p:attrName>style.visibility</p:attrName>
+                                        </p:attrNameLst>
+                                      </p:cBhvr>
+                                      <p:to>
+                                        <p:strVal val="visible"/>
+                                      </p:to>
+                                    </p:set>
+                                    <p:animEffect transition="in" filter="fade">
+                                      <p:cBhvr>
+                                        <p:cTn id="13" dur="500"/>
+                                        <p:tgtEl>
+                                          <p:spTgt spid="8"/>
+                                        </p:tgtEl>
+                                      </p:cBhvr>
+                                    </p:animEffect>
+                                  </p:childTnLst>
+                                </p:cTn>
+                              </p:par>
+                              <p:par>
+                                <p:cTn id="14" presetID="10" presetClass="entr" presetSubtype="0" fill="hold" nodeType="withEffect">
+                                  <p:stCondLst>
+                                    <p:cond delay="0"/>
+                                  </p:stCondLst>
+                                  <p:childTnLst>
+                                    <p:set>
+                                      <p:cBhvr>
+                                        <p:cTn id="15" dur="1" fill="hold">
+                                          <p:stCondLst>
+                                            <p:cond delay="0"/>
+                                          </p:stCondLst>
+                                        </p:cTn>
+                                        <p:tgtEl>
+                                          <p:spTgt spid="15"/>
+                                        </p:tgtEl>
+                                        <p:attrNameLst>
+                                          <p:attrName>style.visibility</p:attrName>
+                                        </p:attrNameLst>
+                                      </p:cBhvr>
+                                      <p:to>
+                                        <p:strVal val="visible"/>
+                                      </p:to>
+                                    </p:set>
+                                    <p:animEffect transition="in" filter="fade">
+                                      <p:cBhvr>
+                                        <p:cTn id="16" dur="500"/>
+                                        <p:tgtEl>
+                                          <p:spTgt spid="15"/>
+                                        </p:tgtEl>
+                                      </p:cBhvr>
+                                    </p:animEffect>
+                                  </p:childTnLst>
+                                </p:cTn>
+                              </p:par>
+                              <p:par>
+                                <p:cTn id="17" presetID="10" presetClass="entr" presetSubtype="0" fill="hold" grpId="0" nodeType="withEffect">
+                                  <p:stCondLst>
+                                    <p:cond delay="0"/>
+                                  </p:stCondLst>
+                                  <p:childTnLst>
+                                    <p:set>
+                                      <p:cBhvr>
+                                        <p:cTn id="18" dur="1" fill="hold">
+                                          <p:stCondLst>
+                                            <p:cond delay="0"/>
+                                          </p:stCondLst>
+                                        </p:cTn>
+                                        <p:tgtEl>
+                                          <p:spTgt spid="20"/>
+                                        </p:tgtEl>
+                                        <p:attrNameLst>
+                                          <p:attrName>style.visibility</p:attrName>
+                                        </p:attrNameLst>
+                                      </p:cBhvr>
+                                      <p:to>
+                                        <p:strVal val="visible"/>
+                                      </p:to>
+                                    </p:set>
+                                    <p:animEffect transition="in" filter="fade">
+                                      <p:cBhvr>
+                                        <p:cTn id="19" dur="500"/>
+                                        <p:tgtEl>
+                                          <p:spTgt spid="20"/>
+                                        </p:tgtEl>
+                                      </p:cBhvr>
+                                    </p:animEffect>
+                                  </p:childTnLst>
+                                </p:cTn>
+                              </p:par>
+                            </p:childTnLst>
+                          </p:cTn>
+                        </p:par>
+                      </p:childTnLst>
+                    </p:cTn>
+                  </p:par>
+                </p:childTnLst>
+              </p:cTn>
+              <p:prevCondLst>
+                <p:cond evt="onPrev" delay="0">
+                  <p:tgtEl>
+                    <p:sldTgt/>
+                  </p:tgtEl>
+                </p:cond>
+              </p:prevCondLst>
+              <p:nextCondLst>
+                <p:cond evt="onNext" delay="0">
+                  <p:tgtEl>
+                    <p:sldTgt/>
+                  </p:tgtEl>
+                </p:cond>
+              </p:nextCondLst>
+            </p:seq>
+          </p:childTnLst>
+        </p:cTn>
+      </p:par>
+    </p:tnLst>
+    <p:bldLst>
+      <p:bldP spid="40" grpId="0" animBg="1"/>
+      <p:bldP spid="41" grpId="0" animBg="1"/>
+      <p:bldP spid="20" grpId="0" animBg="1"/>
+    </p:bldLst>
+  </p:timing>
 </p:sld>
 </file>
 
@@ -15832,7 +16158,7 @@
         <p:spPr>
           <a:xfrm>
             <a:off x="166690" y="1568727"/>
-            <a:ext cx="8468985" cy="2062103"/>
+            <a:ext cx="8364790" cy="2062103"/>
           </a:xfrm>
           <a:prstGeom prst="rect">
             <a:avLst/>
@@ -15846,7 +16172,7 @@
           <a:p>
             <a:pPr marL="571500" indent="-571500">
               <a:buFont typeface="Wingdings" panose="05000000000000000000" pitchFamily="2" charset="2"/>
-              <a:buChar char="§"/>
+              <a:buChar char="n"/>
             </a:pPr>
             <a:r>
               <a:rPr lang="ja-JP" altLang="en-US" sz="3600" dirty="0">
@@ -15859,7 +16185,7 @@
             </a:endParaRPr>
           </a:p>
           <a:p>
-            <a:pPr marL="1028700" lvl="1" indent="-571500">
+            <a:pPr marL="914400" lvl="1" indent="-457200">
               <a:buFont typeface="Arial" panose="020B0604020202020204" pitchFamily="34" charset="0"/>
               <a:buChar char="•"/>
             </a:pPr>
@@ -15874,7 +16200,7 @@
             </a:endParaRPr>
           </a:p>
           <a:p>
-            <a:pPr marL="1028700" lvl="1" indent="-571500">
+            <a:pPr marL="914400" lvl="1" indent="-457200">
               <a:buFont typeface="Arial" panose="020B0604020202020204" pitchFamily="34" charset="0"/>
               <a:buChar char="•"/>
             </a:pPr>
@@ -15908,7 +16234,7 @@
         <p:spPr>
           <a:xfrm>
             <a:off x="166690" y="3878507"/>
-            <a:ext cx="7351693" cy="1508105"/>
+            <a:ext cx="7524817" cy="1938992"/>
           </a:xfrm>
           <a:prstGeom prst="rect">
             <a:avLst/>
@@ -15921,29 +16247,53 @@
           </a:bodyPr>
           <a:lstStyle/>
           <a:p>
-            <a:pPr marL="285750" indent="-285750">
+            <a:pPr marL="571500" indent="-571500">
+              <a:buSzPct val="100000"/>
               <a:buFont typeface="Wingdings" panose="05000000000000000000" pitchFamily="2" charset="2"/>
-              <a:buChar char="§"/>
+              <a:buChar char="n"/>
             </a:pPr>
             <a:r>
               <a:rPr lang="ja-JP" altLang="en-US" sz="3600" dirty="0"/>
-              <a:t>今後の予定</a:t>
+              <a:t>今後の</a:t>
+            </a:r>
+            <a:r>
+              <a:rPr lang="ja-JP" altLang="en-US" sz="3600" dirty="0" smtClean="0"/>
+              <a:t>予定</a:t>
             </a:r>
             <a:endParaRPr lang="en-US" altLang="ja-JP" sz="3600" dirty="0"/>
           </a:p>
           <a:p>
-            <a:pPr marL="742950" lvl="1" indent="-285750">
+            <a:pPr marL="914400" lvl="1" indent="-457200">
               <a:buFont typeface="Arial" panose="020B0604020202020204" pitchFamily="34" charset="0"/>
               <a:buChar char="•"/>
             </a:pPr>
             <a:r>
+              <a:rPr lang="ja-JP" altLang="en-US" sz="2800" dirty="0" smtClean="0"/>
+              <a:t>血管抽出アルゴリズムの改良</a:t>
+            </a:r>
+            <a:endParaRPr lang="en-US" altLang="ja-JP" sz="2800" dirty="0" smtClean="0"/>
+          </a:p>
+          <a:p>
+            <a:pPr marL="914400" lvl="1" indent="-457200">
+              <a:buFont typeface="Arial" panose="020B0604020202020204" pitchFamily="34" charset="0"/>
+              <a:buChar char="•"/>
+            </a:pPr>
+            <a:r>
+              <a:rPr lang="ja-JP" altLang="en-US" sz="2800" dirty="0" smtClean="0"/>
+              <a:t>得たデータ</a:t>
+            </a:r>
+            <a:r>
               <a:rPr lang="ja-JP" altLang="en-US" sz="2800" dirty="0"/>
-              <a:t>前期で得たデータで機械学習を応用</a:t>
+              <a:t>を</a:t>
+            </a:r>
+            <a:r>
+              <a:rPr lang="ja-JP" altLang="en-US" sz="2800" dirty="0" smtClean="0"/>
+              <a:t>機械学習に利用</a:t>
             </a:r>
             <a:endParaRPr lang="en-US" altLang="ja-JP" sz="2800" dirty="0"/>
           </a:p>
           <a:p>
-            <a:pPr marL="742950" lvl="1" indent="-285750">
+            <a:pPr marL="914400" lvl="1" indent="-457200">
               <a:buFont typeface="Arial" panose="020B0604020202020204" pitchFamily="34" charset="0"/>
               <a:buChar char="•"/>
             </a:pPr>
@@ -15965,6 +16315,13 @@
   <p:clrMapOvr>
     <a:masterClrMapping/>
   </p:clrMapOvr>
+  <p:timing>
+    <p:tnLst>
+      <p:par>
+        <p:cTn id="1" dur="indefinite" restart="never" nodeType="tmRoot"/>
+      </p:par>
+    </p:tnLst>
+  </p:timing>
 </p:sld>
 </file>
 
@@ -15987,26 +16344,423 @@
       </p:grpSpPr>
       <p:sp>
         <p:nvSpPr>
-          <p:cNvPr id="2" name="Title 1"/>
+          <p:cNvPr id="4" name="Slide Number Placeholder 3"/>
           <p:cNvSpPr>
             <a:spLocks noGrp="1"/>
           </p:cNvSpPr>
           <p:nvPr>
-            <p:ph type="title"/>
+            <p:ph type="sldNum" sz="quarter" idx="12"/>
           </p:nvPr>
         </p:nvSpPr>
-        <p:spPr/>
+        <p:spPr>
+          <a:xfrm>
+            <a:off x="7010400" y="67568"/>
+            <a:ext cx="2133600" cy="365125"/>
+          </a:xfrm>
+        </p:spPr>
         <p:txBody>
           <a:bodyPr/>
           <a:lstStyle/>
           <a:p>
-            <a:endParaRPr lang="en-US"/>
+            <a:fld id="{519954A3-9DFD-4C44-94BA-B95130A3BA1C}" type="slidenum">
+              <a:rPr lang="en-US" smtClean="0"/>
+              <a:t>14</a:t>
+            </a:fld>
+            <a:endParaRPr lang="en-US" dirty="0"/>
           </a:p>
         </p:txBody>
       </p:sp>
+      <mc:AlternateContent xmlns:mc="http://schemas.openxmlformats.org/markup-compatibility/2006">
+        <mc:Choice xmlns:a14="http://schemas.microsoft.com/office/drawing/2010/main" Requires="a14">
+          <p:sp>
+            <p:nvSpPr>
+              <p:cNvPr id="6" name="テキスト ボックス 5"/>
+              <p:cNvSpPr txBox="1"/>
+              <p:nvPr/>
+            </p:nvSpPr>
+            <p:spPr>
+              <a:xfrm>
+                <a:off x="190539" y="1280830"/>
+                <a:ext cx="3384644" cy="914481"/>
+              </a:xfrm>
+              <a:prstGeom prst="rect">
+                <a:avLst/>
+              </a:prstGeom>
+              <a:noFill/>
+            </p:spPr>
+            <p:txBody>
+              <a:bodyPr wrap="square" rtlCol="0">
+                <a:spAutoFit/>
+              </a:bodyPr>
+              <a:lstStyle/>
+              <a:p>
+                <a14:m>
+                  <m:oMathPara xmlns:m="http://schemas.openxmlformats.org/officeDocument/2006/math">
+                    <m:oMathParaPr>
+                      <m:jc m:val="centerGroup"/>
+                    </m:oMathParaPr>
+                    <m:oMath xmlns:m="http://schemas.openxmlformats.org/officeDocument/2006/math">
+                      <m:sSub>
+                        <m:sSubPr>
+                          <m:ctrlPr>
+                            <a:rPr lang="ja-JP" altLang="en-US" sz="2400" i="1">
+                              <a:solidFill>
+                                <a:prstClr val="black"/>
+                              </a:solidFill>
+                              <a:latin typeface="Cambria Math" panose="02040503050406030204" pitchFamily="18" charset="0"/>
+                            </a:rPr>
+                          </m:ctrlPr>
+                        </m:sSubPr>
+                        <m:e>
+                          <m:r>
+                            <a:rPr lang="ja-JP" altLang="en-US" sz="2400" i="1">
+                              <a:solidFill>
+                                <a:prstClr val="black"/>
+                              </a:solidFill>
+                              <a:latin typeface="Cambria Math" panose="02040503050406030204" pitchFamily="18" charset="0"/>
+                            </a:rPr>
+                            <m:t>𝐿</m:t>
+                          </m:r>
+                        </m:e>
+                        <m:sub>
+                          <m:r>
+                            <a:rPr lang="ja-JP" altLang="en-US" sz="2400" i="1">
+                              <a:solidFill>
+                                <a:prstClr val="black"/>
+                              </a:solidFill>
+                              <a:latin typeface="Cambria Math" panose="02040503050406030204" pitchFamily="18" charset="0"/>
+                            </a:rPr>
+                            <m:t>𝑞𝑞</m:t>
+                          </m:r>
+                        </m:sub>
+                      </m:sSub>
+                      <m:r>
+                        <a:rPr lang="ja-JP" altLang="en-US" sz="2400">
+                          <a:solidFill>
+                            <a:prstClr val="black"/>
+                          </a:solidFill>
+                          <a:latin typeface="Cambria Math" panose="02040503050406030204" pitchFamily="18" charset="0"/>
+                        </a:rPr>
+                        <m:t>(</m:t>
+                      </m:r>
+                      <m:r>
+                        <a:rPr lang="ja-JP" altLang="en-US" sz="2400" i="1">
+                          <a:solidFill>
+                            <a:prstClr val="black"/>
+                          </a:solidFill>
+                          <a:latin typeface="Cambria Math" panose="02040503050406030204" pitchFamily="18" charset="0"/>
+                        </a:rPr>
+                        <m:t>𝑥</m:t>
+                      </m:r>
+                      <m:r>
+                        <a:rPr lang="ja-JP" altLang="en-US" sz="2400">
+                          <a:solidFill>
+                            <a:prstClr val="black"/>
+                          </a:solidFill>
+                          <a:latin typeface="Cambria Math" panose="02040503050406030204" pitchFamily="18" charset="0"/>
+                        </a:rPr>
+                        <m:t>,</m:t>
+                      </m:r>
+                      <m:r>
+                        <a:rPr lang="ja-JP" altLang="en-US" sz="2400" i="1">
+                          <a:solidFill>
+                            <a:prstClr val="black"/>
+                          </a:solidFill>
+                          <a:latin typeface="Cambria Math" panose="02040503050406030204" pitchFamily="18" charset="0"/>
+                        </a:rPr>
+                        <m:t>𝑦</m:t>
+                      </m:r>
+                      <m:r>
+                        <a:rPr lang="ja-JP" altLang="en-US" sz="2400">
+                          <a:solidFill>
+                            <a:prstClr val="black"/>
+                          </a:solidFill>
+                          <a:latin typeface="Cambria Math" panose="02040503050406030204" pitchFamily="18" charset="0"/>
+                        </a:rPr>
+                        <m:t>)≥</m:t>
+                      </m:r>
+                      <m:r>
+                        <a:rPr lang="en-US" altLang="ja-JP" sz="2400" i="1">
+                          <a:solidFill>
+                            <a:prstClr val="black"/>
+                          </a:solidFill>
+                          <a:latin typeface="Cambria Math" panose="02040503050406030204" pitchFamily="18" charset="0"/>
+                        </a:rPr>
+                        <m:t>0</m:t>
+                      </m:r>
+                    </m:oMath>
+                  </m:oMathPara>
+                </a14:m>
+                <a:endParaRPr kumimoji="1" lang="en-US" altLang="ja-JP" sz="2400" dirty="0" smtClean="0"/>
+              </a:p>
+              <a:p>
+                <a14:m>
+                  <m:oMathPara xmlns:m="http://schemas.openxmlformats.org/officeDocument/2006/math">
+                    <m:oMathParaPr>
+                      <m:jc m:val="centerGroup"/>
+                    </m:oMathParaPr>
+                    <m:oMath xmlns:m="http://schemas.openxmlformats.org/officeDocument/2006/math">
+                      <m:d>
+                        <m:dPr>
+                          <m:begChr m:val="|"/>
+                          <m:endChr m:val="|"/>
+                          <m:ctrlPr>
+                            <a:rPr lang="ja-JP" altLang="en-US" sz="2400" i="1">
+                              <a:solidFill>
+                                <a:prstClr val="black"/>
+                              </a:solidFill>
+                              <a:latin typeface="Cambria Math" panose="02040503050406030204" pitchFamily="18" charset="0"/>
+                            </a:rPr>
+                          </m:ctrlPr>
+                        </m:dPr>
+                        <m:e>
+                          <m:d>
+                            <m:dPr>
+                              <m:begChr m:val=""/>
+                              <m:ctrlPr>
+                                <a:rPr lang="ja-JP" altLang="en-US" sz="2400" i="1">
+                                  <a:solidFill>
+                                    <a:prstClr val="black"/>
+                                  </a:solidFill>
+                                  <a:latin typeface="Cambria Math" panose="02040503050406030204" pitchFamily="18" charset="0"/>
+                                </a:rPr>
+                              </m:ctrlPr>
+                            </m:dPr>
+                            <m:e>
+                              <m:sSub>
+                                <m:sSubPr>
+                                  <m:ctrlPr>
+                                    <a:rPr lang="ja-JP" altLang="en-US" sz="2400" i="1">
+                                      <a:solidFill>
+                                        <a:prstClr val="black"/>
+                                      </a:solidFill>
+                                      <a:latin typeface="Cambria Math" panose="02040503050406030204" pitchFamily="18" charset="0"/>
+                                    </a:rPr>
+                                  </m:ctrlPr>
+                                </m:sSubPr>
+                                <m:e>
+                                  <m:r>
+                                    <a:rPr lang="ja-JP" altLang="en-US" sz="2400" i="1">
+                                      <a:solidFill>
+                                        <a:prstClr val="black"/>
+                                      </a:solidFill>
+                                      <a:latin typeface="Cambria Math" panose="02040503050406030204" pitchFamily="18" charset="0"/>
+                                    </a:rPr>
+                                    <m:t>𝐿</m:t>
+                                  </m:r>
+                                </m:e>
+                                <m:sub>
+                                  <m:r>
+                                    <a:rPr lang="ja-JP" altLang="en-US" sz="2400" i="1">
+                                      <a:solidFill>
+                                        <a:prstClr val="black"/>
+                                      </a:solidFill>
+                                      <a:latin typeface="Cambria Math" panose="02040503050406030204" pitchFamily="18" charset="0"/>
+                                    </a:rPr>
+                                    <m:t>𝑞𝑞</m:t>
+                                  </m:r>
+                                </m:sub>
+                              </m:sSub>
+                              <m:r>
+                                <a:rPr lang="ja-JP" altLang="en-US" sz="2400">
+                                  <a:solidFill>
+                                    <a:prstClr val="black"/>
+                                  </a:solidFill>
+                                  <a:latin typeface="Cambria Math" panose="02040503050406030204" pitchFamily="18" charset="0"/>
+                                </a:rPr>
+                                <m:t>(</m:t>
+                              </m:r>
+                              <m:r>
+                                <a:rPr lang="ja-JP" altLang="en-US" sz="2400" i="1">
+                                  <a:solidFill>
+                                    <a:prstClr val="black"/>
+                                  </a:solidFill>
+                                  <a:latin typeface="Cambria Math" panose="02040503050406030204" pitchFamily="18" charset="0"/>
+                                </a:rPr>
+                                <m:t>𝑥</m:t>
+                              </m:r>
+                              <m:r>
+                                <a:rPr lang="ja-JP" altLang="en-US" sz="2400">
+                                  <a:solidFill>
+                                    <a:prstClr val="black"/>
+                                  </a:solidFill>
+                                  <a:latin typeface="Cambria Math" panose="02040503050406030204" pitchFamily="18" charset="0"/>
+                                </a:rPr>
+                                <m:t>,</m:t>
+                              </m:r>
+                              <m:r>
+                                <a:rPr lang="ja-JP" altLang="en-US" sz="2400" i="1">
+                                  <a:solidFill>
+                                    <a:prstClr val="black"/>
+                                  </a:solidFill>
+                                  <a:latin typeface="Cambria Math" panose="02040503050406030204" pitchFamily="18" charset="0"/>
+                                </a:rPr>
+                                <m:t>𝑦</m:t>
+                              </m:r>
+                            </m:e>
+                          </m:d>
+                        </m:e>
+                      </m:d>
+                      <m:r>
+                        <a:rPr lang="ja-JP" altLang="en-US" sz="2400">
+                          <a:solidFill>
+                            <a:prstClr val="black"/>
+                          </a:solidFill>
+                          <a:latin typeface="Cambria Math" panose="02040503050406030204" pitchFamily="18" charset="0"/>
+                        </a:rPr>
+                        <m:t>≥</m:t>
+                      </m:r>
+                      <m:d>
+                        <m:dPr>
+                          <m:begChr m:val="|"/>
+                          <m:endChr m:val="|"/>
+                          <m:ctrlPr>
+                            <a:rPr lang="ja-JP" altLang="en-US" sz="2400" i="1">
+                              <a:solidFill>
+                                <a:prstClr val="black"/>
+                              </a:solidFill>
+                              <a:latin typeface="Cambria Math" panose="02040503050406030204" pitchFamily="18" charset="0"/>
+                            </a:rPr>
+                          </m:ctrlPr>
+                        </m:dPr>
+                        <m:e>
+                          <m:d>
+                            <m:dPr>
+                              <m:begChr m:val=""/>
+                              <m:ctrlPr>
+                                <a:rPr lang="ja-JP" altLang="en-US" sz="2400" i="1">
+                                  <a:solidFill>
+                                    <a:prstClr val="black"/>
+                                  </a:solidFill>
+                                  <a:latin typeface="Cambria Math" panose="02040503050406030204" pitchFamily="18" charset="0"/>
+                                </a:rPr>
+                              </m:ctrlPr>
+                            </m:dPr>
+                            <m:e>
+                              <m:sSub>
+                                <m:sSubPr>
+                                  <m:ctrlPr>
+                                    <a:rPr lang="ja-JP" altLang="en-US" sz="2400" i="1">
+                                      <a:solidFill>
+                                        <a:prstClr val="black"/>
+                                      </a:solidFill>
+                                      <a:latin typeface="Cambria Math" panose="02040503050406030204" pitchFamily="18" charset="0"/>
+                                    </a:rPr>
+                                  </m:ctrlPr>
+                                </m:sSubPr>
+                                <m:e>
+                                  <m:r>
+                                    <a:rPr lang="ja-JP" altLang="en-US" sz="2400" i="1">
+                                      <a:solidFill>
+                                        <a:prstClr val="black"/>
+                                      </a:solidFill>
+                                      <a:latin typeface="Cambria Math" panose="02040503050406030204" pitchFamily="18" charset="0"/>
+                                    </a:rPr>
+                                    <m:t>𝐿</m:t>
+                                  </m:r>
+                                </m:e>
+                                <m:sub>
+                                  <m:r>
+                                    <a:rPr lang="ja-JP" altLang="en-US" sz="2400" i="1">
+                                      <a:solidFill>
+                                        <a:prstClr val="black"/>
+                                      </a:solidFill>
+                                      <a:latin typeface="Cambria Math" panose="02040503050406030204" pitchFamily="18" charset="0"/>
+                                    </a:rPr>
+                                    <m:t>𝑝𝑝</m:t>
+                                  </m:r>
+                                </m:sub>
+                              </m:sSub>
+                              <m:r>
+                                <a:rPr lang="ja-JP" altLang="en-US" sz="2400">
+                                  <a:solidFill>
+                                    <a:prstClr val="black"/>
+                                  </a:solidFill>
+                                  <a:latin typeface="Cambria Math" panose="02040503050406030204" pitchFamily="18" charset="0"/>
+                                </a:rPr>
+                                <m:t>(</m:t>
+                              </m:r>
+                              <m:r>
+                                <a:rPr lang="ja-JP" altLang="en-US" sz="2400" i="1">
+                                  <a:solidFill>
+                                    <a:prstClr val="black"/>
+                                  </a:solidFill>
+                                  <a:latin typeface="Cambria Math" panose="02040503050406030204" pitchFamily="18" charset="0"/>
+                                </a:rPr>
+                                <m:t>𝑥</m:t>
+                              </m:r>
+                              <m:r>
+                                <a:rPr lang="ja-JP" altLang="en-US" sz="2400">
+                                  <a:solidFill>
+                                    <a:prstClr val="black"/>
+                                  </a:solidFill>
+                                  <a:latin typeface="Cambria Math" panose="02040503050406030204" pitchFamily="18" charset="0"/>
+                                </a:rPr>
+                                <m:t>,</m:t>
+                              </m:r>
+                              <m:r>
+                                <a:rPr lang="ja-JP" altLang="en-US" sz="2400" i="1">
+                                  <a:solidFill>
+                                    <a:prstClr val="black"/>
+                                  </a:solidFill>
+                                  <a:latin typeface="Cambria Math" panose="02040503050406030204" pitchFamily="18" charset="0"/>
+                                </a:rPr>
+                                <m:t>𝑦</m:t>
+                              </m:r>
+                            </m:e>
+                          </m:d>
+                        </m:e>
+                      </m:d>
+                    </m:oMath>
+                  </m:oMathPara>
+                </a14:m>
+                <a:endParaRPr kumimoji="1" lang="ja-JP" altLang="en-US" sz="2400" dirty="0"/>
+              </a:p>
+            </p:txBody>
+          </p:sp>
+        </mc:Choice>
+        <mc:Fallback>
+          <p:sp>
+            <p:nvSpPr>
+              <p:cNvPr id="6" name="テキスト ボックス 5"/>
+              <p:cNvSpPr txBox="1">
+                <a:spLocks noRot="1" noChangeAspect="1" noMove="1" noResize="1" noEditPoints="1" noAdjustHandles="1" noChangeArrowheads="1" noChangeShapeType="1" noTextEdit="1"/>
+              </p:cNvSpPr>
+              <p:nvPr/>
+            </p:nvSpPr>
+            <p:spPr>
+              <a:xfrm>
+                <a:off x="190539" y="1280830"/>
+                <a:ext cx="3384644" cy="914481"/>
+              </a:xfrm>
+              <a:prstGeom prst="rect">
+                <a:avLst/>
+              </a:prstGeom>
+              <a:blipFill rotWithShape="0">
+                <a:blip r:embed="rId2"/>
+                <a:stretch>
+                  <a:fillRect/>
+                </a:stretch>
+              </a:blipFill>
+            </p:spPr>
+            <p:txBody>
+              <a:bodyPr/>
+              <a:lstStyle/>
+              <a:p>
+                <a:r>
+                  <a:rPr lang="ja-JP" altLang="en-US">
+                    <a:noFill/>
+                  </a:rPr>
+                  <a:t> </a:t>
+                </a:r>
+              </a:p>
+            </p:txBody>
+          </p:sp>
+        </mc:Fallback>
+      </mc:AlternateContent>
       <p:pic>
         <p:nvPicPr>
-          <p:cNvPr id="5" name="Content Placeholder 4"/>
+          <p:cNvPr id="10" name="コンテンツ プレースホルダー 9"/>
           <p:cNvPicPr>
             <a:picLocks noGrp="1" noChangeAspect="1"/>
           </p:cNvPicPr>
@@ -16015,136 +16769,84 @@
           </p:nvPr>
         </p:nvPicPr>
         <p:blipFill>
-          <a:blip r:embed="rId2"/>
+          <a:blip r:embed="rId3">
+            <a:extLst>
+              <a:ext uri="{28A0092B-C50C-407E-A947-70E740481C1C}">
+                <a14:useLocalDpi xmlns:a14="http://schemas.microsoft.com/office/drawing/2010/main" val="0"/>
+              </a:ext>
+            </a:extLst>
+          </a:blip>
           <a:stretch>
             <a:fillRect/>
           </a:stretch>
         </p:blipFill>
         <p:spPr>
           <a:xfrm>
-            <a:off x="1064379" y="1417638"/>
-            <a:ext cx="7015242" cy="4525963"/>
+            <a:off x="3754031" y="432693"/>
+            <a:ext cx="4046673" cy="2610757"/>
           </a:xfrm>
         </p:spPr>
       </p:pic>
-      <p:sp>
-        <p:nvSpPr>
-          <p:cNvPr id="4" name="Slide Number Placeholder 3"/>
-          <p:cNvSpPr>
-            <a:spLocks noGrp="1"/>
-          </p:cNvSpPr>
-          <p:nvPr>
-            <p:ph type="sldNum" sz="quarter" idx="12"/>
-          </p:nvPr>
-        </p:nvSpPr>
-        <p:spPr/>
-        <p:txBody>
-          <a:bodyPr/>
-          <a:lstStyle/>
-          <a:p>
-            <a:fld id="{519954A3-9DFD-4C44-94BA-B95130A3BA1C}" type="slidenum">
-              <a:rPr lang="en-US" smtClean="0"/>
-              <a:t>14</a:t>
-            </a:fld>
-            <a:endParaRPr lang="en-US" dirty="0"/>
-          </a:p>
-        </p:txBody>
-      </p:sp>
-    </p:spTree>
-    <p:extLst>
-      <p:ext uri="{BB962C8B-B14F-4D97-AF65-F5344CB8AC3E}">
-        <p14:creationId xmlns:p14="http://schemas.microsoft.com/office/powerpoint/2010/main" val="2848197805"/>
-      </p:ext>
-    </p:extLst>
-  </p:cSld>
-  <p:clrMapOvr>
-    <a:masterClrMapping/>
-  </p:clrMapOvr>
-</p:sld>
-</file>
-
-<file path=ppt/slides/slide16.xml><?xml version="1.0" encoding="utf-8"?>
-<p:sld xmlns:a="http://schemas.openxmlformats.org/drawingml/2006/main" xmlns:r="http://schemas.openxmlformats.org/officeDocument/2006/relationships" xmlns:p="http://schemas.openxmlformats.org/presentationml/2006/main">
-  <p:cSld>
-    <p:spTree>
-      <p:nvGrpSpPr>
-        <p:cNvPr id="1" name=""/>
-        <p:cNvGrpSpPr/>
-        <p:nvPr/>
-      </p:nvGrpSpPr>
-      <p:grpSpPr>
-        <a:xfrm>
-          <a:off x="0" y="0"/>
-          <a:ext cx="0" cy="0"/>
-          <a:chOff x="0" y="0"/>
-          <a:chExt cx="0" cy="0"/>
-        </a:xfrm>
-      </p:grpSpPr>
-      <p:sp>
-        <p:nvSpPr>
-          <p:cNvPr id="2" name="Title 1"/>
-          <p:cNvSpPr>
-            <a:spLocks noGrp="1"/>
-          </p:cNvSpPr>
-          <p:nvPr>
-            <p:ph type="title"/>
-          </p:nvPr>
-        </p:nvSpPr>
-        <p:spPr/>
-        <p:txBody>
-          <a:bodyPr/>
-          <a:lstStyle/>
-          <a:p>
-            <a:endParaRPr lang="en-US"/>
-          </a:p>
-        </p:txBody>
-      </p:sp>
-      <p:sp>
-        <p:nvSpPr>
-          <p:cNvPr id="4" name="Slide Number Placeholder 3"/>
-          <p:cNvSpPr>
-            <a:spLocks noGrp="1"/>
-          </p:cNvSpPr>
-          <p:nvPr>
-            <p:ph type="sldNum" sz="quarter" idx="12"/>
-          </p:nvPr>
-        </p:nvSpPr>
-        <p:spPr/>
-        <p:txBody>
-          <a:bodyPr/>
-          <a:lstStyle/>
-          <a:p>
-            <a:fld id="{519954A3-9DFD-4C44-94BA-B95130A3BA1C}" type="slidenum">
-              <a:rPr lang="en-US" smtClean="0"/>
-              <a:t>15</a:t>
-            </a:fld>
-            <a:endParaRPr lang="en-US" dirty="0"/>
-          </a:p>
-        </p:txBody>
-      </p:sp>
       <p:pic>
         <p:nvPicPr>
-          <p:cNvPr id="7" name="Content Placeholder 6"/>
+          <p:cNvPr id="11" name="図 10"/>
           <p:cNvPicPr>
-            <a:picLocks noGrp="1" noChangeAspect="1"/>
+            <a:picLocks noChangeAspect="1"/>
           </p:cNvPicPr>
-          <p:nvPr>
-            <p:ph idx="1"/>
-          </p:nvPr>
+          <p:nvPr/>
         </p:nvPicPr>
         <p:blipFill>
-          <a:blip r:embed="rId2"/>
+          <a:blip r:embed="rId4">
+            <a:extLst>
+              <a:ext uri="{28A0092B-C50C-407E-A947-70E740481C1C}">
+                <a14:useLocalDpi xmlns:a14="http://schemas.microsoft.com/office/drawing/2010/main" val="0"/>
+              </a:ext>
+            </a:extLst>
+          </a:blip>
           <a:stretch>
             <a:fillRect/>
           </a:stretch>
         </p:blipFill>
         <p:spPr>
           <a:xfrm>
-            <a:off x="1064379" y="1417638"/>
-            <a:ext cx="7015242" cy="4525963"/>
+            <a:off x="3754030" y="3603682"/>
+            <a:ext cx="4046674" cy="2610758"/>
           </a:xfrm>
+          <a:prstGeom prst="rect">
+            <a:avLst/>
+          </a:prstGeom>
         </p:spPr>
       </p:pic>
+      <p:sp>
+        <p:nvSpPr>
+          <p:cNvPr id="12" name="テキスト ボックス 11"/>
+          <p:cNvSpPr txBox="1"/>
+          <p:nvPr/>
+        </p:nvSpPr>
+        <p:spPr>
+          <a:xfrm>
+            <a:off x="1328863" y="4678228"/>
+            <a:ext cx="1107996" cy="461665"/>
+          </a:xfrm>
+          <a:prstGeom prst="rect">
+            <a:avLst/>
+          </a:prstGeom>
+          <a:noFill/>
+        </p:spPr>
+        <p:txBody>
+          <a:bodyPr wrap="none" rtlCol="0">
+            <a:spAutoFit/>
+          </a:bodyPr>
+          <a:lstStyle/>
+          <a:p>
+            <a:r>
+              <a:rPr kumimoji="1" lang="ja-JP" altLang="en-US" sz="2400" dirty="0" smtClean="0"/>
+              <a:t>骨格化</a:t>
+            </a:r>
+            <a:endParaRPr kumimoji="1" lang="ja-JP" altLang="en-US" sz="2400" dirty="0"/>
+          </a:p>
+        </p:txBody>
+      </p:sp>
     </p:spTree>
     <p:extLst>
       <p:ext uri="{BB962C8B-B14F-4D97-AF65-F5344CB8AC3E}">
@@ -16155,6 +16857,13 @@
   <p:clrMapOvr>
     <a:masterClrMapping/>
   </p:clrMapOvr>
+  <p:timing>
+    <p:tnLst>
+      <p:par>
+        <p:cTn id="1" dur="indefinite" restart="never" nodeType="tmRoot"/>
+      </p:par>
+    </p:tnLst>
+  </p:timing>
 </p:sld>
 </file>
 
@@ -16235,9 +16944,15 @@
               <a:rPr lang="ja-JP" altLang="en-US" sz="3200" dirty="0">
                 <a:latin typeface="+mn-ea"/>
               </a:rPr>
-              <a:t>背景と目的　</a:t>
-            </a:r>
-            <a:endParaRPr lang="en-US" altLang="ja-JP" sz="3200" dirty="0">
+              <a:t>背景と</a:t>
+            </a:r>
+            <a:r>
+              <a:rPr lang="ja-JP" altLang="en-US" sz="3200" dirty="0" smtClean="0">
+                <a:latin typeface="+mn-ea"/>
+              </a:rPr>
+              <a:t>目的</a:t>
+            </a:r>
+            <a:endParaRPr lang="en-US" altLang="ja-JP" sz="3200" dirty="0" smtClean="0">
               <a:latin typeface="+mn-ea"/>
             </a:endParaRPr>
           </a:p>
@@ -16247,19 +16962,40 @@
               <a:buChar char="•"/>
             </a:pPr>
             <a:r>
+              <a:rPr lang="ja-JP" altLang="en-US" dirty="0" smtClean="0">
+                <a:latin typeface="+mn-ea"/>
+              </a:rPr>
+              <a:t>血管抽出アルゴリズム</a:t>
+            </a:r>
+            <a:r>
+              <a:rPr lang="ja-JP" altLang="en-US" sz="3200" dirty="0">
+                <a:latin typeface="+mn-ea"/>
+              </a:rPr>
+              <a:t>　</a:t>
+            </a:r>
+            <a:endParaRPr lang="en-US" altLang="ja-JP" sz="3200" dirty="0">
+              <a:latin typeface="+mn-ea"/>
+            </a:endParaRPr>
+          </a:p>
+          <a:p>
+            <a:pPr lvl="1">
+              <a:buFont typeface="Wingdings" panose="05000000000000000000" pitchFamily="2" charset="2"/>
+              <a:buChar char="Ø"/>
+            </a:pPr>
+            <a:r>
               <a:rPr lang="ja-JP" altLang="en-US" dirty="0">
                 <a:latin typeface="+mn-ea"/>
               </a:rPr>
               <a:t>谷の検出</a:t>
             </a:r>
-            <a:endParaRPr lang="en-US" altLang="ja-JP" sz="3200" dirty="0">
+            <a:endParaRPr lang="en-US" altLang="ja-JP" sz="2800" dirty="0">
               <a:latin typeface="+mn-ea"/>
             </a:endParaRPr>
           </a:p>
           <a:p>
-            <a:pPr>
-              <a:buFont typeface="Arial" panose="020B0604020202020204" pitchFamily="34" charset="0"/>
-              <a:buChar char="•"/>
+            <a:pPr lvl="1">
+              <a:buFont typeface="Wingdings" panose="05000000000000000000" pitchFamily="2" charset="2"/>
+              <a:buChar char="Ø"/>
             </a:pPr>
             <a:r>
               <a:rPr lang="ja-JP" altLang="en-US" dirty="0">
@@ -16272,20 +17008,24 @@
             </a:endParaRPr>
           </a:p>
           <a:p>
+            <a:pPr lvl="1">
+              <a:buFont typeface="Wingdings" panose="05000000000000000000" pitchFamily="2" charset="2"/>
+              <a:buChar char="Ø"/>
+            </a:pPr>
             <a:r>
               <a:rPr lang="ja-JP" altLang="en-US" dirty="0">
                 <a:cs typeface="Times New Roman" panose="02020603050405020304" pitchFamily="18" charset="0"/>
               </a:rPr>
               <a:t>谷強度</a:t>
             </a:r>
-            <a:endParaRPr lang="en-US" altLang="ja-JP" sz="3200" dirty="0">
+            <a:endParaRPr lang="en-US" altLang="ja-JP" sz="2800" dirty="0">
               <a:latin typeface="+mn-ea"/>
             </a:endParaRPr>
           </a:p>
           <a:p>
-            <a:pPr>
-              <a:buFont typeface="Arial" panose="020B0604020202020204" pitchFamily="34" charset="0"/>
-              <a:buChar char="•"/>
+            <a:pPr lvl="1">
+              <a:buFont typeface="Wingdings" panose="05000000000000000000" pitchFamily="2" charset="2"/>
+              <a:buChar char="Ø"/>
             </a:pPr>
             <a:r>
               <a:rPr lang="ja-JP" altLang="en-US" dirty="0">
@@ -16370,6 +17110,13 @@
   <p:clrMapOvr>
     <a:masterClrMapping/>
   </p:clrMapOvr>
+  <p:timing>
+    <p:tnLst>
+      <p:par>
+        <p:cTn id="1" dur="indefinite" restart="never" nodeType="tmRoot"/>
+      </p:par>
+    </p:tnLst>
+  </p:timing>
 </p:sld>
 </file>
 
@@ -16460,7 +17207,7 @@
               <a:buSzPct val="45000"/>
             </a:pPr>
             <a:r>
-              <a:rPr lang="ja-JP" altLang="en-US" sz="3200" u="sng" dirty="0">
+              <a:rPr lang="ja-JP" altLang="en-US" sz="3200" u="sng" dirty="0" smtClean="0">
                 <a:uFill>
                   <a:solidFill>
                     <a:srgbClr val="00B050"/>
@@ -16468,7 +17215,7 @@
                 </a:uFill>
                 <a:latin typeface="+mj-ea"/>
               </a:rPr>
-              <a:t>背景</a:t>
+              <a:t>背景と目的</a:t>
             </a:r>
             <a:endParaRPr lang="en-US" altLang="ja-JP" sz="3200" dirty="0">
               <a:solidFill>
@@ -17002,6 +17749,13 @@
   <p:clrMapOvr>
     <a:masterClrMapping/>
   </p:clrMapOvr>
+  <p:timing>
+    <p:tnLst>
+      <p:par>
+        <p:cTn id="1" dur="indefinite" restart="never" nodeType="tmRoot"/>
+      </p:par>
+    </p:tnLst>
+  </p:timing>
 </p:sld>
 </file>
 
@@ -17035,7 +17789,7 @@
         <p:spPr>
           <a:xfrm>
             <a:off x="107504" y="152556"/>
-            <a:ext cx="1800200" cy="432060"/>
+            <a:ext cx="2280854" cy="432060"/>
           </a:xfrm>
         </p:spPr>
         <p:txBody>
@@ -17046,7 +17800,7 @@
           <a:p>
             <a:pPr algn="l"/>
             <a:r>
-              <a:rPr lang="ja-JP" altLang="en-US" sz="3200" u="sng" dirty="0">
+              <a:rPr lang="ja-JP" altLang="en-US" sz="3200" u="sng" dirty="0" smtClean="0">
                 <a:uFill>
                   <a:solidFill>
                     <a:srgbClr val="00B050"/>
@@ -17054,7 +17808,7 @@
                 </a:uFill>
                 <a:latin typeface="+mj-ea"/>
               </a:rPr>
-              <a:t>背景</a:t>
+              <a:t>背景と目的</a:t>
             </a:r>
             <a:endParaRPr kumimoji="1" lang="ja-JP" altLang="en-US" sz="3200" u="sng" dirty="0">
               <a:uFill>
@@ -17077,8 +17831,8 @@
         </p:nvSpPr>
         <p:spPr>
           <a:xfrm>
-            <a:off x="171784" y="713030"/>
-            <a:ext cx="8222705" cy="2186966"/>
+            <a:off x="107504" y="999632"/>
+            <a:ext cx="8222705" cy="5605883"/>
           </a:xfrm>
           <a:prstGeom prst="rect">
             <a:avLst/>
@@ -17255,24 +18009,28 @@
           <a:p>
             <a:pPr>
               <a:buFont typeface="Wingdings" panose="05000000000000000000" pitchFamily="2" charset="2"/>
-              <a:buChar char="§"/>
+              <a:buChar char="n"/>
             </a:pPr>
             <a:r>
               <a:rPr lang="ja-JP" altLang="en-US" sz="2600" dirty="0"/>
-              <a:t>経皮的に生体情報を取得</a:t>
+              <a:t>経皮的に生体情報を</a:t>
+            </a:r>
+            <a:r>
+              <a:rPr lang="ja-JP" altLang="en-US" sz="2600" dirty="0" smtClean="0"/>
+              <a:t>取得</a:t>
             </a:r>
             <a:endParaRPr lang="en-US" altLang="ja-JP" sz="2600" dirty="0"/>
           </a:p>
           <a:p>
             <a:pPr>
               <a:buFont typeface="Wingdings" panose="05000000000000000000" pitchFamily="2" charset="2"/>
-              <a:buChar char="§"/>
+              <a:buChar char="n"/>
             </a:pPr>
             <a:r>
-              <a:rPr lang="ja-JP" altLang="en-US" sz="2600" dirty="0"/>
+              <a:rPr lang="ja-JP" altLang="en-US" sz="2600" dirty="0" smtClean="0"/>
               <a:t>血流計測での対象の固定</a:t>
             </a:r>
-            <a:endParaRPr lang="en-US" altLang="ja-JP" sz="2600" dirty="0"/>
+            <a:endParaRPr lang="en-US" altLang="ja-JP" sz="2600" dirty="0" smtClean="0"/>
           </a:p>
           <a:p>
             <a:pPr lvl="1">
@@ -17281,10 +18039,10 @@
               </a:lnSpc>
             </a:pPr>
             <a:r>
-              <a:rPr lang="ja-JP" altLang="en-US" dirty="0"/>
-              <a:t>固定する　　→血流が阻害される</a:t>
-            </a:r>
-            <a:endParaRPr lang="en-US" altLang="ja-JP" dirty="0"/>
+              <a:rPr lang="ja-JP" altLang="en-US" dirty="0" smtClean="0"/>
+              <a:t>固定する　　→　血流が阻害される</a:t>
+            </a:r>
+            <a:endParaRPr lang="en-US" altLang="ja-JP" dirty="0" smtClean="0"/>
           </a:p>
           <a:p>
             <a:pPr lvl="1">
@@ -17293,57 +18051,78 @@
               </a:lnSpc>
             </a:pPr>
             <a:r>
+              <a:rPr lang="ja-JP" altLang="en-US" dirty="0" smtClean="0"/>
+              <a:t>固定しない　→　測定領域がずれる</a:t>
+            </a:r>
+            <a:endParaRPr lang="en-US" altLang="ja-JP" dirty="0" smtClean="0"/>
+          </a:p>
+          <a:p>
+            <a:pPr>
+              <a:lnSpc>
+                <a:spcPct val="150000"/>
+              </a:lnSpc>
+              <a:buFont typeface="Wingdings" panose="05000000000000000000" pitchFamily="2" charset="2"/>
+              <a:buChar char="n"/>
+            </a:pPr>
+            <a:r>
+              <a:rPr lang="ja-JP" altLang="en-US" dirty="0" smtClean="0"/>
+              <a:t>ロボットアーム</a:t>
+            </a:r>
+            <a:endParaRPr lang="en-US" altLang="ja-JP" dirty="0"/>
+          </a:p>
+          <a:p>
+            <a:pPr lvl="1">
+              <a:lnSpc>
+                <a:spcPct val="150000"/>
+              </a:lnSpc>
+            </a:pPr>
+            <a:r>
+              <a:rPr lang="ja-JP" altLang="en-US" dirty="0" smtClean="0"/>
+              <a:t>カラーカメラで自動的</a:t>
+            </a:r>
+            <a:r>
               <a:rPr lang="ja-JP" altLang="en-US" dirty="0"/>
-              <a:t>固定しない　→測定領域がずれる</a:t>
+              <a:t>に対象を追跡</a:t>
             </a:r>
             <a:endParaRPr lang="en-US" altLang="ja-JP" dirty="0"/>
           </a:p>
-        </p:txBody>
-      </p:sp>
-      <p:sp>
-        <p:nvSpPr>
-          <p:cNvPr id="8" name="正方形/長方形 7"/>
-          <p:cNvSpPr/>
-          <p:nvPr/>
-        </p:nvSpPr>
-        <p:spPr>
-          <a:xfrm>
-            <a:off x="2174652" y="4488913"/>
-            <a:ext cx="4892589" cy="495845"/>
-          </a:xfrm>
-          <a:prstGeom prst="rect">
-            <a:avLst/>
-          </a:prstGeom>
-          <a:ln>
-            <a:solidFill>
-              <a:srgbClr val="FF0000"/>
-            </a:solidFill>
-          </a:ln>
-        </p:spPr>
-        <p:style>
-          <a:lnRef idx="2">
-            <a:schemeClr val="accent2"/>
-          </a:lnRef>
-          <a:fillRef idx="1">
-            <a:schemeClr val="lt1"/>
-          </a:fillRef>
-          <a:effectRef idx="0">
-            <a:schemeClr val="accent2"/>
-          </a:effectRef>
-          <a:fontRef idx="minor">
-            <a:schemeClr val="dk1"/>
-          </a:fontRef>
-        </p:style>
-        <p:txBody>
-          <a:bodyPr rtlCol="0" anchor="ctr"/>
-          <a:lstStyle/>
-          <a:p>
-            <a:pPr algn="ctr"/>
-            <a:r>
-              <a:rPr lang="ja-JP" altLang="en-US" sz="2800" dirty="0"/>
-              <a:t>カラー画像から血管を抽出する</a:t>
-            </a:r>
-            <a:endParaRPr lang="en-US" altLang="ja-JP" sz="2800" dirty="0"/>
+          <a:p>
+            <a:pPr lvl="1">
+              <a:lnSpc>
+                <a:spcPct val="150000"/>
+              </a:lnSpc>
+            </a:pPr>
+            <a:r>
+              <a:rPr lang="ja-JP" altLang="en-US" dirty="0" smtClean="0"/>
+              <a:t>カラー画像からの血管抽出機能が必要</a:t>
+            </a:r>
+            <a:endParaRPr lang="en-US" altLang="ja-JP" dirty="0" smtClean="0"/>
+          </a:p>
+          <a:p>
+            <a:pPr>
+              <a:lnSpc>
+                <a:spcPct val="150000"/>
+              </a:lnSpc>
+              <a:buFont typeface="Wingdings" panose="05000000000000000000" pitchFamily="2" charset="2"/>
+              <a:buChar char="n"/>
+            </a:pPr>
+            <a:r>
+              <a:rPr lang="ja-JP" altLang="en-US" dirty="0" smtClean="0"/>
+              <a:t>目的</a:t>
+            </a:r>
+            <a:endParaRPr lang="en-US" altLang="ja-JP" dirty="0" smtClean="0"/>
+          </a:p>
+          <a:p>
+            <a:pPr lvl="1">
+              <a:lnSpc>
+                <a:spcPct val="150000"/>
+              </a:lnSpc>
+            </a:pPr>
+            <a:r>
+              <a:rPr lang="ja-JP" altLang="en-US" dirty="0" smtClean="0"/>
+              <a:t>機械学習を利用し，カラー画像から血管を抽出</a:t>
+            </a:r>
+            <a:endParaRPr lang="en-US" altLang="ja-JP" dirty="0" smtClean="0"/>
           </a:p>
         </p:txBody>
       </p:sp>
@@ -17383,8 +18162,8 @@
         </p:nvSpPr>
         <p:spPr>
           <a:xfrm>
-            <a:off x="5464300" y="1878821"/>
-            <a:ext cx="331693" cy="811640"/>
+            <a:off x="5627856" y="2090253"/>
+            <a:ext cx="336216" cy="636652"/>
           </a:xfrm>
           <a:prstGeom prst="rightBrace">
             <a:avLst/>
@@ -17421,8 +18200,8 @@
         </p:nvSpPr>
         <p:spPr>
           <a:xfrm>
-            <a:off x="5801297" y="2099975"/>
-            <a:ext cx="1293944" cy="369332"/>
+            <a:off x="5964072" y="2177746"/>
+            <a:ext cx="1899879" cy="461665"/>
           </a:xfrm>
           <a:prstGeom prst="rect">
             <a:avLst/>
@@ -17436,163 +18215,14 @@
           <a:lstStyle/>
           <a:p>
             <a:r>
-              <a:rPr lang="ja-JP" altLang="en-US" dirty="0"/>
-              <a:t>両方も問題</a:t>
-            </a:r>
-            <a:endParaRPr lang="en-US" dirty="0"/>
-          </a:p>
-        </p:txBody>
-      </p:sp>
-      <p:sp>
-        <p:nvSpPr>
-          <p:cNvPr id="9" name="TextBox 8"/>
-          <p:cNvSpPr txBox="1"/>
-          <p:nvPr/>
-        </p:nvSpPr>
-        <p:spPr>
-          <a:xfrm>
-            <a:off x="1907704" y="3235404"/>
-            <a:ext cx="5426486" cy="523220"/>
-          </a:xfrm>
-          <a:prstGeom prst="rect">
-            <a:avLst/>
-          </a:prstGeom>
-          <a:noFill/>
-          <a:ln w="28575">
-            <a:solidFill>
-              <a:srgbClr val="FF0000"/>
-            </a:solidFill>
-          </a:ln>
-        </p:spPr>
-        <p:txBody>
-          <a:bodyPr wrap="none" rtlCol="0">
-            <a:spAutoFit/>
-          </a:bodyPr>
-          <a:lstStyle/>
-          <a:p>
-            <a:r>
-              <a:rPr lang="ja-JP" altLang="en-US" sz="2800" dirty="0">
-                <a:latin typeface="Times New Roman" panose="02020603050405020304" pitchFamily="18" charset="0"/>
-                <a:cs typeface="Times New Roman" panose="02020603050405020304" pitchFamily="18" charset="0"/>
-              </a:rPr>
-              <a:t>ロボットアームを用いて問題を解決</a:t>
-            </a:r>
-            <a:endParaRPr lang="en-US" altLang="ja-JP" sz="2800" dirty="0"/>
-          </a:p>
-        </p:txBody>
-      </p:sp>
-      <p:sp>
-        <p:nvSpPr>
-          <p:cNvPr id="10" name="TextBox 9"/>
-          <p:cNvSpPr txBox="1"/>
-          <p:nvPr/>
-        </p:nvSpPr>
-        <p:spPr>
-          <a:xfrm>
-            <a:off x="3254913" y="5707355"/>
-            <a:ext cx="2541080" cy="523220"/>
-          </a:xfrm>
-          <a:prstGeom prst="rect">
-            <a:avLst/>
-          </a:prstGeom>
-          <a:noFill/>
-          <a:ln w="28575">
-            <a:solidFill>
-              <a:srgbClr val="FF0000"/>
-            </a:solidFill>
-          </a:ln>
-        </p:spPr>
-        <p:txBody>
-          <a:bodyPr wrap="none" rtlCol="0">
-            <a:spAutoFit/>
-          </a:bodyPr>
-          <a:lstStyle/>
-          <a:p>
-            <a:r>
-              <a:rPr lang="ja-JP" altLang="en-US" sz="2800" dirty="0"/>
-              <a:t>機械学習を使う</a:t>
-            </a:r>
-            <a:endParaRPr lang="en-US" sz="2800" dirty="0"/>
-          </a:p>
-        </p:txBody>
-      </p:sp>
-      <p:sp>
-        <p:nvSpPr>
-          <p:cNvPr id="11" name="Down Arrow 10"/>
-          <p:cNvSpPr/>
-          <p:nvPr/>
-        </p:nvSpPr>
-        <p:spPr>
-          <a:xfrm>
-            <a:off x="4283137" y="3884254"/>
-            <a:ext cx="484632" cy="504971"/>
-          </a:xfrm>
-          <a:prstGeom prst="downArrow">
-            <a:avLst/>
-          </a:prstGeom>
-        </p:spPr>
-        <p:style>
-          <a:lnRef idx="2">
-            <a:schemeClr val="accent1">
-              <a:shade val="50000"/>
-            </a:schemeClr>
-          </a:lnRef>
-          <a:fillRef idx="1">
-            <a:schemeClr val="accent1"/>
-          </a:fillRef>
-          <a:effectRef idx="0">
-            <a:schemeClr val="accent1"/>
-          </a:effectRef>
-          <a:fontRef idx="minor">
-            <a:schemeClr val="lt1"/>
-          </a:fontRef>
-        </p:style>
-        <p:txBody>
-          <a:bodyPr rtlCol="0" anchor="ctr"/>
-          <a:lstStyle/>
-          <a:p>
-            <a:pPr algn="ctr"/>
-            <a:endParaRPr lang="en-US"/>
-          </a:p>
-        </p:txBody>
-      </p:sp>
-      <p:sp>
-        <p:nvSpPr>
-          <p:cNvPr id="12" name="Down Arrow 11"/>
-          <p:cNvSpPr/>
-          <p:nvPr/>
-        </p:nvSpPr>
-        <p:spPr>
-          <a:xfrm>
-            <a:off x="4274710" y="5093571"/>
-            <a:ext cx="484632" cy="504971"/>
-          </a:xfrm>
-          <a:prstGeom prst="downArrow">
-            <a:avLst/>
-          </a:prstGeom>
-        </p:spPr>
-        <p:style>
-          <a:lnRef idx="2">
-            <a:schemeClr val="accent1">
-              <a:shade val="50000"/>
-            </a:schemeClr>
-          </a:lnRef>
-          <a:fillRef idx="1">
-            <a:schemeClr val="accent1"/>
-          </a:fillRef>
-          <a:effectRef idx="0">
-            <a:schemeClr val="accent1"/>
-          </a:effectRef>
-          <a:fontRef idx="minor">
-            <a:schemeClr val="lt1"/>
-          </a:fontRef>
-        </p:style>
-        <p:txBody>
-          <a:bodyPr rtlCol="0" anchor="ctr"/>
-          <a:lstStyle/>
-          <a:p>
-            <a:pPr algn="ctr"/>
-            <a:endParaRPr lang="en-US"/>
+              <a:rPr lang="ja-JP" altLang="en-US" sz="2400" dirty="0" smtClean="0"/>
+              <a:t>両方とも</a:t>
+            </a:r>
+            <a:r>
+              <a:rPr lang="ja-JP" altLang="en-US" sz="2400" dirty="0"/>
+              <a:t>問題</a:t>
+            </a:r>
+            <a:endParaRPr lang="en-US" sz="2400" dirty="0"/>
           </a:p>
         </p:txBody>
       </p:sp>
@@ -17609,268 +18239,9 @@
   <p:timing>
     <p:tnLst>
       <p:par>
-        <p:cTn id="1" dur="indefinite" restart="never" nodeType="tmRoot">
-          <p:childTnLst>
-            <p:seq concurrent="1" nextAc="seek">
-              <p:cTn id="2" dur="indefinite" nodeType="mainSeq">
-                <p:childTnLst>
-                  <p:par>
-                    <p:cTn id="3" fill="hold">
-                      <p:stCondLst>
-                        <p:cond delay="indefinite"/>
-                      </p:stCondLst>
-                      <p:childTnLst>
-                        <p:par>
-                          <p:cTn id="4" fill="hold">
-                            <p:stCondLst>
-                              <p:cond delay="0"/>
-                            </p:stCondLst>
-                            <p:childTnLst>
-                              <p:par>
-                                <p:cTn id="5" presetID="10" presetClass="entr" presetSubtype="0" fill="hold" grpId="0" nodeType="clickEffect">
-                                  <p:stCondLst>
-                                    <p:cond delay="0"/>
-                                  </p:stCondLst>
-                                  <p:childTnLst>
-                                    <p:set>
-                                      <p:cBhvr>
-                                        <p:cTn id="6" dur="1" fill="hold">
-                                          <p:stCondLst>
-                                            <p:cond delay="0"/>
-                                          </p:stCondLst>
-                                        </p:cTn>
-                                        <p:tgtEl>
-                                          <p:spTgt spid="9"/>
-                                        </p:tgtEl>
-                                        <p:attrNameLst>
-                                          <p:attrName>style.visibility</p:attrName>
-                                        </p:attrNameLst>
-                                      </p:cBhvr>
-                                      <p:to>
-                                        <p:strVal val="visible"/>
-                                      </p:to>
-                                    </p:set>
-                                    <p:animEffect transition="in" filter="fade">
-                                      <p:cBhvr>
-                                        <p:cTn id="7" dur="500"/>
-                                        <p:tgtEl>
-                                          <p:spTgt spid="9"/>
-                                        </p:tgtEl>
-                                      </p:cBhvr>
-                                    </p:animEffect>
-                                  </p:childTnLst>
-                                </p:cTn>
-                              </p:par>
-                            </p:childTnLst>
-                          </p:cTn>
-                        </p:par>
-                      </p:childTnLst>
-                    </p:cTn>
-                  </p:par>
-                  <p:par>
-                    <p:cTn id="8" fill="hold">
-                      <p:stCondLst>
-                        <p:cond delay="indefinite"/>
-                      </p:stCondLst>
-                      <p:childTnLst>
-                        <p:par>
-                          <p:cTn id="9" fill="hold">
-                            <p:stCondLst>
-                              <p:cond delay="0"/>
-                            </p:stCondLst>
-                            <p:childTnLst>
-                              <p:par>
-                                <p:cTn id="10" presetID="10" presetClass="entr" presetSubtype="0" fill="hold" grpId="0" nodeType="clickEffect">
-                                  <p:stCondLst>
-                                    <p:cond delay="0"/>
-                                  </p:stCondLst>
-                                  <p:childTnLst>
-                                    <p:set>
-                                      <p:cBhvr>
-                                        <p:cTn id="11" dur="1" fill="hold">
-                                          <p:stCondLst>
-                                            <p:cond delay="0"/>
-                                          </p:stCondLst>
-                                        </p:cTn>
-                                        <p:tgtEl>
-                                          <p:spTgt spid="11"/>
-                                        </p:tgtEl>
-                                        <p:attrNameLst>
-                                          <p:attrName>style.visibility</p:attrName>
-                                        </p:attrNameLst>
-                                      </p:cBhvr>
-                                      <p:to>
-                                        <p:strVal val="visible"/>
-                                      </p:to>
-                                    </p:set>
-                                    <p:animEffect transition="in" filter="fade">
-                                      <p:cBhvr>
-                                        <p:cTn id="12" dur="500"/>
-                                        <p:tgtEl>
-                                          <p:spTgt spid="11"/>
-                                        </p:tgtEl>
-                                      </p:cBhvr>
-                                    </p:animEffect>
-                                  </p:childTnLst>
-                                </p:cTn>
-                              </p:par>
-                              <p:par>
-                                <p:cTn id="13" presetID="10" presetClass="entr" presetSubtype="0" fill="hold" grpId="0" nodeType="withEffect">
-                                  <p:stCondLst>
-                                    <p:cond delay="0"/>
-                                  </p:stCondLst>
-                                  <p:childTnLst>
-                                    <p:set>
-                                      <p:cBhvr>
-                                        <p:cTn id="14" dur="1" fill="hold">
-                                          <p:stCondLst>
-                                            <p:cond delay="0"/>
-                                          </p:stCondLst>
-                                        </p:cTn>
-                                        <p:tgtEl>
-                                          <p:spTgt spid="8"/>
-                                        </p:tgtEl>
-                                        <p:attrNameLst>
-                                          <p:attrName>style.visibility</p:attrName>
-                                        </p:attrNameLst>
-                                      </p:cBhvr>
-                                      <p:to>
-                                        <p:strVal val="visible"/>
-                                      </p:to>
-                                    </p:set>
-                                    <p:animEffect transition="in" filter="fade">
-                                      <p:cBhvr>
-                                        <p:cTn id="15" dur="500"/>
-                                        <p:tgtEl>
-                                          <p:spTgt spid="8"/>
-                                        </p:tgtEl>
-                                      </p:cBhvr>
-                                    </p:animEffect>
-                                  </p:childTnLst>
-                                </p:cTn>
-                              </p:par>
-                            </p:childTnLst>
-                          </p:cTn>
-                        </p:par>
-                      </p:childTnLst>
-                    </p:cTn>
-                  </p:par>
-                  <p:par>
-                    <p:cTn id="16" fill="hold">
-                      <p:stCondLst>
-                        <p:cond delay="indefinite"/>
-                      </p:stCondLst>
-                      <p:childTnLst>
-                        <p:par>
-                          <p:cTn id="17" fill="hold">
-                            <p:stCondLst>
-                              <p:cond delay="0"/>
-                            </p:stCondLst>
-                            <p:childTnLst>
-                              <p:par>
-                                <p:cTn id="18" presetID="10" presetClass="entr" presetSubtype="0" fill="hold" grpId="0" nodeType="clickEffect">
-                                  <p:stCondLst>
-                                    <p:cond delay="0"/>
-                                  </p:stCondLst>
-                                  <p:childTnLst>
-                                    <p:set>
-                                      <p:cBhvr>
-                                        <p:cTn id="19" dur="1" fill="hold">
-                                          <p:stCondLst>
-                                            <p:cond delay="0"/>
-                                          </p:stCondLst>
-                                        </p:cTn>
-                                        <p:tgtEl>
-                                          <p:spTgt spid="12"/>
-                                        </p:tgtEl>
-                                        <p:attrNameLst>
-                                          <p:attrName>style.visibility</p:attrName>
-                                        </p:attrNameLst>
-                                      </p:cBhvr>
-                                      <p:to>
-                                        <p:strVal val="visible"/>
-                                      </p:to>
-                                    </p:set>
-                                    <p:animEffect transition="in" filter="fade">
-                                      <p:cBhvr>
-                                        <p:cTn id="20" dur="500"/>
-                                        <p:tgtEl>
-                                          <p:spTgt spid="12"/>
-                                        </p:tgtEl>
-                                      </p:cBhvr>
-                                    </p:animEffect>
-                                  </p:childTnLst>
-                                </p:cTn>
-                              </p:par>
-                              <p:par>
-                                <p:cTn id="21" presetID="10" presetClass="entr" presetSubtype="0" fill="hold" grpId="0" nodeType="withEffect">
-                                  <p:stCondLst>
-                                    <p:cond delay="0"/>
-                                  </p:stCondLst>
-                                  <p:childTnLst>
-                                    <p:set>
-                                      <p:cBhvr>
-                                        <p:cTn id="22" dur="1" fill="hold">
-                                          <p:stCondLst>
-                                            <p:cond delay="0"/>
-                                          </p:stCondLst>
-                                        </p:cTn>
-                                        <p:tgtEl>
-                                          <p:spTgt spid="10"/>
-                                        </p:tgtEl>
-                                        <p:attrNameLst>
-                                          <p:attrName>style.visibility</p:attrName>
-                                        </p:attrNameLst>
-                                      </p:cBhvr>
-                                      <p:to>
-                                        <p:strVal val="visible"/>
-                                      </p:to>
-                                    </p:set>
-                                    <p:animEffect transition="in" filter="fade">
-                                      <p:cBhvr>
-                                        <p:cTn id="23" dur="500"/>
-                                        <p:tgtEl>
-                                          <p:spTgt spid="10"/>
-                                        </p:tgtEl>
-                                      </p:cBhvr>
-                                    </p:animEffect>
-                                  </p:childTnLst>
-                                </p:cTn>
-                              </p:par>
-                            </p:childTnLst>
-                          </p:cTn>
-                        </p:par>
-                      </p:childTnLst>
-                    </p:cTn>
-                  </p:par>
-                </p:childTnLst>
-              </p:cTn>
-              <p:prevCondLst>
-                <p:cond evt="onPrev" delay="0">
-                  <p:tgtEl>
-                    <p:sldTgt/>
-                  </p:tgtEl>
-                </p:cond>
-              </p:prevCondLst>
-              <p:nextCondLst>
-                <p:cond evt="onNext" delay="0">
-                  <p:tgtEl>
-                    <p:sldTgt/>
-                  </p:tgtEl>
-                </p:cond>
-              </p:nextCondLst>
-            </p:seq>
-          </p:childTnLst>
-        </p:cTn>
+        <p:cTn id="1" dur="indefinite" restart="never" nodeType="tmRoot"/>
       </p:par>
     </p:tnLst>
-    <p:bldLst>
-      <p:bldP spid="8" grpId="0" animBg="1"/>
-      <p:bldP spid="9" grpId="0" animBg="1"/>
-      <p:bldP spid="10" grpId="0" animBg="1"/>
-      <p:bldP spid="11" grpId="0" animBg="1"/>
-      <p:bldP spid="12" grpId="0" animBg="1"/>
-    </p:bldLst>
   </p:timing>
 </p:sld>
 </file>
@@ -17932,7 +18303,7 @@
           <a:p>
             <a:pPr algn="l"/>
             <a:r>
-              <a:rPr lang="ja-JP" altLang="en-US" sz="3200" u="sng" dirty="0">
+              <a:rPr lang="ja-JP" altLang="en-US" sz="3200" u="sng" dirty="0" smtClean="0">
                 <a:uFill>
                   <a:solidFill>
                     <a:srgbClr val="00B050"/>
@@ -17940,8 +18311,16 @@
                 </a:uFill>
                 <a:latin typeface="+mj-ea"/>
               </a:rPr>
-              <a:t>背景</a:t>
-            </a:r>
+              <a:t>背景と目的</a:t>
+            </a:r>
+            <a:endParaRPr lang="ja-JP" altLang="en-US" sz="3200" u="sng" dirty="0">
+              <a:uFill>
+                <a:solidFill>
+                  <a:srgbClr val="00B050"/>
+                </a:solidFill>
+              </a:uFill>
+              <a:latin typeface="+mj-ea"/>
+            </a:endParaRPr>
           </a:p>
         </p:txBody>
       </p:sp>
@@ -17981,7 +18360,7 @@
         </p:nvSpPr>
         <p:spPr>
           <a:xfrm>
-            <a:off x="797684" y="4753042"/>
+            <a:off x="688244" y="5626499"/>
             <a:ext cx="2920621" cy="880979"/>
           </a:xfrm>
           <a:prstGeom prst="rect">
@@ -18019,7 +18398,17 @@
                   </a:solidFill>
                 </a:uFill>
               </a:rPr>
-              <a:t>他の方法による血管抽出</a:t>
+              <a:t>他の方法による血管</a:t>
+            </a:r>
+            <a:r>
+              <a:rPr lang="ja-JP" altLang="en-US" sz="2800" dirty="0" smtClean="0">
+                <a:uFill>
+                  <a:solidFill>
+                    <a:srgbClr val="FF0000"/>
+                  </a:solidFill>
+                </a:uFill>
+              </a:rPr>
+              <a:t>抽出が必要</a:t>
             </a:r>
             <a:endParaRPr lang="en-US" altLang="ja-JP" sz="2800" dirty="0">
               <a:uFill>
@@ -18053,7 +18442,7 @@
         </p:blipFill>
         <p:spPr>
           <a:xfrm>
-            <a:off x="216944" y="1702558"/>
+            <a:off x="107504" y="2576015"/>
             <a:ext cx="4082100" cy="2633612"/>
           </a:xfrm>
           <a:prstGeom prst="rect">
@@ -18083,7 +18472,7 @@
         </p:blipFill>
         <p:spPr>
           <a:xfrm>
-            <a:off x="4841400" y="1702558"/>
+            <a:off x="4731960" y="2576015"/>
             <a:ext cx="4082098" cy="2633612"/>
           </a:xfrm>
           <a:prstGeom prst="rect">
@@ -18099,7 +18488,7 @@
         </p:nvSpPr>
         <p:spPr>
           <a:xfrm>
-            <a:off x="4955700" y="4570956"/>
+            <a:off x="4846260" y="5444413"/>
             <a:ext cx="4109400" cy="1245150"/>
           </a:xfrm>
           <a:prstGeom prst="rect">
@@ -18192,7 +18581,7 @@
         </p:nvSpPr>
         <p:spPr>
           <a:xfrm>
-            <a:off x="4203140" y="4951215"/>
+            <a:off x="4093700" y="5824672"/>
             <a:ext cx="542356" cy="484632"/>
           </a:xfrm>
           <a:prstGeom prst="rightArrow">
@@ -18232,8 +18621,8 @@
         </p:nvSpPr>
         <p:spPr>
           <a:xfrm>
-            <a:off x="501162" y="949569"/>
-            <a:ext cx="3475631" cy="461665"/>
+            <a:off x="420919" y="813527"/>
+            <a:ext cx="7537369" cy="1569660"/>
           </a:xfrm>
           <a:prstGeom prst="rect">
             <a:avLst/>
@@ -18241,14 +18630,51 @@
           <a:noFill/>
         </p:spPr>
         <p:txBody>
-          <a:bodyPr wrap="none" rtlCol="0">
+          <a:bodyPr wrap="square" rtlCol="0">
             <a:spAutoFit/>
           </a:bodyPr>
           <a:lstStyle/>
           <a:p>
-            <a:r>
-              <a:rPr lang="ja-JP" altLang="en-US" sz="2400" dirty="0"/>
-              <a:t>機械学習はデータが必要</a:t>
+            <a:pPr marL="342900" indent="-342900">
+              <a:buFont typeface="Wingdings" panose="05000000000000000000" pitchFamily="2" charset="2"/>
+              <a:buChar char="n"/>
+            </a:pPr>
+            <a:r>
+              <a:rPr lang="ja-JP" altLang="en-US" sz="2400" dirty="0" smtClean="0"/>
+              <a:t>機械学習</a:t>
+            </a:r>
+            <a:endParaRPr lang="en-US" altLang="ja-JP" sz="2400" dirty="0" smtClean="0"/>
+          </a:p>
+          <a:p>
+            <a:pPr marL="800100" lvl="1" indent="-342900">
+              <a:buFont typeface="Arial" panose="020B0604020202020204" pitchFamily="34" charset="0"/>
+              <a:buChar char="•"/>
+            </a:pPr>
+            <a:r>
+              <a:rPr lang="ja-JP" altLang="en-US" sz="2400" dirty="0" smtClean="0"/>
+              <a:t>血管の位置データが必要</a:t>
+            </a:r>
+            <a:endParaRPr lang="en-US" altLang="ja-JP" sz="2400" dirty="0" smtClean="0"/>
+          </a:p>
+          <a:p>
+            <a:pPr marL="800100" lvl="1" indent="-342900">
+              <a:buFont typeface="Arial" panose="020B0604020202020204" pitchFamily="34" charset="0"/>
+              <a:buChar char="•"/>
+            </a:pPr>
+            <a:r>
+              <a:rPr lang="ja-JP" altLang="en-US" sz="2400" dirty="0" smtClean="0"/>
+              <a:t>データのパターンを学習</a:t>
+            </a:r>
+            <a:endParaRPr lang="en-US" altLang="ja-JP" sz="2400" dirty="0" smtClean="0"/>
+          </a:p>
+          <a:p>
+            <a:pPr marL="800100" lvl="1" indent="-342900">
+              <a:buFont typeface="Arial" panose="020B0604020202020204" pitchFamily="34" charset="0"/>
+              <a:buChar char="•"/>
+            </a:pPr>
+            <a:r>
+              <a:rPr lang="ja-JP" altLang="en-US" sz="2400" dirty="0" smtClean="0"/>
+              <a:t>同じパターンのデータを認識</a:t>
             </a:r>
             <a:endParaRPr lang="en-US" sz="2400" dirty="0"/>
           </a:p>
@@ -18285,7 +18711,7 @@
                             </p:stCondLst>
                             <p:childTnLst>
                               <p:par>
-                                <p:cTn id="5" presetID="10" presetClass="entr" presetSubtype="0" fill="hold" nodeType="clickEffect">
+                                <p:cTn id="5" presetID="10" presetClass="entr" presetSubtype="0" fill="hold" grpId="0" nodeType="clickEffect">
                                   <p:stCondLst>
                                     <p:cond delay="0"/>
                                   </p:stCondLst>
@@ -18293,6 +18719,59 @@
                                     <p:set>
                                       <p:cBhvr>
                                         <p:cTn id="6" dur="1" fill="hold">
+                                          <p:stCondLst>
+                                            <p:cond delay="0"/>
+                                          </p:stCondLst>
+                                        </p:cTn>
+                                        <p:tgtEl>
+                                          <p:spTgt spid="3"/>
+                                        </p:tgtEl>
+                                        <p:attrNameLst>
+                                          <p:attrName>style.visibility</p:attrName>
+                                        </p:attrNameLst>
+                                      </p:cBhvr>
+                                      <p:to>
+                                        <p:strVal val="visible"/>
+                                      </p:to>
+                                    </p:set>
+                                    <p:animEffect transition="in" filter="fade">
+                                      <p:cBhvr>
+                                        <p:cTn id="7" dur="500"/>
+                                        <p:tgtEl>
+                                          <p:spTgt spid="3"/>
+                                        </p:tgtEl>
+                                      </p:cBhvr>
+                                    </p:animEffect>
+                                  </p:childTnLst>
+                                </p:cTn>
+                              </p:par>
+                            </p:childTnLst>
+                          </p:cTn>
+                        </p:par>
+                      </p:childTnLst>
+                    </p:cTn>
+                  </p:par>
+                  <p:par>
+                    <p:cTn id="8" fill="hold">
+                      <p:stCondLst>
+                        <p:cond delay="indefinite"/>
+                      </p:stCondLst>
+                      <p:childTnLst>
+                        <p:par>
+                          <p:cTn id="9" fill="hold">
+                            <p:stCondLst>
+                              <p:cond delay="0"/>
+                            </p:stCondLst>
+                            <p:childTnLst>
+                              <p:par>
+                                <p:cTn id="10" presetID="10" presetClass="entr" presetSubtype="0" fill="hold" nodeType="clickEffect">
+                                  <p:stCondLst>
+                                    <p:cond delay="0"/>
+                                  </p:stCondLst>
+                                  <p:childTnLst>
+                                    <p:set>
+                                      <p:cBhvr>
+                                        <p:cTn id="11" dur="1" fill="hold">
                                           <p:stCondLst>
                                             <p:cond delay="0"/>
                                           </p:stCondLst>
@@ -18310,7 +18789,7 @@
                                     </p:set>
                                     <p:animEffect transition="in" filter="fade">
                                       <p:cBhvr>
-                                        <p:cTn id="7" dur="500"/>
+                                        <p:cTn id="12" dur="500"/>
                                         <p:tgtEl>
                                           <p:spTgt spid="8"/>
                                         </p:tgtEl>
@@ -18320,14 +18799,14 @@
                                 </p:cTn>
                               </p:par>
                               <p:par>
-                                <p:cTn id="8" presetID="10" presetClass="entr" presetSubtype="0" fill="hold" grpId="0" nodeType="withEffect">
+                                <p:cTn id="13" presetID="10" presetClass="entr" presetSubtype="0" fill="hold" grpId="0" nodeType="withEffect">
                                   <p:stCondLst>
                                     <p:cond delay="0"/>
                                   </p:stCondLst>
                                   <p:childTnLst>
                                     <p:set>
                                       <p:cBhvr>
-                                        <p:cTn id="9" dur="1" fill="hold">
+                                        <p:cTn id="14" dur="1" fill="hold">
                                           <p:stCondLst>
                                             <p:cond delay="0"/>
                                           </p:stCondLst>
@@ -18345,7 +18824,7 @@
                                     </p:set>
                                     <p:animEffect transition="in" filter="fade">
                                       <p:cBhvr>
-                                        <p:cTn id="10" dur="500"/>
+                                        <p:cTn id="15" dur="500"/>
                                         <p:tgtEl>
                                           <p:spTgt spid="13"/>
                                         </p:tgtEl>
@@ -18355,14 +18834,14 @@
                                 </p:cTn>
                               </p:par>
                               <p:par>
-                                <p:cTn id="11" presetID="10" presetClass="entr" presetSubtype="0" fill="hold" grpId="0" nodeType="withEffect">
+                                <p:cTn id="16" presetID="10" presetClass="entr" presetSubtype="0" fill="hold" grpId="0" nodeType="withEffect">
                                   <p:stCondLst>
                                     <p:cond delay="0"/>
                                   </p:stCondLst>
                                   <p:childTnLst>
                                     <p:set>
                                       <p:cBhvr>
-                                        <p:cTn id="12" dur="1" fill="hold">
+                                        <p:cTn id="17" dur="1" fill="hold">
                                           <p:stCondLst>
                                             <p:cond delay="0"/>
                                           </p:stCondLst>
@@ -18380,7 +18859,7 @@
                                     </p:set>
                                     <p:animEffect transition="in" filter="fade">
                                       <p:cBhvr>
-                                        <p:cTn id="13" dur="500"/>
+                                        <p:cTn id="18" dur="500"/>
                                         <p:tgtEl>
                                           <p:spTgt spid="4"/>
                                         </p:tgtEl>
@@ -18417,6 +18896,7 @@
       </p:par>
     </p:tnLst>
     <p:bldLst>
+      <p:bldP spid="3" grpId="0" animBg="1"/>
       <p:bldP spid="13" grpId="0" animBg="1"/>
       <p:bldP spid="4" grpId="0" animBg="1"/>
     </p:bldLst>
@@ -18453,8 +18933,8 @@
         </p:nvSpPr>
         <p:spPr>
           <a:xfrm>
-            <a:off x="179512" y="188628"/>
-            <a:ext cx="5544616" cy="432060"/>
+            <a:off x="179511" y="188628"/>
+            <a:ext cx="7708703" cy="432060"/>
           </a:xfrm>
         </p:spPr>
         <p:txBody>
@@ -18464,6 +18944,17 @@
           <a:lstStyle/>
           <a:p>
             <a:pPr algn="l"/>
+            <a:r>
+              <a:rPr lang="ja-JP" altLang="en-US" sz="3200" u="sng" dirty="0" smtClean="0">
+                <a:uFill>
+                  <a:solidFill>
+                    <a:srgbClr val="00B050"/>
+                  </a:solidFill>
+                </a:uFill>
+                <a:latin typeface="+mj-ea"/>
+              </a:rPr>
+              <a:t>血管抽出アルゴリズム：谷</a:t>
+            </a:r>
             <a:r>
               <a:rPr lang="ja-JP" altLang="en-US" sz="3200" u="sng" dirty="0">
                 <a:uFill>
@@ -18473,7 +18964,18 @@
                 </a:uFill>
                 <a:latin typeface="+mj-ea"/>
               </a:rPr>
-              <a:t>谷の検出</a:t>
+              <a:t>の</a:t>
+            </a:r>
+            <a:r>
+              <a:rPr lang="ja-JP" altLang="en-US" sz="3200" u="sng" dirty="0" smtClean="0">
+                <a:uFill>
+                  <a:solidFill>
+                    <a:srgbClr val="00B050"/>
+                  </a:solidFill>
+                </a:uFill>
+                <a:latin typeface="+mj-ea"/>
+              </a:rPr>
+              <a:t>検出</a:t>
             </a:r>
             <a:endParaRPr kumimoji="1" lang="ja-JP" altLang="en-US" sz="3200" u="sng" dirty="0">
               <a:uFill>
@@ -18535,7 +19037,7 @@
         </p:blipFill>
         <p:spPr>
           <a:xfrm>
-            <a:off x="5308788" y="1596788"/>
+            <a:off x="5308787" y="1992573"/>
             <a:ext cx="2579427" cy="2169994"/>
           </a:xfrm>
           <a:prstGeom prst="rect">
@@ -18543,8 +19045,8 @@
           </a:prstGeom>
         </p:spPr>
       </p:pic>
-      <mc:AlternateContent xmlns:mc="http://schemas.openxmlformats.org/markup-compatibility/2006" xmlns:a14="http://schemas.microsoft.com/office/drawing/2010/main">
-        <mc:Choice Requires="a14">
+      <mc:AlternateContent xmlns:mc="http://schemas.openxmlformats.org/markup-compatibility/2006">
+        <mc:Choice xmlns:a14="http://schemas.microsoft.com/office/drawing/2010/main" Requires="a14">
           <p:sp>
             <p:nvSpPr>
               <p:cNvPr id="7" name="テキスト ボックス 6"/>
@@ -18553,7 +19055,7 @@
             </p:nvSpPr>
             <p:spPr>
               <a:xfrm>
-                <a:off x="2081799" y="779089"/>
+                <a:off x="2081798" y="1174874"/>
                 <a:ext cx="4980402" cy="523220"/>
               </a:xfrm>
               <a:prstGeom prst="rect">
@@ -18637,7 +19139,7 @@
             </p:txBody>
           </p:sp>
         </mc:Choice>
-        <mc:Fallback xmlns="">
+        <mc:Fallback>
           <p:sp>
             <p:nvSpPr>
               <p:cNvPr id="7" name="テキスト ボックス 6"/>
@@ -18648,7 +19150,7 @@
             </p:nvSpPr>
             <p:spPr>
               <a:xfrm>
-                <a:off x="2081799" y="779089"/>
+                <a:off x="2081798" y="1174874"/>
                 <a:ext cx="4980402" cy="523220"/>
               </a:xfrm>
               <a:prstGeom prst="rect">
@@ -18686,7 +19188,7 @@
             </p:nvSpPr>
             <p:spPr>
               <a:xfrm>
-                <a:off x="790363" y="4414540"/>
+                <a:off x="790362" y="4810325"/>
                 <a:ext cx="3058338" cy="1015663"/>
               </a:xfrm>
               <a:prstGeom prst="rect">
@@ -18778,13 +19280,13 @@
             </p:nvSpPr>
             <p:spPr>
               <a:xfrm>
-                <a:off x="790363" y="4414540"/>
+                <a:off x="790362" y="4810325"/>
                 <a:ext cx="3058338" cy="1015663"/>
               </a:xfrm>
               <a:prstGeom prst="rect">
                 <a:avLst/>
               </a:prstGeom>
-              <a:blipFill>
+              <a:blipFill rotWithShape="0">
                 <a:blip r:embed="rId4"/>
                 <a:stretch>
                   <a:fillRect l="-2196" t="-4192" r="-1796" b="-8383"/>
@@ -18796,7 +19298,7 @@
               <a:lstStyle/>
               <a:p>
                 <a:r>
-                  <a:rPr lang="en-US">
+                  <a:rPr lang="ja-JP" altLang="en-US">
                     <a:noFill/>
                   </a:rPr>
                   <a:t> </a:t>
@@ -18806,8 +19308,8 @@
           </p:sp>
         </mc:Fallback>
       </mc:AlternateContent>
-      <mc:AlternateContent xmlns:mc="http://schemas.openxmlformats.org/markup-compatibility/2006" xmlns:a14="http://schemas.microsoft.com/office/drawing/2010/main">
-        <mc:Choice Requires="a14">
+      <mc:AlternateContent xmlns:mc="http://schemas.openxmlformats.org/markup-compatibility/2006">
+        <mc:Choice xmlns:a14="http://schemas.microsoft.com/office/drawing/2010/main" Requires="a14">
           <p:sp>
             <p:nvSpPr>
               <p:cNvPr id="10" name="Rectangle 9"/>
@@ -18816,7 +19318,7 @@
             </p:nvSpPr>
             <p:spPr>
               <a:xfrm>
-                <a:off x="5153298" y="4351673"/>
+                <a:off x="5153297" y="4747458"/>
                 <a:ext cx="2890407" cy="1146852"/>
               </a:xfrm>
               <a:prstGeom prst="rect">
@@ -19258,7 +19760,7 @@
             </p:txBody>
           </p:sp>
         </mc:Choice>
-        <mc:Fallback xmlns="">
+        <mc:Fallback>
           <p:sp>
             <p:nvSpPr>
               <p:cNvPr id="10" name="Rectangle 9"/>
@@ -19269,7 +19771,7 @@
             </p:nvSpPr>
             <p:spPr>
               <a:xfrm>
-                <a:off x="5153298" y="4351673"/>
+                <a:off x="5153297" y="4747458"/>
                 <a:ext cx="2890407" cy="1146852"/>
               </a:xfrm>
               <a:prstGeom prst="rect">
@@ -19305,7 +19807,7 @@
         </p:nvSpPr>
         <p:spPr>
           <a:xfrm>
-            <a:off x="4363177" y="4677411"/>
+            <a:off x="4363176" y="5073196"/>
             <a:ext cx="496789" cy="484632"/>
           </a:xfrm>
           <a:prstGeom prst="rightArrow">
@@ -19359,7 +19861,7 @@
         </p:blipFill>
         <p:spPr>
           <a:xfrm>
-            <a:off x="1170010" y="1594652"/>
+            <a:off x="1170009" y="1990437"/>
             <a:ext cx="2109468" cy="2109468"/>
           </a:xfrm>
           <a:prstGeom prst="rect">
@@ -19380,7 +19882,7 @@
         </p:nvCxnSpPr>
         <p:spPr>
           <a:xfrm>
-            <a:off x="2224744" y="2837517"/>
+            <a:off x="2224743" y="3233302"/>
             <a:ext cx="1332094" cy="0"/>
           </a:xfrm>
           <a:prstGeom prst="straightConnector1">
@@ -19415,7 +19917,7 @@
         </p:nvCxnSpPr>
         <p:spPr>
           <a:xfrm flipH="1">
-            <a:off x="2224744" y="2837517"/>
+            <a:off x="2224743" y="3233302"/>
             <a:ext cx="1" cy="866603"/>
           </a:xfrm>
           <a:prstGeom prst="straightConnector1">
@@ -19448,7 +19950,7 @@
         </p:nvSpPr>
         <p:spPr>
           <a:xfrm>
-            <a:off x="3546563" y="2652851"/>
+            <a:off x="3546562" y="3048636"/>
             <a:ext cx="300082" cy="369332"/>
           </a:xfrm>
           <a:prstGeom prst="rect">
@@ -19478,7 +19980,7 @@
         </p:nvSpPr>
         <p:spPr>
           <a:xfrm>
-            <a:off x="2074703" y="3689998"/>
+            <a:off x="2074702" y="4085783"/>
             <a:ext cx="300082" cy="369332"/>
           </a:xfrm>
           <a:prstGeom prst="rect">
@@ -19856,13 +20358,14 @@
               <a:buChar char="n"/>
             </a:pPr>
             <a:r>
-              <a:rPr kumimoji="1" lang="ja-JP" altLang="en-US" sz="2800" dirty="0"/>
-              <a:t>スケール</a:t>
-            </a:r>
-            <a:r>
-              <a:rPr lang="en-US" altLang="ja-JP" sz="2800" i="1" dirty="0"/>
+              <a:rPr kumimoji="1" lang="ja-JP" altLang="en-US" sz="2800" dirty="0" smtClean="0"/>
+              <a:t>スケール </a:t>
+            </a:r>
+            <a:r>
+              <a:rPr lang="en-US" altLang="ja-JP" sz="2800" i="1" dirty="0" smtClean="0"/>
               <a:t>t</a:t>
             </a:r>
+            <a:endParaRPr lang="en-US" altLang="ja-JP" sz="2800" i="1" dirty="0"/>
           </a:p>
           <a:p>
             <a:pPr marL="914400" lvl="1" indent="-457200">
@@ -19885,8 +20388,16 @@
               <a:t>t</a:t>
             </a:r>
             <a:r>
+              <a:rPr lang="en-US" altLang="ja-JP" sz="2800" i="1" dirty="0" smtClean="0"/>
+              <a:t> </a:t>
+            </a:r>
+            <a:r>
+              <a:rPr lang="ja-JP" altLang="en-US" sz="2800" dirty="0" smtClean="0"/>
+              <a:t>が</a:t>
+            </a:r>
+            <a:r>
               <a:rPr lang="ja-JP" altLang="en-US" sz="2800" dirty="0"/>
-              <a:t>が大きければ大きいほど画像が強くぼかされる</a:t>
+              <a:t>大きければ大きいほど画像が強くぼかされる</a:t>
             </a:r>
             <a:endParaRPr lang="en-US" altLang="ja-JP" sz="2800" dirty="0"/>
           </a:p>
@@ -19900,8 +20411,16 @@
               <a:t>t</a:t>
             </a:r>
             <a:r>
+              <a:rPr lang="en-US" altLang="ja-JP" sz="2800" i="1" dirty="0" smtClean="0"/>
+              <a:t> </a:t>
+            </a:r>
+            <a:r>
+              <a:rPr lang="ja-JP" altLang="en-US" sz="2800" dirty="0" smtClean="0"/>
+              <a:t>に</a:t>
+            </a:r>
+            <a:r>
               <a:rPr lang="ja-JP" altLang="en-US" sz="2800" dirty="0"/>
-              <a:t>によって検出できる谷の広さが異なる</a:t>
+              <a:t>よって検出できる谷の広さが異なる</a:t>
             </a:r>
             <a:endParaRPr lang="en-US" altLang="ja-JP" sz="2800" i="1" dirty="0"/>
           </a:p>
@@ -19919,8 +20438,8 @@
         </p:nvSpPr>
         <p:spPr>
           <a:xfrm>
-            <a:off x="179512" y="188628"/>
-            <a:ext cx="5544616" cy="432060"/>
+            <a:off x="179511" y="188628"/>
+            <a:ext cx="7053801" cy="432060"/>
           </a:xfrm>
         </p:spPr>
         <p:txBody>
@@ -19930,6 +20449,17 @@
           <a:lstStyle/>
           <a:p>
             <a:pPr algn="l"/>
+            <a:r>
+              <a:rPr lang="ja-JP" altLang="en-US" sz="3200" u="sng" dirty="0" smtClean="0">
+                <a:uFill>
+                  <a:solidFill>
+                    <a:srgbClr val="00B050"/>
+                  </a:solidFill>
+                </a:uFill>
+                <a:latin typeface="+mj-ea"/>
+              </a:rPr>
+              <a:t>血管抽出アルゴリズム：スケール</a:t>
+            </a:r>
             <a:r>
               <a:rPr lang="ja-JP" altLang="en-US" sz="3200" u="sng" dirty="0">
                 <a:uFill>
@@ -19939,7 +20469,7 @@
                 </a:uFill>
                 <a:latin typeface="+mj-ea"/>
               </a:rPr>
-              <a:t>スケール空間</a:t>
+              <a:t>空間</a:t>
             </a:r>
             <a:endParaRPr kumimoji="1" lang="ja-JP" altLang="en-US" sz="3200" u="sng" dirty="0">
               <a:uFill>
@@ -20347,6 +20877,13 @@
   <p:clrMapOvr>
     <a:masterClrMapping/>
   </p:clrMapOvr>
+  <p:timing>
+    <p:tnLst>
+      <p:par>
+        <p:cTn id="1" dur="indefinite" restart="never" nodeType="tmRoot"/>
+      </p:par>
+    </p:tnLst>
+  </p:timing>
 </p:sld>
 </file>
 
@@ -20379,8 +20916,8 @@
         </p:nvSpPr>
         <p:spPr>
           <a:xfrm>
-            <a:off x="179512" y="188628"/>
-            <a:ext cx="5544616" cy="432060"/>
+            <a:off x="179511" y="188628"/>
+            <a:ext cx="8392985" cy="432060"/>
           </a:xfrm>
         </p:spPr>
         <p:txBody>
@@ -20390,6 +20927,17 @@
           <a:lstStyle/>
           <a:p>
             <a:pPr algn="l"/>
+            <a:r>
+              <a:rPr lang="ja-JP" altLang="en-US" sz="3200" u="sng" dirty="0" smtClean="0">
+                <a:uFill>
+                  <a:solidFill>
+                    <a:srgbClr val="00B050"/>
+                  </a:solidFill>
+                </a:uFill>
+                <a:latin typeface="+mj-ea"/>
+              </a:rPr>
+              <a:t>血管抽出アルゴリズム：谷</a:t>
+            </a:r>
             <a:r>
               <a:rPr lang="ja-JP" altLang="en-US" sz="3200" u="sng" dirty="0">
                 <a:uFill>
@@ -20399,7 +20947,7 @@
                 </a:uFill>
                 <a:latin typeface="+mj-ea"/>
               </a:rPr>
-              <a:t>谷強度</a:t>
+              <a:t>強度</a:t>
             </a:r>
             <a:r>
               <a:rPr lang="en-US" altLang="ja-JP" sz="3200" u="sng" dirty="0">
@@ -21055,6 +21603,36 @@
           </a:p>
         </p:txBody>
       </p:sp>
+      <p:sp>
+        <p:nvSpPr>
+          <p:cNvPr id="10" name="テキスト ボックス 9"/>
+          <p:cNvSpPr txBox="1"/>
+          <p:nvPr/>
+        </p:nvSpPr>
+        <p:spPr>
+          <a:xfrm>
+            <a:off x="1241265" y="6028473"/>
+            <a:ext cx="1226618" cy="369332"/>
+          </a:xfrm>
+          <a:prstGeom prst="rect">
+            <a:avLst/>
+          </a:prstGeom>
+          <a:noFill/>
+        </p:spPr>
+        <p:txBody>
+          <a:bodyPr wrap="none" rtlCol="0">
+            <a:spAutoFit/>
+          </a:bodyPr>
+          <a:lstStyle/>
+          <a:p>
+            <a:r>
+              <a:rPr kumimoji="1" lang="ja-JP" altLang="en-US" dirty="0" smtClean="0"/>
+              <a:t>オリジナル</a:t>
+            </a:r>
+            <a:endParaRPr kumimoji="1" lang="ja-JP" altLang="en-US" dirty="0"/>
+          </a:p>
+        </p:txBody>
+      </p:sp>
     </p:spTree>
     <p:extLst>
       <p:ext uri="{BB962C8B-B14F-4D97-AF65-F5344CB8AC3E}">
@@ -21065,6 +21643,13 @@
   <p:clrMapOvr>
     <a:masterClrMapping/>
   </p:clrMapOvr>
+  <p:timing>
+    <p:tnLst>
+      <p:par>
+        <p:cTn id="1" dur="indefinite" restart="never" nodeType="tmRoot"/>
+      </p:par>
+    </p:tnLst>
+  </p:timing>
 </p:sld>
 </file>
 
@@ -21131,7 +21716,7 @@
         <p:spPr>
           <a:xfrm>
             <a:off x="372863" y="1044523"/>
-            <a:ext cx="5973110" cy="1384995"/>
+            <a:ext cx="6152646" cy="1384995"/>
           </a:xfrm>
           <a:prstGeom prst="rect">
             <a:avLst/>
@@ -21165,15 +21750,23 @@
             </a:pPr>
             <a:r>
               <a:rPr lang="ja-JP" altLang="en-US" sz="2800" dirty="0"/>
-              <a:t>異なるスケール</a:t>
-            </a:r>
-            <a:r>
-              <a:rPr lang="en-US" altLang="ja-JP" sz="2800" i="1" dirty="0"/>
-              <a:t>t</a:t>
+              <a:t>異なる</a:t>
+            </a:r>
+            <a:r>
+              <a:rPr lang="ja-JP" altLang="en-US" sz="2800" dirty="0" smtClean="0"/>
+              <a:t>スケール </a:t>
+            </a:r>
+            <a:r>
+              <a:rPr lang="en-US" altLang="ja-JP" sz="2800" i="1" dirty="0" smtClean="0"/>
+              <a:t>t </a:t>
+            </a:r>
+            <a:r>
+              <a:rPr lang="ja-JP" altLang="en-US" sz="2800" dirty="0" smtClean="0"/>
+              <a:t>の</a:t>
             </a:r>
             <a:r>
               <a:rPr lang="ja-JP" altLang="en-US" sz="2800" dirty="0"/>
-              <a:t>の画像を重ねる</a:t>
+              <a:t>画像を重ねる</a:t>
             </a:r>
             <a:endParaRPr lang="en-US" altLang="ja-JP" sz="2800" dirty="0"/>
           </a:p>
@@ -21187,8 +21780,16 @@
               <a:t>t</a:t>
             </a:r>
             <a:r>
+              <a:rPr lang="en-US" altLang="ja-JP" sz="2800" i="1" dirty="0" smtClean="0"/>
+              <a:t> </a:t>
+            </a:r>
+            <a:r>
+              <a:rPr lang="ja-JP" altLang="en-US" sz="2800" dirty="0" smtClean="0"/>
+              <a:t>を</a:t>
+            </a:r>
+            <a:r>
               <a:rPr lang="ja-JP" altLang="en-US" sz="2800" dirty="0"/>
-              <a:t>を含んだ</a:t>
+              <a:t>含んだ</a:t>
             </a:r>
             <a:r>
               <a:rPr lang="en-US" altLang="ja-JP" sz="2800" dirty="0">
@@ -21924,8 +22525,8 @@
         </p:nvSpPr>
         <p:spPr>
           <a:xfrm>
-            <a:off x="179512" y="188628"/>
-            <a:ext cx="5544616" cy="432060"/>
+            <a:off x="179511" y="188628"/>
+            <a:ext cx="8241157" cy="432060"/>
           </a:xfrm>
           <a:prstGeom prst="rect">
             <a:avLst/>
@@ -21962,7 +22563,18 @@
                 </a:uFill>
                 <a:latin typeface="+mj-ea"/>
               </a:rPr>
-              <a:t>谷強度</a:t>
+              <a:t>血管抽出アルゴリズム：谷</a:t>
+            </a:r>
+            <a:r>
+              <a:rPr lang="ja-JP" altLang="en-US" sz="3200" u="sng" dirty="0">
+                <a:uFill>
+                  <a:solidFill>
+                    <a:srgbClr val="00B050"/>
+                  </a:solidFill>
+                </a:uFill>
+                <a:latin typeface="+mj-ea"/>
+              </a:rPr>
+              <a:t>強度</a:t>
             </a:r>
             <a:r>
               <a:rPr lang="en-US" altLang="ja-JP" sz="3200" u="sng" dirty="0">
@@ -21994,6 +22606,13 @@
   <p:clrMapOvr>
     <a:masterClrMapping/>
   </p:clrMapOvr>
+  <p:timing>
+    <p:tnLst>
+      <p:par>
+        <p:cTn id="1" dur="indefinite" restart="never" nodeType="tmRoot"/>
+      </p:par>
+    </p:tnLst>
+  </p:timing>
 </p:sld>
 </file>
 

--- a/blood vessel detection.pptx
+++ b/blood vessel detection.pptx
@@ -6,10 +6,10 @@
     <p:sldMasterId id="2147484176" r:id="rId2"/>
   </p:sldMasterIdLst>
   <p:notesMasterIdLst>
-    <p:notesMasterId r:id="rId18"/>
+    <p:notesMasterId r:id="rId19"/>
   </p:notesMasterIdLst>
   <p:handoutMasterIdLst>
-    <p:handoutMasterId r:id="rId19"/>
+    <p:handoutMasterId r:id="rId20"/>
   </p:handoutMasterIdLst>
   <p:sldIdLst>
     <p:sldId id="280" r:id="rId3"/>
@@ -27,6 +27,7 @@
     <p:sldId id="296" r:id="rId15"/>
     <p:sldId id="266" r:id="rId16"/>
     <p:sldId id="309" r:id="rId17"/>
+    <p:sldId id="317" r:id="rId18"/>
   </p:sldIdLst>
   <p:sldSz cx="9144000" cy="6858000" type="screen4x3"/>
   <p:notesSz cx="6805613" cy="9939338"/>
@@ -145,6 +146,7 @@
             <p14:sldId id="296"/>
             <p14:sldId id="266"/>
             <p14:sldId id="309"/>
+            <p14:sldId id="317"/>
           </p14:sldIdLst>
         </p14:section>
       </p14:sectionLst>
@@ -263,7 +265,7 @@
           <a:p>
             <a:fld id="{63C8DF9D-6411-4B1F-A8B2-6A3DB9AA6327}" type="datetimeFigureOut">
               <a:rPr kumimoji="1" lang="ja-JP" altLang="en-US" smtClean="0"/>
-              <a:t>2016/8/30</a:t>
+              <a:t>2016/9/1</a:t>
             </a:fld>
             <a:endParaRPr kumimoji="1" lang="ja-JP" altLang="en-US"/>
           </a:p>
@@ -429,7 +431,7 @@
           <a:p>
             <a:fld id="{07315311-5735-4871-9878-075872E1EFDE}" type="datetimeFigureOut">
               <a:rPr kumimoji="1" lang="ja-JP" altLang="en-US" smtClean="0"/>
-              <a:t>2016/8/30</a:t>
+              <a:t>2016/9/1</a:t>
             </a:fld>
             <a:endParaRPr kumimoji="1" lang="ja-JP" altLang="en-US"/>
           </a:p>
@@ -1593,7 +1595,7 @@
           <a:p>
             <a:fld id="{121D3DBE-3DB8-4D45-BAA5-6218573623B3}" type="datetime1">
               <a:rPr lang="en-US" altLang="ja-JP" smtClean="0"/>
-              <a:t>8/30/2016</a:t>
+              <a:t>9/1/2016</a:t>
             </a:fld>
             <a:endParaRPr lang="en-US" dirty="0"/>
           </a:p>
@@ -1794,7 +1796,7 @@
           <a:p>
             <a:fld id="{C45AB07E-7E54-46A9-8A19-DC696FFBAE75}" type="datetime1">
               <a:rPr lang="en-US" altLang="ja-JP" smtClean="0"/>
-              <a:t>8/30/2016</a:t>
+              <a:t>9/1/2016</a:t>
             </a:fld>
             <a:endParaRPr lang="en-US" dirty="0"/>
           </a:p>
@@ -2004,7 +2006,7 @@
           <a:p>
             <a:fld id="{A63A4095-80D0-4D2F-8664-549F603D7398}" type="datetime1">
               <a:rPr lang="en-US" altLang="ja-JP" smtClean="0"/>
-              <a:t>8/30/2016</a:t>
+              <a:t>9/1/2016</a:t>
             </a:fld>
             <a:endParaRPr lang="en-US" dirty="0"/>
           </a:p>
@@ -2252,7 +2254,7 @@
                 </a:solidFill>
               </a:rPr>
               <a:pPr/>
-              <a:t>8/30/2016</a:t>
+              <a:t>9/1/2016</a:t>
             </a:fld>
             <a:endParaRPr lang="en-US" dirty="0">
               <a:solidFill>
@@ -2484,7 +2486,7 @@
                 </a:solidFill>
               </a:rPr>
               <a:pPr/>
-              <a:t>8/30/2016</a:t>
+              <a:t>9/1/2016</a:t>
             </a:fld>
             <a:endParaRPr lang="en-US" dirty="0">
               <a:solidFill>
@@ -2761,7 +2763,7 @@
                 </a:solidFill>
               </a:rPr>
               <a:pPr/>
-              <a:t>8/30/2016</a:t>
+              <a:t>9/1/2016</a:t>
             </a:fld>
             <a:endParaRPr lang="en-US" dirty="0">
               <a:solidFill>
@@ -3142,7 +3144,7 @@
                 </a:solidFill>
               </a:rPr>
               <a:pPr/>
-              <a:t>8/30/2016</a:t>
+              <a:t>9/1/2016</a:t>
             </a:fld>
             <a:endParaRPr lang="en-US" dirty="0">
               <a:solidFill>
@@ -3657,7 +3659,7 @@
                 </a:solidFill>
               </a:rPr>
               <a:pPr/>
-              <a:t>8/30/2016</a:t>
+              <a:t>9/1/2016</a:t>
             </a:fld>
             <a:endParaRPr lang="en-US" dirty="0">
               <a:solidFill>
@@ -3806,7 +3808,7 @@
                 </a:solidFill>
               </a:rPr>
               <a:pPr/>
-              <a:t>8/30/2016</a:t>
+              <a:t>9/1/2016</a:t>
             </a:fld>
             <a:endParaRPr lang="en-US" dirty="0">
               <a:solidFill>
@@ -3933,7 +3935,7 @@
                 </a:solidFill>
               </a:rPr>
               <a:pPr/>
-              <a:t>8/30/2016</a:t>
+              <a:t>9/1/2016</a:t>
             </a:fld>
             <a:endParaRPr lang="en-US" dirty="0">
               <a:solidFill>
@@ -4272,7 +4274,7 @@
                 </a:solidFill>
               </a:rPr>
               <a:pPr/>
-              <a:t>8/30/2016</a:t>
+              <a:t>9/1/2016</a:t>
             </a:fld>
             <a:endParaRPr lang="en-US" dirty="0">
               <a:solidFill>
@@ -4497,7 +4499,7 @@
           <a:p>
             <a:fld id="{3DEA7AD5-AD8F-4698-AC90-C66077F235C4}" type="datetime1">
               <a:rPr lang="en-US" altLang="ja-JP" smtClean="0"/>
-              <a:t>8/30/2016</a:t>
+              <a:t>9/1/2016</a:t>
             </a:fld>
             <a:endParaRPr lang="en-US" dirty="0"/>
           </a:p>
@@ -4756,7 +4758,7 @@
                 </a:solidFill>
               </a:rPr>
               <a:pPr/>
-              <a:t>8/30/2016</a:t>
+              <a:t>9/1/2016</a:t>
             </a:fld>
             <a:endParaRPr lang="en-US" dirty="0">
               <a:solidFill>
@@ -4988,7 +4990,7 @@
                 </a:solidFill>
               </a:rPr>
               <a:pPr/>
-              <a:t>8/30/2016</a:t>
+              <a:t>9/1/2016</a:t>
             </a:fld>
             <a:endParaRPr lang="en-US" dirty="0">
               <a:solidFill>
@@ -5230,7 +5232,7 @@
                 </a:solidFill>
               </a:rPr>
               <a:pPr/>
-              <a:t>8/30/2016</a:t>
+              <a:t>9/1/2016</a:t>
             </a:fld>
             <a:endParaRPr lang="en-US" dirty="0">
               <a:solidFill>
@@ -5500,7 +5502,7 @@
           <a:p>
             <a:fld id="{12BB9786-93D4-4D9A-9BE4-293607DA784A}" type="datetime1">
               <a:rPr lang="en-US" altLang="ja-JP" smtClean="0"/>
-              <a:t>8/30/2016</a:t>
+              <a:t>9/1/2016</a:t>
             </a:fld>
             <a:endParaRPr lang="en-US" dirty="0"/>
           </a:p>
@@ -5850,7 +5852,7 @@
           <a:p>
             <a:fld id="{84DA8CA9-AE87-492E-81CA-227BB92429BB}" type="datetime1">
               <a:rPr lang="en-US" altLang="ja-JP" smtClean="0"/>
-              <a:t>8/30/2016</a:t>
+              <a:t>9/1/2016</a:t>
             </a:fld>
             <a:endParaRPr lang="en-US" dirty="0"/>
           </a:p>
@@ -6333,7 +6335,7 @@
           <a:p>
             <a:fld id="{AFEB61B5-583B-4F7D-B70B-D072F62D27A1}" type="datetime1">
               <a:rPr lang="en-US" altLang="ja-JP" smtClean="0"/>
-              <a:t>8/30/2016</a:t>
+              <a:t>9/1/2016</a:t>
             </a:fld>
             <a:endParaRPr lang="en-US" dirty="0"/>
           </a:p>
@@ -6451,7 +6453,7 @@
           <a:p>
             <a:fld id="{B61C72BE-9392-431C-967B-57A9FE175243}" type="datetime1">
               <a:rPr lang="en-US" altLang="ja-JP" smtClean="0"/>
-              <a:t>8/30/2016</a:t>
+              <a:t>9/1/2016</a:t>
             </a:fld>
             <a:endParaRPr lang="en-US" dirty="0"/>
           </a:p>
@@ -6547,7 +6549,7 @@
           <a:p>
             <a:fld id="{5CEB1936-103D-4186-918C-1D9F38F36EEC}" type="datetime1">
               <a:rPr lang="en-US" altLang="ja-JP" smtClean="0"/>
-              <a:t>8/30/2016</a:t>
+              <a:t>9/1/2016</a:t>
             </a:fld>
             <a:endParaRPr lang="en-US" dirty="0"/>
           </a:p>
@@ -6855,7 +6857,7 @@
           <a:p>
             <a:fld id="{7D74D298-25C5-4490-93C2-319EB29CF2DE}" type="datetime1">
               <a:rPr lang="en-US" altLang="ja-JP" smtClean="0"/>
-              <a:t>8/30/2016</a:t>
+              <a:t>9/1/2016</a:t>
             </a:fld>
             <a:endParaRPr lang="en-US" dirty="0"/>
           </a:p>
@@ -7107,7 +7109,7 @@
           <a:p>
             <a:fld id="{8647414E-6AF7-4289-A88F-3D5CAEEE2D20}" type="datetime1">
               <a:rPr lang="en-US" altLang="ja-JP" smtClean="0"/>
-              <a:t>8/30/2016</a:t>
+              <a:t>9/1/2016</a:t>
             </a:fld>
             <a:endParaRPr lang="en-US" dirty="0"/>
           </a:p>
@@ -7351,7 +7353,7 @@
           <a:p>
             <a:fld id="{E162059B-2D75-4BAF-A988-C159CC57707D}" type="datetime1">
               <a:rPr lang="en-US" altLang="ja-JP" smtClean="0"/>
-              <a:t>8/30/2016</a:t>
+              <a:t>9/1/2016</a:t>
             </a:fld>
             <a:endParaRPr lang="en-US" dirty="0"/>
           </a:p>
@@ -7900,7 +7902,7 @@
                 </a:solidFill>
               </a:rPr>
               <a:pPr/>
-              <a:t>8/30/2016</a:t>
+              <a:t>9/1/2016</a:t>
             </a:fld>
             <a:endParaRPr lang="en-US" dirty="0">
               <a:solidFill>
@@ -8327,10 +8329,6 @@
               <a:rPr lang="ja-JP" altLang="en-US" sz="3200" b="1" dirty="0"/>
               <a:t>モノクロ生態計測画像からの</a:t>
             </a:r>
-            <a:r>
-              <a:rPr lang="en-US" altLang="ja-JP" sz="3200" b="1" dirty="0"/>
-              <a:t/>
-            </a:r>
             <a:br>
               <a:rPr lang="en-US" altLang="ja-JP" sz="3200" b="1" dirty="0"/>
             </a:br>
@@ -8338,17 +8336,9 @@
               <a:rPr lang="ja-JP" altLang="en-US" sz="3200" b="1" dirty="0"/>
               <a:t>血管抽出アルゴリズムの検討</a:t>
             </a:r>
-            <a:r>
-              <a:rPr lang="en-US" altLang="ja-JP" sz="3200" b="1" dirty="0"/>
-              <a:t/>
-            </a:r>
             <a:br>
               <a:rPr lang="en-US" altLang="ja-JP" sz="3200" b="1" dirty="0"/>
             </a:br>
-            <a:r>
-              <a:rPr lang="en-US" altLang="ja-JP" sz="3200" b="1" dirty="0"/>
-              <a:t/>
-            </a:r>
             <a:br>
               <a:rPr lang="en-US" altLang="ja-JP" sz="3200" b="1" dirty="0"/>
             </a:br>
@@ -8721,13 +8711,6 @@
   <p:clrMapOvr>
     <a:masterClrMapping/>
   </p:clrMapOvr>
-  <p:timing>
-    <p:tnLst>
-      <p:par>
-        <p:cTn id="1" dur="indefinite" restart="never" nodeType="tmRoot"/>
-      </p:par>
-    </p:tnLst>
-  </p:timing>
 </p:sld>
 </file>
 
@@ -8824,18 +8807,7 @@
                 </a:uFill>
                 <a:latin typeface="+mj-ea"/>
               </a:rPr>
-              <a:t>血管抽出アルゴリズム：谷</a:t>
-            </a:r>
-            <a:r>
-              <a:rPr lang="ja-JP" altLang="en-US" sz="3200" u="sng" dirty="0">
-                <a:uFill>
-                  <a:solidFill>
-                    <a:srgbClr val="00B050"/>
-                  </a:solidFill>
-                </a:uFill>
-                <a:latin typeface="+mj-ea"/>
-              </a:rPr>
-              <a:t>の孤立化</a:t>
+              <a:t>血管抽出アルゴリズム：谷の孤立化</a:t>
             </a:r>
           </a:p>
         </p:txBody>
@@ -9959,13 +9931,6 @@
   <p:clrMapOvr>
     <a:masterClrMapping/>
   </p:clrMapOvr>
-  <p:timing>
-    <p:tnLst>
-      <p:par>
-        <p:cTn id="1" dur="indefinite" restart="never" nodeType="tmRoot"/>
-      </p:par>
-    </p:tnLst>
-  </p:timing>
 </p:sld>
 </file>
 
@@ -10034,18 +9999,7 @@
                 </a:uFill>
                 <a:latin typeface="+mj-ea"/>
               </a:rPr>
-              <a:t>血管抽出アルゴリズム：谷</a:t>
-            </a:r>
-            <a:r>
-              <a:rPr lang="ja-JP" altLang="en-US" sz="3200" u="sng" dirty="0">
-                <a:uFill>
-                  <a:solidFill>
-                    <a:srgbClr val="00B050"/>
-                  </a:solidFill>
-                </a:uFill>
-                <a:latin typeface="+mj-ea"/>
-              </a:rPr>
-              <a:t>の孤立化</a:t>
+              <a:t>血管抽出アルゴリズム：谷の孤立化</a:t>
             </a:r>
           </a:p>
         </p:txBody>
@@ -10763,13 +10717,6 @@
   <p:clrMapOvr>
     <a:masterClrMapping/>
   </p:clrMapOvr>
-  <p:timing>
-    <p:tnLst>
-      <p:par>
-        <p:cTn id="1" dur="indefinite" restart="never" nodeType="tmRoot"/>
-      </p:par>
-    </p:tnLst>
-  </p:timing>
 </p:sld>
 </file>
 
@@ -11859,21 +11806,8 @@
                     <a:prstClr val="black"/>
                   </a:solidFill>
                 </a:rPr>
-                <a:t>谷の</a:t>
+                <a:t>谷の孤立化（血管抽出）</a:t>
               </a:r>
-              <a:r>
-                <a:rPr kumimoji="1" lang="ja-JP" altLang="en-US" sz="2400" dirty="0" smtClean="0">
-                  <a:solidFill>
-                    <a:prstClr val="black"/>
-                  </a:solidFill>
-                </a:rPr>
-                <a:t>孤立化（血管抽出）</a:t>
-              </a:r>
-              <a:endParaRPr kumimoji="1" lang="ja-JP" altLang="en-US" sz="2400" dirty="0">
-                <a:solidFill>
-                  <a:prstClr val="black"/>
-                </a:solidFill>
-              </a:endParaRPr>
             </a:p>
           </p:txBody>
         </p:sp>
@@ -16254,11 +16188,7 @@
             </a:pPr>
             <a:r>
               <a:rPr lang="ja-JP" altLang="en-US" sz="3600" dirty="0"/>
-              <a:t>今後の</a:t>
-            </a:r>
-            <a:r>
-              <a:rPr lang="ja-JP" altLang="en-US" sz="3600" dirty="0" smtClean="0"/>
-              <a:t>予定</a:t>
+              <a:t>今後の予定</a:t>
             </a:r>
             <a:endParaRPr lang="en-US" altLang="ja-JP" sz="3600" dirty="0"/>
           </a:p>
@@ -16268,10 +16198,10 @@
               <a:buChar char="•"/>
             </a:pPr>
             <a:r>
-              <a:rPr lang="ja-JP" altLang="en-US" sz="2800" dirty="0" smtClean="0"/>
+              <a:rPr lang="ja-JP" altLang="en-US" sz="2800" dirty="0"/>
               <a:t>血管抽出アルゴリズムの改良</a:t>
             </a:r>
-            <a:endParaRPr lang="en-US" altLang="ja-JP" sz="2800" dirty="0" smtClean="0"/>
+            <a:endParaRPr lang="en-US" altLang="ja-JP" sz="2800" dirty="0"/>
           </a:p>
           <a:p>
             <a:pPr marL="914400" lvl="1" indent="-457200">
@@ -16279,16 +16209,8 @@
               <a:buChar char="•"/>
             </a:pPr>
             <a:r>
-              <a:rPr lang="ja-JP" altLang="en-US" sz="2800" dirty="0" smtClean="0"/>
-              <a:t>得たデータ</a:t>
-            </a:r>
-            <a:r>
               <a:rPr lang="ja-JP" altLang="en-US" sz="2800" dirty="0"/>
-              <a:t>を</a:t>
-            </a:r>
-            <a:r>
-              <a:rPr lang="ja-JP" altLang="en-US" sz="2800" dirty="0" smtClean="0"/>
-              <a:t>機械学習に利用</a:t>
+              <a:t>得たデータを機械学習に利用</a:t>
             </a:r>
             <a:endParaRPr lang="en-US" altLang="ja-JP" sz="2800" dirty="0"/>
           </a:p>
@@ -16315,18 +16237,11 @@
   <p:clrMapOvr>
     <a:masterClrMapping/>
   </p:clrMapOvr>
-  <p:timing>
-    <p:tnLst>
-      <p:par>
-        <p:cTn id="1" dur="indefinite" restart="never" nodeType="tmRoot"/>
-      </p:par>
-    </p:tnLst>
-  </p:timing>
 </p:sld>
 </file>
 
 <file path=ppt/slides/slide15.xml><?xml version="1.0" encoding="utf-8"?>
-<p:sld xmlns:a="http://schemas.openxmlformats.org/drawingml/2006/main" xmlns:r="http://schemas.openxmlformats.org/officeDocument/2006/relationships" xmlns:p="http://schemas.openxmlformats.org/presentationml/2006/main">
+<p:sld xmlns:a="http://schemas.openxmlformats.org/drawingml/2006/main" xmlns:r="http://schemas.openxmlformats.org/officeDocument/2006/relationships" xmlns:p="http://schemas.openxmlformats.org/presentationml/2006/main" show="0">
   <p:cSld>
     <p:spTree>
       <p:nvGrpSpPr>
@@ -16370,8 +16285,8 @@
           </a:p>
         </p:txBody>
       </p:sp>
-      <mc:AlternateContent xmlns:mc="http://schemas.openxmlformats.org/markup-compatibility/2006">
-        <mc:Choice xmlns:a14="http://schemas.microsoft.com/office/drawing/2010/main" Requires="a14">
+      <mc:AlternateContent xmlns:mc="http://schemas.openxmlformats.org/markup-compatibility/2006" xmlns:a14="http://schemas.microsoft.com/office/drawing/2010/main">
+        <mc:Choice Requires="a14">
           <p:sp>
             <p:nvSpPr>
               <p:cNvPr id="6" name="テキスト ボックス 5"/>
@@ -16394,6 +16309,7 @@
               </a:bodyPr>
               <a:lstStyle/>
               <a:p>
+                <a:pPr/>
                 <a14:m>
                   <m:oMathPara xmlns:m="http://schemas.openxmlformats.org/officeDocument/2006/math">
                     <m:oMathParaPr>
@@ -16491,9 +16407,10 @@
                     </m:oMath>
                   </m:oMathPara>
                 </a14:m>
-                <a:endParaRPr kumimoji="1" lang="en-US" altLang="ja-JP" sz="2400" dirty="0" smtClean="0"/>
+                <a:endParaRPr kumimoji="1" lang="en-US" altLang="ja-JP" sz="2400" dirty="0"/>
               </a:p>
               <a:p>
+                <a:pPr/>
                 <a14:m>
                   <m:oMathPara xmlns:m="http://schemas.openxmlformats.org/officeDocument/2006/math">
                     <m:oMathParaPr>
@@ -16719,7 +16636,7 @@
             </p:txBody>
           </p:sp>
         </mc:Choice>
-        <mc:Fallback>
+        <mc:Fallback xmlns="">
           <p:sp>
             <p:nvSpPr>
               <p:cNvPr id="6" name="テキスト ボックス 5"/>
@@ -16840,10 +16757,9 @@
           <a:lstStyle/>
           <a:p>
             <a:r>
-              <a:rPr kumimoji="1" lang="ja-JP" altLang="en-US" sz="2400" dirty="0" smtClean="0"/>
+              <a:rPr kumimoji="1" lang="ja-JP" altLang="en-US" sz="2400" dirty="0"/>
               <a:t>骨格化</a:t>
             </a:r>
-            <a:endParaRPr kumimoji="1" lang="ja-JP" altLang="en-US" sz="2400" dirty="0"/>
           </a:p>
         </p:txBody>
       </p:sp>
@@ -16857,13 +16773,106 @@
   <p:clrMapOvr>
     <a:masterClrMapping/>
   </p:clrMapOvr>
-  <p:timing>
-    <p:tnLst>
-      <p:par>
-        <p:cTn id="1" dur="indefinite" restart="never" nodeType="tmRoot"/>
-      </p:par>
-    </p:tnLst>
-  </p:timing>
+</p:sld>
+</file>
+
+<file path=ppt/slides/slide16.xml><?xml version="1.0" encoding="utf-8"?>
+<p:sld xmlns:a="http://schemas.openxmlformats.org/drawingml/2006/main" xmlns:r="http://schemas.openxmlformats.org/officeDocument/2006/relationships" xmlns:p="http://schemas.openxmlformats.org/presentationml/2006/main" show="0">
+  <p:cSld>
+    <p:spTree>
+      <p:nvGrpSpPr>
+        <p:cNvPr id="1" name=""/>
+        <p:cNvGrpSpPr/>
+        <p:nvPr/>
+      </p:nvGrpSpPr>
+      <p:grpSpPr>
+        <a:xfrm>
+          <a:off x="0" y="0"/>
+          <a:ext cx="0" cy="0"/>
+          <a:chOff x="0" y="0"/>
+          <a:chExt cx="0" cy="0"/>
+        </a:xfrm>
+      </p:grpSpPr>
+      <p:pic>
+        <p:nvPicPr>
+          <p:cNvPr id="5" name="Content Placeholder 4"/>
+          <p:cNvPicPr>
+            <a:picLocks noGrp="1" noChangeAspect="1"/>
+          </p:cNvPicPr>
+          <p:nvPr>
+            <p:ph idx="1"/>
+          </p:nvPr>
+        </p:nvPicPr>
+        <p:blipFill>
+          <a:blip r:embed="rId2"/>
+          <a:stretch>
+            <a:fillRect/>
+          </a:stretch>
+        </p:blipFill>
+        <p:spPr>
+          <a:xfrm>
+            <a:off x="1863969" y="3288324"/>
+            <a:ext cx="4624244" cy="2983384"/>
+          </a:xfrm>
+        </p:spPr>
+      </p:pic>
+      <p:sp>
+        <p:nvSpPr>
+          <p:cNvPr id="4" name="Slide Number Placeholder 3"/>
+          <p:cNvSpPr>
+            <a:spLocks noGrp="1"/>
+          </p:cNvSpPr>
+          <p:nvPr>
+            <p:ph type="sldNum" sz="quarter" idx="12"/>
+          </p:nvPr>
+        </p:nvSpPr>
+        <p:spPr/>
+        <p:txBody>
+          <a:bodyPr/>
+          <a:lstStyle/>
+          <a:p>
+            <a:fld id="{519954A3-9DFD-4C44-94BA-B95130A3BA1C}" type="slidenum">
+              <a:rPr lang="en-US" smtClean="0"/>
+              <a:t>15</a:t>
+            </a:fld>
+            <a:endParaRPr lang="en-US" dirty="0"/>
+          </a:p>
+        </p:txBody>
+      </p:sp>
+      <p:pic>
+        <p:nvPicPr>
+          <p:cNvPr id="6" name="Picture 5"/>
+          <p:cNvPicPr>
+            <a:picLocks noChangeAspect="1"/>
+          </p:cNvPicPr>
+          <p:nvPr/>
+        </p:nvPicPr>
+        <p:blipFill>
+          <a:blip r:embed="rId3"/>
+          <a:stretch>
+            <a:fillRect/>
+          </a:stretch>
+        </p:blipFill>
+        <p:spPr>
+          <a:xfrm>
+            <a:off x="1863969" y="167216"/>
+            <a:ext cx="4615962" cy="2978040"/>
+          </a:xfrm>
+          <a:prstGeom prst="rect">
+            <a:avLst/>
+          </a:prstGeom>
+        </p:spPr>
+      </p:pic>
+    </p:spTree>
+    <p:extLst>
+      <p:ext uri="{BB962C8B-B14F-4D97-AF65-F5344CB8AC3E}">
+        <p14:creationId xmlns:p14="http://schemas.microsoft.com/office/powerpoint/2010/main" val="1306756390"/>
+      </p:ext>
+    </p:extLst>
+  </p:cSld>
+  <p:clrMapOvr>
+    <a:masterClrMapping/>
+  </p:clrMapOvr>
 </p:sld>
 </file>
 
@@ -16944,15 +16953,9 @@
               <a:rPr lang="ja-JP" altLang="en-US" sz="3200" dirty="0">
                 <a:latin typeface="+mn-ea"/>
               </a:rPr>
-              <a:t>背景と</a:t>
-            </a:r>
-            <a:r>
-              <a:rPr lang="ja-JP" altLang="en-US" sz="3200" dirty="0" smtClean="0">
-                <a:latin typeface="+mn-ea"/>
-              </a:rPr>
-              <a:t>目的</a:t>
-            </a:r>
-            <a:endParaRPr lang="en-US" altLang="ja-JP" sz="3200" dirty="0" smtClean="0">
+              <a:t>背景と目的</a:t>
+            </a:r>
+            <a:endParaRPr lang="en-US" altLang="ja-JP" sz="3200" dirty="0">
               <a:latin typeface="+mn-ea"/>
             </a:endParaRPr>
           </a:p>
@@ -16962,7 +16965,7 @@
               <a:buChar char="•"/>
             </a:pPr>
             <a:r>
-              <a:rPr lang="ja-JP" altLang="en-US" dirty="0" smtClean="0">
+              <a:rPr lang="ja-JP" altLang="en-US" dirty="0">
                 <a:latin typeface="+mn-ea"/>
               </a:rPr>
               <a:t>血管抽出アルゴリズム</a:t>
@@ -17110,13 +17113,6 @@
   <p:clrMapOvr>
     <a:masterClrMapping/>
   </p:clrMapOvr>
-  <p:timing>
-    <p:tnLst>
-      <p:par>
-        <p:cTn id="1" dur="indefinite" restart="never" nodeType="tmRoot"/>
-      </p:par>
-    </p:tnLst>
-  </p:timing>
 </p:sld>
 </file>
 
@@ -17207,7 +17203,7 @@
               <a:buSzPct val="45000"/>
             </a:pPr>
             <a:r>
-              <a:rPr lang="ja-JP" altLang="en-US" sz="3200" u="sng" dirty="0" smtClean="0">
+              <a:rPr lang="ja-JP" altLang="en-US" sz="3200" u="sng" dirty="0">
                 <a:uFill>
                   <a:solidFill>
                     <a:srgbClr val="00B050"/>
@@ -17749,13 +17745,6 @@
   <p:clrMapOvr>
     <a:masterClrMapping/>
   </p:clrMapOvr>
-  <p:timing>
-    <p:tnLst>
-      <p:par>
-        <p:cTn id="1" dur="indefinite" restart="never" nodeType="tmRoot"/>
-      </p:par>
-    </p:tnLst>
-  </p:timing>
 </p:sld>
 </file>
 
@@ -17800,7 +17789,7 @@
           <a:p>
             <a:pPr algn="l"/>
             <a:r>
-              <a:rPr lang="ja-JP" altLang="en-US" sz="3200" u="sng" dirty="0" smtClean="0">
+              <a:rPr lang="ja-JP" altLang="en-US" sz="3200" u="sng" dirty="0">
                 <a:uFill>
                   <a:solidFill>
                     <a:srgbClr val="00B050"/>
@@ -18013,11 +18002,7 @@
             </a:pPr>
             <a:r>
               <a:rPr lang="ja-JP" altLang="en-US" sz="2600" dirty="0"/>
-              <a:t>経皮的に生体情報を</a:t>
-            </a:r>
-            <a:r>
-              <a:rPr lang="ja-JP" altLang="en-US" sz="2600" dirty="0" smtClean="0"/>
-              <a:t>取得</a:t>
+              <a:t>経皮的に生体情報を取得</a:t>
             </a:r>
             <a:endParaRPr lang="en-US" altLang="ja-JP" sz="2600" dirty="0"/>
           </a:p>
@@ -18027,10 +18012,10 @@
               <a:buChar char="n"/>
             </a:pPr>
             <a:r>
-              <a:rPr lang="ja-JP" altLang="en-US" sz="2600" dirty="0" smtClean="0"/>
+              <a:rPr lang="ja-JP" altLang="en-US" sz="2600" dirty="0"/>
               <a:t>血流計測での対象の固定</a:t>
             </a:r>
-            <a:endParaRPr lang="en-US" altLang="ja-JP" sz="2600" dirty="0" smtClean="0"/>
+            <a:endParaRPr lang="en-US" altLang="ja-JP" sz="2600" dirty="0"/>
           </a:p>
           <a:p>
             <a:pPr lvl="1">
@@ -18039,10 +18024,10 @@
               </a:lnSpc>
             </a:pPr>
             <a:r>
-              <a:rPr lang="ja-JP" altLang="en-US" dirty="0" smtClean="0"/>
+              <a:rPr lang="ja-JP" altLang="en-US" dirty="0"/>
               <a:t>固定する　　→　血流が阻害される</a:t>
             </a:r>
-            <a:endParaRPr lang="en-US" altLang="ja-JP" dirty="0" smtClean="0"/>
+            <a:endParaRPr lang="en-US" altLang="ja-JP" dirty="0"/>
           </a:p>
           <a:p>
             <a:pPr lvl="1">
@@ -18051,10 +18036,10 @@
               </a:lnSpc>
             </a:pPr>
             <a:r>
-              <a:rPr lang="ja-JP" altLang="en-US" dirty="0" smtClean="0"/>
+              <a:rPr lang="ja-JP" altLang="en-US" dirty="0"/>
               <a:t>固定しない　→　測定領域がずれる</a:t>
             </a:r>
-            <a:endParaRPr lang="en-US" altLang="ja-JP" dirty="0" smtClean="0"/>
+            <a:endParaRPr lang="en-US" altLang="ja-JP" dirty="0"/>
           </a:p>
           <a:p>
             <a:pPr>
@@ -18065,7 +18050,7 @@
               <a:buChar char="n"/>
             </a:pPr>
             <a:r>
-              <a:rPr lang="ja-JP" altLang="en-US" dirty="0" smtClean="0"/>
+              <a:rPr lang="ja-JP" altLang="en-US" dirty="0"/>
               <a:t>ロボットアーム</a:t>
             </a:r>
             <a:endParaRPr lang="en-US" altLang="ja-JP" dirty="0"/>
@@ -18077,26 +18062,10 @@
               </a:lnSpc>
             </a:pPr>
             <a:r>
-              <a:rPr lang="ja-JP" altLang="en-US" dirty="0" smtClean="0"/>
-              <a:t>カラーカメラで自動的</a:t>
-            </a:r>
-            <a:r>
               <a:rPr lang="ja-JP" altLang="en-US" dirty="0"/>
-              <a:t>に対象を追跡</a:t>
+              <a:t>カラーカメラで自動的に対象を追跡</a:t>
             </a:r>
             <a:endParaRPr lang="en-US" altLang="ja-JP" dirty="0"/>
-          </a:p>
-          <a:p>
-            <a:pPr lvl="1">
-              <a:lnSpc>
-                <a:spcPct val="150000"/>
-              </a:lnSpc>
-            </a:pPr>
-            <a:r>
-              <a:rPr lang="ja-JP" altLang="en-US" dirty="0" smtClean="0"/>
-              <a:t>カラー画像からの血管抽出機能が必要</a:t>
-            </a:r>
-            <a:endParaRPr lang="en-US" altLang="ja-JP" dirty="0" smtClean="0"/>
           </a:p>
           <a:p>
             <a:pPr>
@@ -18107,10 +18076,10 @@
               <a:buChar char="n"/>
             </a:pPr>
             <a:r>
-              <a:rPr lang="ja-JP" altLang="en-US" dirty="0" smtClean="0"/>
+              <a:rPr lang="ja-JP" altLang="en-US" dirty="0"/>
               <a:t>目的</a:t>
             </a:r>
-            <a:endParaRPr lang="en-US" altLang="ja-JP" dirty="0" smtClean="0"/>
+            <a:endParaRPr lang="en-US" altLang="ja-JP" dirty="0"/>
           </a:p>
           <a:p>
             <a:pPr lvl="1">
@@ -18119,10 +18088,10 @@
               </a:lnSpc>
             </a:pPr>
             <a:r>
-              <a:rPr lang="ja-JP" altLang="en-US" dirty="0" smtClean="0"/>
-              <a:t>機械学習を利用し，カラー画像から血管を抽出</a:t>
-            </a:r>
-            <a:endParaRPr lang="en-US" altLang="ja-JP" dirty="0" smtClean="0"/>
+              <a:rPr lang="ja-JP" altLang="en-US" dirty="0"/>
+              <a:t>カラー画像から血管を抽出</a:t>
+            </a:r>
+            <a:endParaRPr lang="en-US" altLang="ja-JP" dirty="0"/>
           </a:p>
         </p:txBody>
       </p:sp>
@@ -18215,12 +18184,8 @@
           <a:lstStyle/>
           <a:p>
             <a:r>
-              <a:rPr lang="ja-JP" altLang="en-US" sz="2400" dirty="0" smtClean="0"/>
-              <a:t>両方とも</a:t>
-            </a:r>
-            <a:r>
               <a:rPr lang="ja-JP" altLang="en-US" sz="2400" dirty="0"/>
-              <a:t>問題</a:t>
+              <a:t>両方とも問題</a:t>
             </a:r>
             <a:endParaRPr lang="en-US" sz="2400" dirty="0"/>
           </a:p>
@@ -18236,13 +18201,6 @@
   <p:clrMapOvr>
     <a:masterClrMapping/>
   </p:clrMapOvr>
-  <p:timing>
-    <p:tnLst>
-      <p:par>
-        <p:cTn id="1" dur="indefinite" restart="never" nodeType="tmRoot"/>
-      </p:par>
-    </p:tnLst>
-  </p:timing>
 </p:sld>
 </file>
 
@@ -18303,7 +18261,7 @@
           <a:p>
             <a:pPr algn="l"/>
             <a:r>
-              <a:rPr lang="ja-JP" altLang="en-US" sz="3200" u="sng" dirty="0" smtClean="0">
+              <a:rPr lang="ja-JP" altLang="en-US" sz="3200" u="sng" dirty="0">
                 <a:uFill>
                   <a:solidFill>
                     <a:srgbClr val="00B050"/>
@@ -18313,14 +18271,6 @@
               </a:rPr>
               <a:t>背景と目的</a:t>
             </a:r>
-            <a:endParaRPr lang="ja-JP" altLang="en-US" sz="3200" u="sng" dirty="0">
-              <a:uFill>
-                <a:solidFill>
-                  <a:srgbClr val="00B050"/>
-                </a:solidFill>
-              </a:uFill>
-              <a:latin typeface="+mj-ea"/>
-            </a:endParaRPr>
           </a:p>
         </p:txBody>
       </p:sp>
@@ -18398,17 +18348,7 @@
                   </a:solidFill>
                 </a:uFill>
               </a:rPr>
-              <a:t>他の方法による血管</a:t>
-            </a:r>
-            <a:r>
-              <a:rPr lang="ja-JP" altLang="en-US" sz="2800" dirty="0" smtClean="0">
-                <a:uFill>
-                  <a:solidFill>
-                    <a:srgbClr val="FF0000"/>
-                  </a:solidFill>
-                </a:uFill>
-              </a:rPr>
-              <a:t>抽出が必要</a:t>
+              <a:t>他の方法による血管抽出が必要</a:t>
             </a:r>
             <a:endParaRPr lang="en-US" altLang="ja-JP" sz="2800" dirty="0">
               <a:uFill>
@@ -18621,8 +18561,8 @@
         </p:nvSpPr>
         <p:spPr>
           <a:xfrm>
-            <a:off x="420919" y="813527"/>
-            <a:ext cx="7537369" cy="1569660"/>
+            <a:off x="325015" y="813527"/>
+            <a:ext cx="7537369" cy="1200329"/>
           </a:xfrm>
           <a:prstGeom prst="rect">
             <a:avLst/>
@@ -18640,10 +18580,10 @@
               <a:buChar char="n"/>
             </a:pPr>
             <a:r>
-              <a:rPr lang="ja-JP" altLang="en-US" sz="2400" dirty="0" smtClean="0"/>
+              <a:rPr lang="ja-JP" altLang="en-US" sz="2400" dirty="0"/>
               <a:t>機械学習</a:t>
             </a:r>
-            <a:endParaRPr lang="en-US" altLang="ja-JP" sz="2400" dirty="0" smtClean="0"/>
+            <a:endParaRPr lang="en-US" altLang="ja-JP" sz="2400" dirty="0"/>
           </a:p>
           <a:p>
             <a:pPr marL="800100" lvl="1" indent="-342900">
@@ -18651,10 +18591,10 @@
               <a:buChar char="•"/>
             </a:pPr>
             <a:r>
-              <a:rPr lang="ja-JP" altLang="en-US" sz="2400" dirty="0" smtClean="0"/>
-              <a:t>血管の位置データが必要</a:t>
-            </a:r>
-            <a:endParaRPr lang="en-US" altLang="ja-JP" sz="2400" dirty="0" smtClean="0"/>
+              <a:rPr lang="ja-JP" altLang="en-US" sz="2400" dirty="0"/>
+              <a:t>データのパターンを学習</a:t>
+            </a:r>
+            <a:endParaRPr lang="en-US" altLang="ja-JP" sz="2400" dirty="0"/>
           </a:p>
           <a:p>
             <a:pPr marL="800100" lvl="1" indent="-342900">
@@ -18662,21 +18602,10 @@
               <a:buChar char="•"/>
             </a:pPr>
             <a:r>
-              <a:rPr lang="ja-JP" altLang="en-US" sz="2400" dirty="0" smtClean="0"/>
-              <a:t>データのパターンを学習</a:t>
-            </a:r>
-            <a:endParaRPr lang="en-US" altLang="ja-JP" sz="2400" dirty="0" smtClean="0"/>
-          </a:p>
-          <a:p>
-            <a:pPr marL="800100" lvl="1" indent="-342900">
-              <a:buFont typeface="Arial" panose="020B0604020202020204" pitchFamily="34" charset="0"/>
-              <a:buChar char="•"/>
-            </a:pPr>
-            <a:r>
-              <a:rPr lang="ja-JP" altLang="en-US" sz="2400" dirty="0" smtClean="0"/>
-              <a:t>同じパターンのデータを認識</a:t>
-            </a:r>
-            <a:endParaRPr lang="en-US" sz="2400" dirty="0"/>
+              <a:rPr lang="ja-JP" altLang="en-US" sz="2400" dirty="0"/>
+              <a:t>血管の位置データが必要</a:t>
+            </a:r>
+            <a:endParaRPr lang="en-US" altLang="ja-JP" sz="2400" dirty="0"/>
           </a:p>
         </p:txBody>
       </p:sp>
@@ -18945,17 +18874,6 @@
           <a:p>
             <a:pPr algn="l"/>
             <a:r>
-              <a:rPr lang="ja-JP" altLang="en-US" sz="3200" u="sng" dirty="0" smtClean="0">
-                <a:uFill>
-                  <a:solidFill>
-                    <a:srgbClr val="00B050"/>
-                  </a:solidFill>
-                </a:uFill>
-                <a:latin typeface="+mj-ea"/>
-              </a:rPr>
-              <a:t>血管抽出アルゴリズム：谷</a:t>
-            </a:r>
-            <a:r>
               <a:rPr lang="ja-JP" altLang="en-US" sz="3200" u="sng" dirty="0">
                 <a:uFill>
                   <a:solidFill>
@@ -18964,18 +18882,7 @@
                 </a:uFill>
                 <a:latin typeface="+mj-ea"/>
               </a:rPr>
-              <a:t>の</a:t>
-            </a:r>
-            <a:r>
-              <a:rPr lang="ja-JP" altLang="en-US" sz="3200" u="sng" dirty="0" smtClean="0">
-                <a:uFill>
-                  <a:solidFill>
-                    <a:srgbClr val="00B050"/>
-                  </a:solidFill>
-                </a:uFill>
-                <a:latin typeface="+mj-ea"/>
-              </a:rPr>
-              <a:t>検出</a:t>
+              <a:t>血管抽出アルゴリズム：谷の検出</a:t>
             </a:r>
             <a:endParaRPr kumimoji="1" lang="ja-JP" altLang="en-US" sz="3200" u="sng" dirty="0">
               <a:uFill>
@@ -19045,8 +18952,8 @@
           </a:prstGeom>
         </p:spPr>
       </p:pic>
-      <mc:AlternateContent xmlns:mc="http://schemas.openxmlformats.org/markup-compatibility/2006">
-        <mc:Choice xmlns:a14="http://schemas.microsoft.com/office/drawing/2010/main" Requires="a14">
+      <mc:AlternateContent xmlns:mc="http://schemas.openxmlformats.org/markup-compatibility/2006" xmlns:a14="http://schemas.microsoft.com/office/drawing/2010/main">
+        <mc:Choice Requires="a14">
           <p:sp>
             <p:nvSpPr>
               <p:cNvPr id="7" name="テキスト ボックス 6"/>
@@ -19139,7 +19046,7 @@
             </p:txBody>
           </p:sp>
         </mc:Choice>
-        <mc:Fallback>
+        <mc:Fallback xmlns="">
           <p:sp>
             <p:nvSpPr>
               <p:cNvPr id="7" name="テキスト ボックス 6"/>
@@ -19178,8 +19085,8 @@
           </p:sp>
         </mc:Fallback>
       </mc:AlternateContent>
-      <mc:AlternateContent xmlns:mc="http://schemas.openxmlformats.org/markup-compatibility/2006">
-        <mc:Choice xmlns:a14="http://schemas.microsoft.com/office/drawing/2010/main" Requires="a14">
+      <mc:AlternateContent xmlns:mc="http://schemas.openxmlformats.org/markup-compatibility/2006" xmlns:a14="http://schemas.microsoft.com/office/drawing/2010/main">
+        <mc:Choice Requires="a14">
           <p:sp>
             <p:nvSpPr>
               <p:cNvPr id="8" name="TextBox 7"/>
@@ -19269,7 +19176,7 @@
             </p:txBody>
           </p:sp>
         </mc:Choice>
-        <mc:Fallback>
+        <mc:Fallback xmlns="">
           <p:sp>
             <p:nvSpPr>
               <p:cNvPr id="8" name="TextBox 7"/>
@@ -19308,8 +19215,8 @@
           </p:sp>
         </mc:Fallback>
       </mc:AlternateContent>
-      <mc:AlternateContent xmlns:mc="http://schemas.openxmlformats.org/markup-compatibility/2006">
-        <mc:Choice xmlns:a14="http://schemas.microsoft.com/office/drawing/2010/main" Requires="a14">
+      <mc:AlternateContent xmlns:mc="http://schemas.openxmlformats.org/markup-compatibility/2006" xmlns:a14="http://schemas.microsoft.com/office/drawing/2010/main">
+        <mc:Choice Requires="a14">
           <p:sp>
             <p:nvSpPr>
               <p:cNvPr id="10" name="Rectangle 9"/>
@@ -19760,7 +19667,7 @@
             </p:txBody>
           </p:sp>
         </mc:Choice>
-        <mc:Fallback>
+        <mc:Fallback xmlns="">
           <p:sp>
             <p:nvSpPr>
               <p:cNvPr id="10" name="Rectangle 9"/>
@@ -20358,14 +20265,13 @@
               <a:buChar char="n"/>
             </a:pPr>
             <a:r>
-              <a:rPr kumimoji="1" lang="ja-JP" altLang="en-US" sz="2800" dirty="0" smtClean="0"/>
+              <a:rPr kumimoji="1" lang="ja-JP" altLang="en-US" sz="2800" dirty="0"/>
               <a:t>スケール </a:t>
             </a:r>
             <a:r>
-              <a:rPr lang="en-US" altLang="ja-JP" sz="2800" i="1" dirty="0" smtClean="0"/>
+              <a:rPr lang="en-US" altLang="ja-JP" sz="2800" i="1" dirty="0"/>
               <a:t>t</a:t>
             </a:r>
-            <a:endParaRPr lang="en-US" altLang="ja-JP" sz="2800" i="1" dirty="0"/>
           </a:p>
           <a:p>
             <a:pPr marL="914400" lvl="1" indent="-457200">
@@ -20385,19 +20291,11 @@
             </a:pPr>
             <a:r>
               <a:rPr lang="en-US" altLang="ja-JP" sz="2800" i="1" dirty="0"/>
-              <a:t>t</a:t>
-            </a:r>
-            <a:r>
-              <a:rPr lang="en-US" altLang="ja-JP" sz="2800" i="1" dirty="0" smtClean="0"/>
-              <a:t> </a:t>
-            </a:r>
-            <a:r>
-              <a:rPr lang="ja-JP" altLang="en-US" sz="2800" dirty="0" smtClean="0"/>
-              <a:t>が</a:t>
+              <a:t>t </a:t>
             </a:r>
             <a:r>
               <a:rPr lang="ja-JP" altLang="en-US" sz="2800" dirty="0"/>
-              <a:t>大きければ大きいほど画像が強くぼかされる</a:t>
+              <a:t>が大きければ大きいほど画像が強くぼかされる</a:t>
             </a:r>
             <a:endParaRPr lang="en-US" altLang="ja-JP" sz="2800" dirty="0"/>
           </a:p>
@@ -20408,19 +20306,11 @@
             </a:pPr>
             <a:r>
               <a:rPr lang="en-US" altLang="ja-JP" sz="2800" i="1" dirty="0"/>
-              <a:t>t</a:t>
-            </a:r>
-            <a:r>
-              <a:rPr lang="en-US" altLang="ja-JP" sz="2800" i="1" dirty="0" smtClean="0"/>
-              <a:t> </a:t>
-            </a:r>
-            <a:r>
-              <a:rPr lang="ja-JP" altLang="en-US" sz="2800" dirty="0" smtClean="0"/>
-              <a:t>に</a:t>
+              <a:t>t </a:t>
             </a:r>
             <a:r>
               <a:rPr lang="ja-JP" altLang="en-US" sz="2800" dirty="0"/>
-              <a:t>よって検出できる谷の広さが異なる</a:t>
+              <a:t>によって検出できる谷の広さが異なる</a:t>
             </a:r>
             <a:endParaRPr lang="en-US" altLang="ja-JP" sz="2800" i="1" dirty="0"/>
           </a:p>
@@ -20450,17 +20340,6 @@
           <a:p>
             <a:pPr algn="l"/>
             <a:r>
-              <a:rPr lang="ja-JP" altLang="en-US" sz="3200" u="sng" dirty="0" smtClean="0">
-                <a:uFill>
-                  <a:solidFill>
-                    <a:srgbClr val="00B050"/>
-                  </a:solidFill>
-                </a:uFill>
-                <a:latin typeface="+mj-ea"/>
-              </a:rPr>
-              <a:t>血管抽出アルゴリズム：スケール</a:t>
-            </a:r>
-            <a:r>
               <a:rPr lang="ja-JP" altLang="en-US" sz="3200" u="sng" dirty="0">
                 <a:uFill>
                   <a:solidFill>
@@ -20469,7 +20348,7 @@
                 </a:uFill>
                 <a:latin typeface="+mj-ea"/>
               </a:rPr>
-              <a:t>空間</a:t>
+              <a:t>血管抽出アルゴリズム：スケール空間</a:t>
             </a:r>
             <a:endParaRPr kumimoji="1" lang="ja-JP" altLang="en-US" sz="3200" u="sng" dirty="0">
               <a:uFill>
@@ -20877,13 +20756,6 @@
   <p:clrMapOvr>
     <a:masterClrMapping/>
   </p:clrMapOvr>
-  <p:timing>
-    <p:tnLst>
-      <p:par>
-        <p:cTn id="1" dur="indefinite" restart="never" nodeType="tmRoot"/>
-      </p:par>
-    </p:tnLst>
-  </p:timing>
 </p:sld>
 </file>
 
@@ -20928,17 +20800,6 @@
           <a:p>
             <a:pPr algn="l"/>
             <a:r>
-              <a:rPr lang="ja-JP" altLang="en-US" sz="3200" u="sng" dirty="0" smtClean="0">
-                <a:uFill>
-                  <a:solidFill>
-                    <a:srgbClr val="00B050"/>
-                  </a:solidFill>
-                </a:uFill>
-                <a:latin typeface="+mj-ea"/>
-              </a:rPr>
-              <a:t>血管抽出アルゴリズム：谷</a:t>
-            </a:r>
-            <a:r>
               <a:rPr lang="ja-JP" altLang="en-US" sz="3200" u="sng" dirty="0">
                 <a:uFill>
                   <a:solidFill>
@@ -20947,7 +20808,7 @@
                 </a:uFill>
                 <a:latin typeface="+mj-ea"/>
               </a:rPr>
-              <a:t>強度</a:t>
+              <a:t>血管抽出アルゴリズム：谷強度</a:t>
             </a:r>
             <a:r>
               <a:rPr lang="en-US" altLang="ja-JP" sz="3200" u="sng" dirty="0">
@@ -21454,7 +21315,7 @@
         </p:blipFill>
         <p:spPr>
           <a:xfrm>
-            <a:off x="705971" y="4305568"/>
+            <a:off x="716476" y="4305567"/>
             <a:ext cx="2297206" cy="1722905"/>
           </a:xfrm>
           <a:prstGeom prst="rect">
@@ -21611,8 +21472,8 @@
         </p:nvSpPr>
         <p:spPr>
           <a:xfrm>
-            <a:off x="1241265" y="6028473"/>
-            <a:ext cx="1226618" cy="369332"/>
+            <a:off x="1020937" y="6028473"/>
+            <a:ext cx="1688283" cy="369332"/>
           </a:xfrm>
           <a:prstGeom prst="rect">
             <a:avLst/>
@@ -21626,10 +21487,9 @@
           <a:lstStyle/>
           <a:p>
             <a:r>
-              <a:rPr kumimoji="1" lang="ja-JP" altLang="en-US" dirty="0" smtClean="0"/>
-              <a:t>オリジナル</a:t>
-            </a:r>
-            <a:endParaRPr kumimoji="1" lang="ja-JP" altLang="en-US" dirty="0"/>
+              <a:rPr kumimoji="1" lang="ja-JP" altLang="en-US" dirty="0"/>
+              <a:t>オリジナル信号</a:t>
+            </a:r>
           </a:p>
         </p:txBody>
       </p:sp>
@@ -21643,13 +21503,6 @@
   <p:clrMapOvr>
     <a:masterClrMapping/>
   </p:clrMapOvr>
-  <p:timing>
-    <p:tnLst>
-      <p:par>
-        <p:cTn id="1" dur="indefinite" restart="never" nodeType="tmRoot"/>
-      </p:par>
-    </p:tnLst>
-  </p:timing>
 </p:sld>
 </file>
 
@@ -21750,23 +21603,15 @@
             </a:pPr>
             <a:r>
               <a:rPr lang="ja-JP" altLang="en-US" sz="2800" dirty="0"/>
-              <a:t>異なる</a:t>
-            </a:r>
-            <a:r>
-              <a:rPr lang="ja-JP" altLang="en-US" sz="2800" dirty="0" smtClean="0"/>
-              <a:t>スケール </a:t>
-            </a:r>
-            <a:r>
-              <a:rPr lang="en-US" altLang="ja-JP" sz="2800" i="1" dirty="0" smtClean="0"/>
+              <a:t>異なるスケール </a:t>
+            </a:r>
+            <a:r>
+              <a:rPr lang="en-US" altLang="ja-JP" sz="2800" i="1" dirty="0"/>
               <a:t>t </a:t>
             </a:r>
             <a:r>
-              <a:rPr lang="ja-JP" altLang="en-US" sz="2800" dirty="0" smtClean="0"/>
-              <a:t>の</a:t>
-            </a:r>
-            <a:r>
               <a:rPr lang="ja-JP" altLang="en-US" sz="2800" dirty="0"/>
-              <a:t>画像を重ねる</a:t>
+              <a:t>の画像を重ねる</a:t>
             </a:r>
             <a:endParaRPr lang="en-US" altLang="ja-JP" sz="2800" dirty="0"/>
           </a:p>
@@ -21777,19 +21622,11 @@
             </a:pPr>
             <a:r>
               <a:rPr lang="en-US" altLang="ja-JP" sz="2800" i="1" dirty="0"/>
-              <a:t>t</a:t>
-            </a:r>
-            <a:r>
-              <a:rPr lang="en-US" altLang="ja-JP" sz="2800" i="1" dirty="0" smtClean="0"/>
-              <a:t> </a:t>
-            </a:r>
-            <a:r>
-              <a:rPr lang="ja-JP" altLang="en-US" sz="2800" dirty="0" smtClean="0"/>
-              <a:t>を</a:t>
+              <a:t>t </a:t>
             </a:r>
             <a:r>
               <a:rPr lang="ja-JP" altLang="en-US" sz="2800" dirty="0"/>
-              <a:t>含んだ</a:t>
+              <a:t>を含んだ</a:t>
             </a:r>
             <a:r>
               <a:rPr lang="en-US" altLang="ja-JP" sz="2800" dirty="0">
@@ -22563,18 +22400,7 @@
                 </a:uFill>
                 <a:latin typeface="+mj-ea"/>
               </a:rPr>
-              <a:t>血管抽出アルゴリズム：谷</a:t>
-            </a:r>
-            <a:r>
-              <a:rPr lang="ja-JP" altLang="en-US" sz="3200" u="sng" dirty="0">
-                <a:uFill>
-                  <a:solidFill>
-                    <a:srgbClr val="00B050"/>
-                  </a:solidFill>
-                </a:uFill>
-                <a:latin typeface="+mj-ea"/>
-              </a:rPr>
-              <a:t>強度</a:t>
+              <a:t>血管抽出アルゴリズム：谷強度</a:t>
             </a:r>
             <a:r>
               <a:rPr lang="en-US" altLang="ja-JP" sz="3200" u="sng" dirty="0">
@@ -22606,13 +22432,6 @@
   <p:clrMapOvr>
     <a:masterClrMapping/>
   </p:clrMapOvr>
-  <p:timing>
-    <p:tnLst>
-      <p:par>
-        <p:cTn id="1" dur="indefinite" restart="never" nodeType="tmRoot"/>
-      </p:par>
-    </p:tnLst>
-  </p:timing>
 </p:sld>
 </file>
 
